--- a/AstraZeneca_Presentation.pptx
+++ b/AstraZeneca_Presentation.pptx
@@ -181,7 +181,6 @@
   </mc:AlternateContent>
   <c:chart>
     <c:title>
-      <c:layout/>
       <c:overlay val="0"/>
       <c:spPr>
         <a:noFill/>
@@ -432,11 +431,11 @@
         </c:dLbls>
         <c:gapWidth val="80"/>
         <c:overlap val="25"/>
-        <c:axId val="386689360"/>
-        <c:axId val="386691712"/>
+        <c:axId val="368770536"/>
+        <c:axId val="368767008"/>
       </c:barChart>
       <c:catAx>
-        <c:axId val="386689360"/>
+        <c:axId val="368770536"/>
         <c:scaling>
           <c:orientation val="minMax"/>
         </c:scaling>
@@ -479,7 +478,7 @@
             <a:endParaRPr lang="en-US"/>
           </a:p>
         </c:txPr>
-        <c:crossAx val="386691712"/>
+        <c:crossAx val="368767008"/>
         <c:crosses val="autoZero"/>
         <c:auto val="1"/>
         <c:lblAlgn val="ctr"/>
@@ -487,7 +486,7 @@
         <c:noMultiLvlLbl val="0"/>
       </c:catAx>
       <c:valAx>
-        <c:axId val="386691712"/>
+        <c:axId val="368767008"/>
         <c:scaling>
           <c:orientation val="minMax"/>
         </c:scaling>
@@ -538,7 +537,7 @@
             <a:endParaRPr lang="en-US"/>
           </a:p>
         </c:txPr>
-        <c:crossAx val="386689360"/>
+        <c:crossAx val="368770536"/>
         <c:crosses val="autoZero"/>
         <c:crossBetween val="between"/>
       </c:valAx>
@@ -552,7 +551,6 @@
     </c:plotArea>
     <c:legend>
       <c:legendPos val="b"/>
-      <c:layout/>
       <c:overlay val="0"/>
       <c:spPr>
         <a:noFill/>
@@ -2767,764 +2765,6 @@
       <dsp:cNvGrpSpPr/>
     </dsp:nvGrpSpPr>
     <dsp:grpSpPr/>
-    <dsp:sp modelId="{A40B6350-F943-41DE-88CA-6BB1201D312F}">
-      <dsp:nvSpPr>
-        <dsp:cNvPr id="0" name=""/>
-        <dsp:cNvSpPr/>
-      </dsp:nvSpPr>
-      <dsp:spPr>
-        <a:xfrm>
-          <a:off x="783778" y="485484"/>
-          <a:ext cx="1467863" cy="979065"/>
-        </a:xfrm>
-        <a:prstGeom prst="rect">
-          <a:avLst/>
-        </a:prstGeom>
-        <a:solidFill>
-          <a:schemeClr val="accent2">
-            <a:tint val="40000"/>
-            <a:alpha val="90000"/>
-            <a:hueOff val="0"/>
-            <a:satOff val="0"/>
-            <a:lumOff val="0"/>
-            <a:alphaOff val="0"/>
-          </a:schemeClr>
-        </a:solidFill>
-        <a:ln w="6350" cap="flat" cmpd="sng" algn="ctr">
-          <a:solidFill>
-            <a:schemeClr val="accent2">
-              <a:tint val="40000"/>
-              <a:alpha val="90000"/>
-              <a:hueOff val="0"/>
-              <a:satOff val="0"/>
-              <a:lumOff val="0"/>
-              <a:alphaOff val="0"/>
-            </a:schemeClr>
-          </a:solidFill>
-          <a:prstDash val="solid"/>
-          <a:miter lim="800000"/>
-        </a:ln>
-        <a:effectLst/>
-      </dsp:spPr>
-      <dsp:style>
-        <a:lnRef idx="1">
-          <a:scrgbClr r="0" g="0" b="0"/>
-        </a:lnRef>
-        <a:fillRef idx="1">
-          <a:scrgbClr r="0" g="0" b="0"/>
-        </a:fillRef>
-        <a:effectRef idx="0">
-          <a:scrgbClr r="0" g="0" b="0"/>
-        </a:effectRef>
-        <a:fontRef idx="minor"/>
-      </dsp:style>
-      <dsp:txBody>
-        <a:bodyPr spcFirstLastPara="0" vert="horz" wrap="square" lIns="0" tIns="192024" rIns="192024" bIns="192024" numCol="1" spcCol="1270" anchor="ctr" anchorCtr="0">
-          <a:noAutofit/>
-        </a:bodyPr>
-        <a:lstStyle/>
-        <a:p>
-          <a:pPr lvl="0" algn="l" defTabSz="1200150">
-            <a:lnSpc>
-              <a:spcPct val="90000"/>
-            </a:lnSpc>
-            <a:spcBef>
-              <a:spcPct val="0"/>
-            </a:spcBef>
-            <a:spcAft>
-              <a:spcPct val="35000"/>
-            </a:spcAft>
-          </a:pPr>
-          <a:r>
-            <a:rPr lang="en-US" sz="2700" kern="1200" dirty="0" smtClean="0"/>
-            <a:t>Task 1</a:t>
-          </a:r>
-          <a:endParaRPr lang="en-US" sz="2700" kern="1200" dirty="0"/>
-        </a:p>
-      </dsp:txBody>
-      <dsp:txXfrm>
-        <a:off x="1018636" y="485484"/>
-        <a:ext cx="1233005" cy="979065"/>
-      </dsp:txXfrm>
-    </dsp:sp>
-    <dsp:sp modelId="{FC1F2FE6-58F5-420D-9DE7-5BAB2796B2E2}">
-      <dsp:nvSpPr>
-        <dsp:cNvPr id="0" name=""/>
-        <dsp:cNvSpPr/>
-      </dsp:nvSpPr>
-      <dsp:spPr>
-        <a:xfrm>
-          <a:off x="783778" y="1464549"/>
-          <a:ext cx="1467863" cy="979065"/>
-        </a:xfrm>
-        <a:prstGeom prst="rect">
-          <a:avLst/>
-        </a:prstGeom>
-        <a:solidFill>
-          <a:schemeClr val="accent3">
-            <a:tint val="40000"/>
-            <a:alpha val="90000"/>
-            <a:hueOff val="0"/>
-            <a:satOff val="0"/>
-            <a:lumOff val="0"/>
-            <a:alphaOff val="0"/>
-          </a:schemeClr>
-        </a:solidFill>
-        <a:ln w="6350" cap="flat" cmpd="sng" algn="ctr">
-          <a:solidFill>
-            <a:schemeClr val="accent3">
-              <a:tint val="40000"/>
-              <a:alpha val="90000"/>
-              <a:hueOff val="0"/>
-              <a:satOff val="0"/>
-              <a:lumOff val="0"/>
-              <a:alphaOff val="0"/>
-            </a:schemeClr>
-          </a:solidFill>
-          <a:prstDash val="solid"/>
-          <a:miter lim="800000"/>
-        </a:ln>
-        <a:effectLst/>
-      </dsp:spPr>
-      <dsp:style>
-        <a:lnRef idx="1">
-          <a:scrgbClr r="0" g="0" b="0"/>
-        </a:lnRef>
-        <a:fillRef idx="1">
-          <a:scrgbClr r="0" g="0" b="0"/>
-        </a:fillRef>
-        <a:effectRef idx="0">
-          <a:scrgbClr r="0" g="0" b="0"/>
-        </a:effectRef>
-        <a:fontRef idx="minor"/>
-      </dsp:style>
-      <dsp:txBody>
-        <a:bodyPr spcFirstLastPara="0" vert="horz" wrap="square" lIns="0" tIns="192024" rIns="192024" bIns="192024" numCol="1" spcCol="1270" anchor="ctr" anchorCtr="0">
-          <a:noAutofit/>
-        </a:bodyPr>
-        <a:lstStyle/>
-        <a:p>
-          <a:pPr lvl="0" algn="l" defTabSz="1200150">
-            <a:lnSpc>
-              <a:spcPct val="90000"/>
-            </a:lnSpc>
-            <a:spcBef>
-              <a:spcPct val="0"/>
-            </a:spcBef>
-            <a:spcAft>
-              <a:spcPct val="35000"/>
-            </a:spcAft>
-          </a:pPr>
-          <a:r>
-            <a:rPr lang="en-US" sz="2700" kern="1200" dirty="0" smtClean="0"/>
-            <a:t>Task 2</a:t>
-          </a:r>
-          <a:endParaRPr lang="en-US" sz="2700" kern="1200" dirty="0"/>
-        </a:p>
-      </dsp:txBody>
-      <dsp:txXfrm>
-        <a:off x="1018636" y="1464549"/>
-        <a:ext cx="1233005" cy="979065"/>
-      </dsp:txXfrm>
-    </dsp:sp>
-    <dsp:sp modelId="{DED3BFC3-544F-42E5-9E1A-77C53311601F}">
-      <dsp:nvSpPr>
-        <dsp:cNvPr id="0" name=""/>
-        <dsp:cNvSpPr/>
-      </dsp:nvSpPr>
-      <dsp:spPr>
-        <a:xfrm>
-          <a:off x="783778" y="2443615"/>
-          <a:ext cx="1467863" cy="979065"/>
-        </a:xfrm>
-        <a:prstGeom prst="rect">
-          <a:avLst/>
-        </a:prstGeom>
-        <a:solidFill>
-          <a:schemeClr val="accent4">
-            <a:tint val="40000"/>
-            <a:alpha val="90000"/>
-            <a:hueOff val="0"/>
-            <a:satOff val="0"/>
-            <a:lumOff val="0"/>
-            <a:alphaOff val="0"/>
-          </a:schemeClr>
-        </a:solidFill>
-        <a:ln w="6350" cap="flat" cmpd="sng" algn="ctr">
-          <a:solidFill>
-            <a:schemeClr val="accent4">
-              <a:tint val="40000"/>
-              <a:alpha val="90000"/>
-              <a:hueOff val="0"/>
-              <a:satOff val="0"/>
-              <a:lumOff val="0"/>
-              <a:alphaOff val="0"/>
-            </a:schemeClr>
-          </a:solidFill>
-          <a:prstDash val="solid"/>
-          <a:miter lim="800000"/>
-        </a:ln>
-        <a:effectLst/>
-      </dsp:spPr>
-      <dsp:style>
-        <a:lnRef idx="1">
-          <a:scrgbClr r="0" g="0" b="0"/>
-        </a:lnRef>
-        <a:fillRef idx="1">
-          <a:scrgbClr r="0" g="0" b="0"/>
-        </a:fillRef>
-        <a:effectRef idx="0">
-          <a:scrgbClr r="0" g="0" b="0"/>
-        </a:effectRef>
-        <a:fontRef idx="minor"/>
-      </dsp:style>
-      <dsp:txBody>
-        <a:bodyPr spcFirstLastPara="0" vert="horz" wrap="square" lIns="0" tIns="192024" rIns="192024" bIns="192024" numCol="1" spcCol="1270" anchor="ctr" anchorCtr="0">
-          <a:noAutofit/>
-        </a:bodyPr>
-        <a:lstStyle/>
-        <a:p>
-          <a:pPr lvl="0" algn="l" defTabSz="1200150">
-            <a:lnSpc>
-              <a:spcPct val="90000"/>
-            </a:lnSpc>
-            <a:spcBef>
-              <a:spcPct val="0"/>
-            </a:spcBef>
-            <a:spcAft>
-              <a:spcPct val="35000"/>
-            </a:spcAft>
-          </a:pPr>
-          <a:r>
-            <a:rPr lang="en-US" sz="2700" kern="1200" dirty="0" smtClean="0"/>
-            <a:t>Task 3</a:t>
-          </a:r>
-          <a:endParaRPr lang="en-US" sz="2700" kern="1200" dirty="0"/>
-        </a:p>
-      </dsp:txBody>
-      <dsp:txXfrm>
-        <a:off x="1018636" y="2443615"/>
-        <a:ext cx="1233005" cy="979065"/>
-      </dsp:txXfrm>
-    </dsp:sp>
-    <dsp:sp modelId="{0D82DEB6-674D-425E-9C14-81B86C0A54B4}">
-      <dsp:nvSpPr>
-        <dsp:cNvPr id="0" name=""/>
-        <dsp:cNvSpPr/>
-      </dsp:nvSpPr>
-      <dsp:spPr>
-        <a:xfrm>
-          <a:off x="917" y="94054"/>
-          <a:ext cx="978575" cy="978575"/>
-        </a:xfrm>
-        <a:prstGeom prst="ellipse">
-          <a:avLst/>
-        </a:prstGeom>
-        <a:gradFill rotWithShape="0">
-          <a:gsLst>
-            <a:gs pos="0">
-              <a:schemeClr val="accent2">
-                <a:hueOff val="0"/>
-                <a:satOff val="0"/>
-                <a:lumOff val="0"/>
-                <a:alphaOff val="0"/>
-                <a:satMod val="103000"/>
-                <a:lumMod val="102000"/>
-                <a:tint val="94000"/>
-              </a:schemeClr>
-            </a:gs>
-            <a:gs pos="50000">
-              <a:schemeClr val="accent2">
-                <a:hueOff val="0"/>
-                <a:satOff val="0"/>
-                <a:lumOff val="0"/>
-                <a:alphaOff val="0"/>
-                <a:satMod val="110000"/>
-                <a:lumMod val="100000"/>
-                <a:shade val="100000"/>
-              </a:schemeClr>
-            </a:gs>
-            <a:gs pos="100000">
-              <a:schemeClr val="accent2">
-                <a:hueOff val="0"/>
-                <a:satOff val="0"/>
-                <a:lumOff val="0"/>
-                <a:alphaOff val="0"/>
-                <a:lumMod val="99000"/>
-                <a:satMod val="120000"/>
-                <a:shade val="78000"/>
-              </a:schemeClr>
-            </a:gs>
-          </a:gsLst>
-          <a:lin ang="5400000" scaled="0"/>
-        </a:gradFill>
-        <a:ln>
-          <a:noFill/>
-        </a:ln>
-        <a:effectLst/>
-      </dsp:spPr>
-      <dsp:style>
-        <a:lnRef idx="0">
-          <a:scrgbClr r="0" g="0" b="0"/>
-        </a:lnRef>
-        <a:fillRef idx="3">
-          <a:scrgbClr r="0" g="0" b="0"/>
-        </a:fillRef>
-        <a:effectRef idx="2">
-          <a:scrgbClr r="0" g="0" b="0"/>
-        </a:effectRef>
-        <a:fontRef idx="minor">
-          <a:schemeClr val="lt1"/>
-        </a:fontRef>
-      </dsp:style>
-      <dsp:txBody>
-        <a:bodyPr spcFirstLastPara="0" vert="horz" wrap="square" lIns="0" tIns="0" rIns="0" bIns="0" numCol="1" spcCol="1270" anchor="ctr" anchorCtr="0">
-          <a:noAutofit/>
-        </a:bodyPr>
-        <a:lstStyle/>
-        <a:p>
-          <a:pPr lvl="0" algn="ctr" defTabSz="933450">
-            <a:lnSpc>
-              <a:spcPct val="90000"/>
-            </a:lnSpc>
-            <a:spcBef>
-              <a:spcPct val="0"/>
-            </a:spcBef>
-            <a:spcAft>
-              <a:spcPct val="35000"/>
-            </a:spcAft>
-          </a:pPr>
-          <a:r>
-            <a:rPr lang="en-US" sz="2100" kern="1200" smtClean="0"/>
-            <a:t>Group A</a:t>
-          </a:r>
-          <a:endParaRPr lang="en-US" sz="2100" kern="1200"/>
-        </a:p>
-      </dsp:txBody>
-      <dsp:txXfrm>
-        <a:off x="144226" y="237363"/>
-        <a:ext cx="691957" cy="691957"/>
-      </dsp:txXfrm>
-    </dsp:sp>
-    <dsp:sp modelId="{7FFBCDDD-B00A-4BA8-8ADF-9DC37CB99996}">
-      <dsp:nvSpPr>
-        <dsp:cNvPr id="0" name=""/>
-        <dsp:cNvSpPr/>
-      </dsp:nvSpPr>
-      <dsp:spPr>
-        <a:xfrm>
-          <a:off x="3230218" y="485484"/>
-          <a:ext cx="1467863" cy="979065"/>
-        </a:xfrm>
-        <a:prstGeom prst="rect">
-          <a:avLst/>
-        </a:prstGeom>
-        <a:solidFill>
-          <a:schemeClr val="accent5">
-            <a:tint val="40000"/>
-            <a:alpha val="90000"/>
-            <a:hueOff val="0"/>
-            <a:satOff val="0"/>
-            <a:lumOff val="0"/>
-            <a:alphaOff val="0"/>
-          </a:schemeClr>
-        </a:solidFill>
-        <a:ln w="6350" cap="flat" cmpd="sng" algn="ctr">
-          <a:solidFill>
-            <a:schemeClr val="accent5">
-              <a:tint val="40000"/>
-              <a:alpha val="90000"/>
-              <a:hueOff val="0"/>
-              <a:satOff val="0"/>
-              <a:lumOff val="0"/>
-              <a:alphaOff val="0"/>
-            </a:schemeClr>
-          </a:solidFill>
-          <a:prstDash val="solid"/>
-          <a:miter lim="800000"/>
-        </a:ln>
-        <a:effectLst/>
-      </dsp:spPr>
-      <dsp:style>
-        <a:lnRef idx="1">
-          <a:scrgbClr r="0" g="0" b="0"/>
-        </a:lnRef>
-        <a:fillRef idx="1">
-          <a:scrgbClr r="0" g="0" b="0"/>
-        </a:fillRef>
-        <a:effectRef idx="0">
-          <a:scrgbClr r="0" g="0" b="0"/>
-        </a:effectRef>
-        <a:fontRef idx="minor"/>
-      </dsp:style>
-      <dsp:txBody>
-        <a:bodyPr spcFirstLastPara="0" vert="horz" wrap="square" lIns="0" tIns="192024" rIns="192024" bIns="192024" numCol="1" spcCol="1270" anchor="ctr" anchorCtr="0">
-          <a:noAutofit/>
-        </a:bodyPr>
-        <a:lstStyle/>
-        <a:p>
-          <a:pPr lvl="0" algn="l" defTabSz="1200150">
-            <a:lnSpc>
-              <a:spcPct val="90000"/>
-            </a:lnSpc>
-            <a:spcBef>
-              <a:spcPct val="0"/>
-            </a:spcBef>
-            <a:spcAft>
-              <a:spcPct val="35000"/>
-            </a:spcAft>
-          </a:pPr>
-          <a:r>
-            <a:rPr lang="en-US" sz="2700" kern="1200" dirty="0" smtClean="0"/>
-            <a:t>Task 1</a:t>
-          </a:r>
-          <a:endParaRPr lang="en-US" sz="2700" kern="1200" dirty="0"/>
-        </a:p>
-      </dsp:txBody>
-      <dsp:txXfrm>
-        <a:off x="3465076" y="485484"/>
-        <a:ext cx="1233005" cy="979065"/>
-      </dsp:txXfrm>
-    </dsp:sp>
-    <dsp:sp modelId="{EED1BF07-D58F-4D25-83B2-A74ACCD15F57}">
-      <dsp:nvSpPr>
-        <dsp:cNvPr id="0" name=""/>
-        <dsp:cNvSpPr/>
-      </dsp:nvSpPr>
-      <dsp:spPr>
-        <a:xfrm>
-          <a:off x="3230218" y="1464549"/>
-          <a:ext cx="1467863" cy="979065"/>
-        </a:xfrm>
-        <a:prstGeom prst="rect">
-          <a:avLst/>
-        </a:prstGeom>
-        <a:solidFill>
-          <a:schemeClr val="accent6">
-            <a:tint val="40000"/>
-            <a:alpha val="90000"/>
-            <a:hueOff val="0"/>
-            <a:satOff val="0"/>
-            <a:lumOff val="0"/>
-            <a:alphaOff val="0"/>
-          </a:schemeClr>
-        </a:solidFill>
-        <a:ln w="6350" cap="flat" cmpd="sng" algn="ctr">
-          <a:solidFill>
-            <a:schemeClr val="accent6">
-              <a:tint val="40000"/>
-              <a:alpha val="90000"/>
-              <a:hueOff val="0"/>
-              <a:satOff val="0"/>
-              <a:lumOff val="0"/>
-              <a:alphaOff val="0"/>
-            </a:schemeClr>
-          </a:solidFill>
-          <a:prstDash val="solid"/>
-          <a:miter lim="800000"/>
-        </a:ln>
-        <a:effectLst/>
-      </dsp:spPr>
-      <dsp:style>
-        <a:lnRef idx="1">
-          <a:scrgbClr r="0" g="0" b="0"/>
-        </a:lnRef>
-        <a:fillRef idx="1">
-          <a:scrgbClr r="0" g="0" b="0"/>
-        </a:fillRef>
-        <a:effectRef idx="0">
-          <a:scrgbClr r="0" g="0" b="0"/>
-        </a:effectRef>
-        <a:fontRef idx="minor"/>
-      </dsp:style>
-      <dsp:txBody>
-        <a:bodyPr spcFirstLastPara="0" vert="horz" wrap="square" lIns="0" tIns="192024" rIns="192024" bIns="192024" numCol="1" spcCol="1270" anchor="ctr" anchorCtr="0">
-          <a:noAutofit/>
-        </a:bodyPr>
-        <a:lstStyle/>
-        <a:p>
-          <a:pPr lvl="0" algn="l" defTabSz="1200150">
-            <a:lnSpc>
-              <a:spcPct val="90000"/>
-            </a:lnSpc>
-            <a:spcBef>
-              <a:spcPct val="0"/>
-            </a:spcBef>
-            <a:spcAft>
-              <a:spcPct val="35000"/>
-            </a:spcAft>
-          </a:pPr>
-          <a:r>
-            <a:rPr lang="en-US" sz="2700" kern="1200" dirty="0" smtClean="0"/>
-            <a:t>Task 2</a:t>
-          </a:r>
-          <a:endParaRPr lang="en-US" sz="2700" kern="1200" dirty="0"/>
-        </a:p>
-      </dsp:txBody>
-      <dsp:txXfrm>
-        <a:off x="3465076" y="1464549"/>
-        <a:ext cx="1233005" cy="979065"/>
-      </dsp:txXfrm>
-    </dsp:sp>
-    <dsp:sp modelId="{7CECBCE6-61D1-44D5-BAA1-80ECE8E9F578}">
-      <dsp:nvSpPr>
-        <dsp:cNvPr id="0" name=""/>
-        <dsp:cNvSpPr/>
-      </dsp:nvSpPr>
-      <dsp:spPr>
-        <a:xfrm>
-          <a:off x="3230218" y="2443615"/>
-          <a:ext cx="1467863" cy="979065"/>
-        </a:xfrm>
-        <a:prstGeom prst="rect">
-          <a:avLst/>
-        </a:prstGeom>
-        <a:solidFill>
-          <a:schemeClr val="accent2">
-            <a:tint val="40000"/>
-            <a:alpha val="90000"/>
-            <a:hueOff val="0"/>
-            <a:satOff val="0"/>
-            <a:lumOff val="0"/>
-            <a:alphaOff val="0"/>
-          </a:schemeClr>
-        </a:solidFill>
-        <a:ln w="6350" cap="flat" cmpd="sng" algn="ctr">
-          <a:solidFill>
-            <a:schemeClr val="accent2">
-              <a:tint val="40000"/>
-              <a:alpha val="90000"/>
-              <a:hueOff val="0"/>
-              <a:satOff val="0"/>
-              <a:lumOff val="0"/>
-              <a:alphaOff val="0"/>
-            </a:schemeClr>
-          </a:solidFill>
-          <a:prstDash val="solid"/>
-          <a:miter lim="800000"/>
-        </a:ln>
-        <a:effectLst/>
-      </dsp:spPr>
-      <dsp:style>
-        <a:lnRef idx="1">
-          <a:scrgbClr r="0" g="0" b="0"/>
-        </a:lnRef>
-        <a:fillRef idx="1">
-          <a:scrgbClr r="0" g="0" b="0"/>
-        </a:fillRef>
-        <a:effectRef idx="0">
-          <a:scrgbClr r="0" g="0" b="0"/>
-        </a:effectRef>
-        <a:fontRef idx="minor"/>
-      </dsp:style>
-      <dsp:txBody>
-        <a:bodyPr spcFirstLastPara="0" vert="horz" wrap="square" lIns="0" tIns="192024" rIns="192024" bIns="192024" numCol="1" spcCol="1270" anchor="ctr" anchorCtr="0">
-          <a:noAutofit/>
-        </a:bodyPr>
-        <a:lstStyle/>
-        <a:p>
-          <a:pPr lvl="0" algn="l" defTabSz="1200150">
-            <a:lnSpc>
-              <a:spcPct val="90000"/>
-            </a:lnSpc>
-            <a:spcBef>
-              <a:spcPct val="0"/>
-            </a:spcBef>
-            <a:spcAft>
-              <a:spcPct val="35000"/>
-            </a:spcAft>
-          </a:pPr>
-          <a:r>
-            <a:rPr lang="en-US" sz="2700" kern="1200" dirty="0" smtClean="0"/>
-            <a:t>Task 3</a:t>
-          </a:r>
-          <a:endParaRPr lang="en-US" sz="2700" kern="1200" dirty="0"/>
-        </a:p>
-      </dsp:txBody>
-      <dsp:txXfrm>
-        <a:off x="3465076" y="2443615"/>
-        <a:ext cx="1233005" cy="979065"/>
-      </dsp:txXfrm>
-    </dsp:sp>
-    <dsp:sp modelId="{8E90FD15-88E0-4BBF-A32D-3DD4F1311E2F}">
-      <dsp:nvSpPr>
-        <dsp:cNvPr id="0" name=""/>
-        <dsp:cNvSpPr/>
-      </dsp:nvSpPr>
-      <dsp:spPr>
-        <a:xfrm>
-          <a:off x="3230218" y="3422680"/>
-          <a:ext cx="1467863" cy="979065"/>
-        </a:xfrm>
-        <a:prstGeom prst="rect">
-          <a:avLst/>
-        </a:prstGeom>
-        <a:solidFill>
-          <a:schemeClr val="accent3">
-            <a:tint val="40000"/>
-            <a:alpha val="90000"/>
-            <a:hueOff val="0"/>
-            <a:satOff val="0"/>
-            <a:lumOff val="0"/>
-            <a:alphaOff val="0"/>
-          </a:schemeClr>
-        </a:solidFill>
-        <a:ln w="6350" cap="flat" cmpd="sng" algn="ctr">
-          <a:solidFill>
-            <a:schemeClr val="accent3">
-              <a:tint val="40000"/>
-              <a:alpha val="90000"/>
-              <a:hueOff val="0"/>
-              <a:satOff val="0"/>
-              <a:lumOff val="0"/>
-              <a:alphaOff val="0"/>
-            </a:schemeClr>
-          </a:solidFill>
-          <a:prstDash val="solid"/>
-          <a:miter lim="800000"/>
-        </a:ln>
-        <a:effectLst/>
-      </dsp:spPr>
-      <dsp:style>
-        <a:lnRef idx="1">
-          <a:scrgbClr r="0" g="0" b="0"/>
-        </a:lnRef>
-        <a:fillRef idx="1">
-          <a:scrgbClr r="0" g="0" b="0"/>
-        </a:fillRef>
-        <a:effectRef idx="0">
-          <a:scrgbClr r="0" g="0" b="0"/>
-        </a:effectRef>
-        <a:fontRef idx="minor"/>
-      </dsp:style>
-      <dsp:txBody>
-        <a:bodyPr spcFirstLastPara="0" vert="horz" wrap="square" lIns="0" tIns="192024" rIns="192024" bIns="192024" numCol="1" spcCol="1270" anchor="ctr" anchorCtr="0">
-          <a:noAutofit/>
-        </a:bodyPr>
-        <a:lstStyle/>
-        <a:p>
-          <a:pPr lvl="0" algn="l" defTabSz="1200150">
-            <a:lnSpc>
-              <a:spcPct val="90000"/>
-            </a:lnSpc>
-            <a:spcBef>
-              <a:spcPct val="0"/>
-            </a:spcBef>
-            <a:spcAft>
-              <a:spcPct val="35000"/>
-            </a:spcAft>
-          </a:pPr>
-          <a:r>
-            <a:rPr lang="en-US" sz="2700" kern="1200" dirty="0" smtClean="0"/>
-            <a:t>Task 4</a:t>
-          </a:r>
-          <a:endParaRPr lang="en-US" sz="2700" kern="1200" dirty="0"/>
-        </a:p>
-      </dsp:txBody>
-      <dsp:txXfrm>
-        <a:off x="3465076" y="3422680"/>
-        <a:ext cx="1233005" cy="979065"/>
-      </dsp:txXfrm>
-    </dsp:sp>
-    <dsp:sp modelId="{2518DF80-CA43-4EFA-A570-D6C994F07512}">
-      <dsp:nvSpPr>
-        <dsp:cNvPr id="0" name=""/>
-        <dsp:cNvSpPr/>
-      </dsp:nvSpPr>
-      <dsp:spPr>
-        <a:xfrm>
-          <a:off x="2447357" y="94054"/>
-          <a:ext cx="978575" cy="978575"/>
-        </a:xfrm>
-        <a:prstGeom prst="ellipse">
-          <a:avLst/>
-        </a:prstGeom>
-        <a:gradFill rotWithShape="0">
-          <a:gsLst>
-            <a:gs pos="0">
-              <a:schemeClr val="accent3">
-                <a:hueOff val="0"/>
-                <a:satOff val="0"/>
-                <a:lumOff val="0"/>
-                <a:alphaOff val="0"/>
-                <a:satMod val="103000"/>
-                <a:lumMod val="102000"/>
-                <a:tint val="94000"/>
-              </a:schemeClr>
-            </a:gs>
-            <a:gs pos="50000">
-              <a:schemeClr val="accent3">
-                <a:hueOff val="0"/>
-                <a:satOff val="0"/>
-                <a:lumOff val="0"/>
-                <a:alphaOff val="0"/>
-                <a:satMod val="110000"/>
-                <a:lumMod val="100000"/>
-                <a:shade val="100000"/>
-              </a:schemeClr>
-            </a:gs>
-            <a:gs pos="100000">
-              <a:schemeClr val="accent3">
-                <a:hueOff val="0"/>
-                <a:satOff val="0"/>
-                <a:lumOff val="0"/>
-                <a:alphaOff val="0"/>
-                <a:lumMod val="99000"/>
-                <a:satMod val="120000"/>
-                <a:shade val="78000"/>
-              </a:schemeClr>
-            </a:gs>
-          </a:gsLst>
-          <a:lin ang="5400000" scaled="0"/>
-        </a:gradFill>
-        <a:ln>
-          <a:noFill/>
-        </a:ln>
-        <a:effectLst/>
-      </dsp:spPr>
-      <dsp:style>
-        <a:lnRef idx="0">
-          <a:scrgbClr r="0" g="0" b="0"/>
-        </a:lnRef>
-        <a:fillRef idx="3">
-          <a:scrgbClr r="0" g="0" b="0"/>
-        </a:fillRef>
-        <a:effectRef idx="2">
-          <a:scrgbClr r="0" g="0" b="0"/>
-        </a:effectRef>
-        <a:fontRef idx="minor">
-          <a:schemeClr val="lt1"/>
-        </a:fontRef>
-      </dsp:style>
-      <dsp:txBody>
-        <a:bodyPr spcFirstLastPara="0" vert="horz" wrap="square" lIns="0" tIns="0" rIns="0" bIns="0" numCol="1" spcCol="1270" anchor="ctr" anchorCtr="0">
-          <a:noAutofit/>
-        </a:bodyPr>
-        <a:lstStyle/>
-        <a:p>
-          <a:pPr lvl="0" algn="ctr" defTabSz="933450">
-            <a:lnSpc>
-              <a:spcPct val="90000"/>
-            </a:lnSpc>
-            <a:spcBef>
-              <a:spcPct val="0"/>
-            </a:spcBef>
-            <a:spcAft>
-              <a:spcPct val="35000"/>
-            </a:spcAft>
-          </a:pPr>
-          <a:r>
-            <a:rPr lang="en-US" sz="2100" kern="1200" dirty="0" smtClean="0"/>
-            <a:t>Group B</a:t>
-          </a:r>
-          <a:endParaRPr lang="en-US" sz="2100" kern="1200" dirty="0"/>
-        </a:p>
-      </dsp:txBody>
-      <dsp:txXfrm>
-        <a:off x="2590666" y="237363"/>
-        <a:ext cx="691957" cy="691957"/>
-      </dsp:txXfrm>
-    </dsp:sp>
   </dsp:spTree>
 </dsp:drawing>
 </file>
@@ -4999,7 +4239,7 @@
           <a:p>
             <a:fld id="{BA5A207F-0F91-42F2-96D0-049C6003623B}" type="datetimeFigureOut">
               <a:rPr lang="en-US"/>
-              <a:t>3/15/2016</a:t>
+              <a:t>3/16/2016</a:t>
             </a:fld>
             <a:endParaRPr/>
           </a:p>
@@ -5164,7 +4404,7 @@
           <a:p>
             <a:fld id="{48CC13F5-F2B1-464B-BE8F-27ABFBD2FBDE}" type="datetimeFigureOut">
               <a:rPr lang="en-US"/>
-              <a:t>3/15/2016</a:t>
+              <a:t>3/16/2016</a:t>
             </a:fld>
             <a:endParaRPr/>
           </a:p>
@@ -5808,7 +5048,7 @@
           <a:p>
             <a:fld id="{3CD9712D-992A-4AB1-A5C2-575F75921AA2}" type="datetimeFigureOut">
               <a:rPr lang="en-US"/>
-              <a:t>3/15/2016</a:t>
+              <a:t>3/16/2016</a:t>
             </a:fld>
             <a:endParaRPr/>
           </a:p>
@@ -6029,7 +5269,7 @@
           <a:p>
             <a:fld id="{3CD9712D-992A-4AB1-A5C2-575F75921AA2}" type="datetimeFigureOut">
               <a:rPr lang="en-US"/>
-              <a:t>3/15/2016</a:t>
+              <a:t>3/16/2016</a:t>
             </a:fld>
             <a:endParaRPr/>
           </a:p>
@@ -6244,7 +5484,7 @@
           <a:p>
             <a:fld id="{3CD9712D-992A-4AB1-A5C2-575F75921AA2}" type="datetimeFigureOut">
               <a:rPr lang="en-US"/>
-              <a:t>3/15/2016</a:t>
+              <a:t>3/16/2016</a:t>
             </a:fld>
             <a:endParaRPr/>
           </a:p>
@@ -6449,7 +5689,7 @@
           <a:p>
             <a:fld id="{3CD9712D-992A-4AB1-A5C2-575F75921AA2}" type="datetimeFigureOut">
               <a:rPr lang="en-US"/>
-              <a:t>3/15/2016</a:t>
+              <a:t>3/16/2016</a:t>
             </a:fld>
             <a:endParaRPr/>
           </a:p>
@@ -6733,7 +5973,7 @@
           <a:p>
             <a:fld id="{3CD9712D-992A-4AB1-A5C2-575F75921AA2}" type="datetimeFigureOut">
               <a:rPr lang="en-US"/>
-              <a:t>3/15/2016</a:t>
+              <a:t>3/16/2016</a:t>
             </a:fld>
             <a:endParaRPr/>
           </a:p>
@@ -7044,7 +6284,7 @@
           <a:p>
             <a:fld id="{3CD9712D-992A-4AB1-A5C2-575F75921AA2}" type="datetimeFigureOut">
               <a:rPr lang="en-US"/>
-              <a:t>3/15/2016</a:t>
+              <a:t>3/16/2016</a:t>
             </a:fld>
             <a:endParaRPr/>
           </a:p>
@@ -7495,7 +6735,7 @@
           <a:p>
             <a:fld id="{3CD9712D-992A-4AB1-A5C2-575F75921AA2}" type="datetimeFigureOut">
               <a:rPr lang="en-US"/>
-              <a:t>3/15/2016</a:t>
+              <a:t>3/16/2016</a:t>
             </a:fld>
             <a:endParaRPr/>
           </a:p>
@@ -7632,7 +6872,7 @@
           <a:p>
             <a:fld id="{3CD9712D-992A-4AB1-A5C2-575F75921AA2}" type="datetimeFigureOut">
               <a:rPr lang="en-US"/>
-              <a:t>3/15/2016</a:t>
+              <a:t>3/16/2016</a:t>
             </a:fld>
             <a:endParaRPr/>
           </a:p>
@@ -7760,7 +7000,7 @@
           <a:p>
             <a:fld id="{3CD9712D-992A-4AB1-A5C2-575F75921AA2}" type="datetimeFigureOut">
               <a:rPr lang="en-US"/>
-              <a:t>3/15/2016</a:t>
+              <a:t>3/16/2016</a:t>
             </a:fld>
             <a:endParaRPr/>
           </a:p>
@@ -8062,7 +7302,7 @@
           <a:p>
             <a:fld id="{3CD9712D-992A-4AB1-A5C2-575F75921AA2}" type="datetimeFigureOut">
               <a:rPr lang="en-US"/>
-              <a:t>3/15/2016</a:t>
+              <a:t>3/16/2016</a:t>
             </a:fld>
             <a:endParaRPr/>
           </a:p>
@@ -8580,7 +7820,7 @@
             <a:fld id="{3CD9712D-992A-4AB1-A5C2-575F75921AA2}" type="datetimeFigureOut">
               <a:rPr lang="en-US"/>
               <a:pPr/>
-              <a:t>3/15/2016</a:t>
+              <a:t>3/16/2016</a:t>
             </a:fld>
             <a:endParaRPr/>
           </a:p>
@@ -9182,18 +8422,14 @@
           <a:p>
             <a:r>
               <a:rPr lang="en-US" dirty="0" smtClean="0"/>
-              <a:t>Effect of Tissue </a:t>
-            </a:r>
-            <a:r>
-              <a:rPr lang="en-US" dirty="0" smtClean="0"/>
-              <a:t>Usage</a:t>
+              <a:t>Effect of Tissue Usage</a:t>
             </a:r>
             <a:endParaRPr lang="en-US" dirty="0"/>
           </a:p>
         </p:txBody>
       </p:sp>
-      <mc:AlternateContent xmlns:mc="http://schemas.openxmlformats.org/markup-compatibility/2006">
-        <mc:Choice xmlns:a14="http://schemas.microsoft.com/office/drawing/2010/main" Requires="a14">
+      <mc:AlternateContent xmlns:mc="http://schemas.openxmlformats.org/markup-compatibility/2006" xmlns:a14="http://schemas.microsoft.com/office/drawing/2010/main">
+        <mc:Choice Requires="a14">
           <p:sp>
             <p:nvSpPr>
               <p:cNvPr id="3" name="Content Placeholder 2"/>
@@ -9224,7 +8460,6 @@
                   <a:rPr lang="en-US" dirty="0" smtClean="0"/>
                   <a:t>The model is Poisson regression with interaction effect between treatment arm and Tissue Use</a:t>
                 </a:r>
-                <a:endParaRPr lang="en-US" dirty="0" smtClean="0"/>
               </a:p>
               <a:p>
                 <a:pPr marL="0" indent="0">
@@ -9461,11 +8696,7 @@
                 </a:pPr>
                 <a:r>
                   <a:rPr lang="en-US" dirty="0" smtClean="0"/>
-                  <a:t> 2. </a:t>
-                </a:r>
-                <a:r>
-                  <a:rPr lang="en-US" dirty="0" smtClean="0"/>
-                  <a:t>Result:</a:t>
+                  <a:t> 2. Result:</a:t>
                 </a:r>
                 <a:endParaRPr lang="en-US" dirty="0"/>
               </a:p>
@@ -9564,7 +8795,7 @@
             </p:txBody>
           </p:sp>
         </mc:Choice>
-        <mc:Fallback>
+        <mc:Fallback xmlns="">
           <p:sp>
             <p:nvSpPr>
               <p:cNvPr id="3" name="Content Placeholder 2"/>
@@ -10150,7 +9381,7 @@
         </p:nvSpPr>
         <p:spPr>
           <a:xfrm>
-            <a:off x="1293813" y="1676400"/>
+            <a:off x="1293813" y="1524000"/>
             <a:ext cx="4952999" cy="5181600"/>
           </a:xfrm>
         </p:spPr>
@@ -10179,14 +9410,14 @@
           <p:nvPr>
             <p:extLst>
               <p:ext uri="{D42A27DB-BD31-4B8C-83A1-F6EECF244321}">
-                <p14:modId xmlns:p14="http://schemas.microsoft.com/office/powerpoint/2010/main" val="999533795"/>
+                <p14:modId xmlns:p14="http://schemas.microsoft.com/office/powerpoint/2010/main" val="3436999927"/>
               </p:ext>
             </p:extLst>
           </p:nvPr>
         </p:nvGraphicFramePr>
         <p:xfrm>
-          <a:off x="1751012" y="2514600"/>
-          <a:ext cx="3810000" cy="3810000"/>
+          <a:off x="1751012" y="2514601"/>
+          <a:ext cx="4038600" cy="4502866"/>
         </p:xfrm>
         <a:graphic>
           <a:graphicData uri="http://schemas.openxmlformats.org/drawingml/2006/table">
@@ -10195,20 +9426,20 @@
                 <a:tableStyleId>{3B4B98B0-60AC-42C2-AFA5-B58CD77FA1E5}</a:tableStyleId>
               </a:tblPr>
               <a:tblGrid>
-                <a:gridCol w="2381250"/>
-                <a:gridCol w="1428750"/>
+                <a:gridCol w="2524125"/>
+                <a:gridCol w="1514475"/>
               </a:tblGrid>
-              <a:tr h="403087">
+              <a:tr h="336627">
                 <a:tc>
                   <a:txBody>
                     <a:bodyPr/>
                     <a:lstStyle/>
                     <a:p>
                       <a:r>
-                        <a:rPr lang="en-US" dirty="0" smtClean="0"/>
+                        <a:rPr lang="en-US" sz="1700" dirty="0" smtClean="0"/>
                         <a:t>Variable</a:t>
                       </a:r>
-                      <a:endParaRPr lang="en-US" dirty="0"/>
+                      <a:endParaRPr lang="en-US" sz="1700" dirty="0"/>
                     </a:p>
                   </a:txBody>
                   <a:tcPr/>
@@ -10219,26 +9450,26 @@
                     <a:lstStyle/>
                     <a:p>
                       <a:r>
-                        <a:rPr lang="en-US" dirty="0" smtClean="0"/>
+                        <a:rPr lang="en-US" sz="1700" dirty="0" smtClean="0"/>
                         <a:t>Coefficients</a:t>
                       </a:r>
-                      <a:endParaRPr lang="en-US" dirty="0"/>
+                      <a:endParaRPr lang="en-US" sz="1700" dirty="0"/>
                     </a:p>
                   </a:txBody>
                   <a:tcPr/>
                 </a:tc>
               </a:tr>
-              <a:tr h="403087">
+              <a:tr h="336627">
                 <a:tc>
                   <a:txBody>
                     <a:bodyPr/>
                     <a:lstStyle/>
                     <a:p>
                       <a:r>
-                        <a:rPr lang="en-US" dirty="0" smtClean="0"/>
+                        <a:rPr lang="en-US" sz="1700" dirty="0" smtClean="0"/>
                         <a:t>(Intercept)</a:t>
                       </a:r>
-                      <a:endParaRPr lang="en-US" dirty="0"/>
+                      <a:endParaRPr lang="en-US" sz="1700" dirty="0"/>
                     </a:p>
                   </a:txBody>
                   <a:tcPr/>
@@ -10249,26 +9480,26 @@
                     <a:lstStyle/>
                     <a:p>
                       <a:r>
-                        <a:rPr lang="en-US" dirty="0" smtClean="0"/>
+                        <a:rPr lang="en-US" sz="1700" dirty="0" smtClean="0"/>
                         <a:t>-1.2985</a:t>
                       </a:r>
-                      <a:endParaRPr lang="en-US" dirty="0"/>
+                      <a:endParaRPr lang="en-US" sz="1700" dirty="0"/>
                     </a:p>
                   </a:txBody>
                   <a:tcPr/>
                 </a:tc>
               </a:tr>
-              <a:tr h="403087">
+              <a:tr h="336627">
                 <a:tc>
                   <a:txBody>
                     <a:bodyPr/>
                     <a:lstStyle/>
                     <a:p>
                       <a:r>
-                        <a:rPr lang="en-US" dirty="0" err="1" smtClean="0"/>
-                        <a:t>previous.year</a:t>
+                        <a:rPr lang="en-US" sz="1700" dirty="0" err="1" smtClean="0"/>
+                        <a:t>tissue.useMEDIUM</a:t>
                       </a:r>
-                      <a:endParaRPr lang="en-US" dirty="0"/>
+                      <a:endParaRPr lang="en-US" sz="1700" dirty="0"/>
                     </a:p>
                   </a:txBody>
                   <a:tcPr/>
@@ -10279,26 +9510,26 @@
                     <a:lstStyle/>
                     <a:p>
                       <a:r>
-                        <a:rPr lang="en-US" dirty="0" smtClean="0"/>
-                        <a:t>0.2609</a:t>
+                        <a:rPr lang="en-US" sz="1700" dirty="0" smtClean="0"/>
+                        <a:t>-0.0095</a:t>
                       </a:r>
-                      <a:endParaRPr lang="en-US" dirty="0"/>
+                      <a:endParaRPr lang="en-US" sz="1700" dirty="0"/>
                     </a:p>
                   </a:txBody>
                   <a:tcPr/>
                 </a:tc>
               </a:tr>
-              <a:tr h="403087">
+              <a:tr h="336627">
                 <a:tc>
                   <a:txBody>
                     <a:bodyPr/>
                     <a:lstStyle/>
                     <a:p>
                       <a:r>
-                        <a:rPr lang="en-US" dirty="0" err="1" smtClean="0"/>
-                        <a:t>countryD</a:t>
+                        <a:rPr lang="en-US" sz="1700" dirty="0" err="1" smtClean="0"/>
+                        <a:t>previous.year</a:t>
                       </a:r>
-                      <a:endParaRPr lang="en-US" dirty="0"/>
+                      <a:endParaRPr lang="en-US" sz="1700" dirty="0"/>
                     </a:p>
                   </a:txBody>
                   <a:tcPr/>
@@ -10309,30 +9540,26 @@
                     <a:lstStyle/>
                     <a:p>
                       <a:r>
-                        <a:rPr lang="en-US" dirty="0" smtClean="0"/>
-                        <a:t>-0.0109</a:t>
+                        <a:rPr lang="en-US" sz="1700" dirty="0" smtClean="0"/>
+                        <a:t>0.2609</a:t>
                       </a:r>
-                      <a:endParaRPr lang="en-US" dirty="0"/>
+                      <a:endParaRPr lang="en-US" sz="1700" dirty="0"/>
                     </a:p>
                   </a:txBody>
                   <a:tcPr/>
                 </a:tc>
               </a:tr>
-              <a:tr h="403087">
+              <a:tr h="336627">
                 <a:tc>
                   <a:txBody>
                     <a:bodyPr/>
                     <a:lstStyle/>
                     <a:p>
                       <a:r>
-                        <a:rPr lang="en-US" dirty="0" err="1" smtClean="0"/>
-                        <a:t>countryF</a:t>
+                        <a:rPr lang="en-US" sz="1700" dirty="0" err="1" smtClean="0"/>
+                        <a:t>countryD</a:t>
                       </a:r>
-                      <a:r>
-                        <a:rPr lang="en-US" dirty="0" smtClean="0"/>
-                        <a:t> </a:t>
-                      </a:r>
-                      <a:endParaRPr lang="en-US" dirty="0"/>
+                      <a:endParaRPr lang="en-US" sz="1700" dirty="0"/>
                     </a:p>
                   </a:txBody>
                   <a:tcPr/>
@@ -10343,30 +9570,26 @@
                     <a:lstStyle/>
                     <a:p>
                       <a:r>
-                        <a:rPr lang="en-US" dirty="0" smtClean="0"/>
-                        <a:t>0.4595</a:t>
+                        <a:rPr lang="en-US" sz="1700" dirty="0" smtClean="0"/>
+                        <a:t>-0.0109</a:t>
                       </a:r>
-                      <a:endParaRPr lang="en-US" dirty="0"/>
+                      <a:endParaRPr lang="en-US" sz="1700" dirty="0"/>
                     </a:p>
                   </a:txBody>
                   <a:tcPr/>
                 </a:tc>
               </a:tr>
-              <a:tr h="403087">
+              <a:tr h="336627">
                 <a:tc>
                   <a:txBody>
                     <a:bodyPr/>
                     <a:lstStyle/>
                     <a:p>
                       <a:r>
-                        <a:rPr lang="en-US" dirty="0" err="1" smtClean="0"/>
-                        <a:t>countryH</a:t>
+                        <a:rPr lang="en-US" sz="1700" dirty="0" err="1" smtClean="0"/>
+                        <a:t>countryE</a:t>
                       </a:r>
-                      <a:r>
-                        <a:rPr lang="en-US" dirty="0" smtClean="0"/>
-                        <a:t> </a:t>
-                      </a:r>
-                      <a:endParaRPr lang="en-US" dirty="0"/>
+                      <a:endParaRPr lang="en-US" sz="1700" dirty="0"/>
                     </a:p>
                   </a:txBody>
                   <a:tcPr/>
@@ -10377,30 +9600,30 @@
                     <a:lstStyle/>
                     <a:p>
                       <a:r>
-                        <a:rPr lang="en-US" dirty="0" smtClean="0"/>
-                        <a:t>-0.2746</a:t>
+                        <a:rPr lang="en-US" sz="1700" dirty="0" smtClean="0"/>
+                        <a:t>0.0001</a:t>
                       </a:r>
-                      <a:endParaRPr lang="en-US" dirty="0"/>
+                      <a:endParaRPr lang="en-US" sz="1700" dirty="0"/>
                     </a:p>
                   </a:txBody>
                   <a:tcPr/>
                 </a:tc>
               </a:tr>
-              <a:tr h="695739">
+              <a:tr h="336627">
                 <a:tc>
                   <a:txBody>
                     <a:bodyPr/>
                     <a:lstStyle/>
                     <a:p>
                       <a:r>
-                        <a:rPr lang="en-US" dirty="0" err="1" smtClean="0"/>
-                        <a:t>treatment:mucus.viscosity</a:t>
+                        <a:rPr lang="en-US" sz="1700" dirty="0" err="1" smtClean="0"/>
+                        <a:t>countryF</a:t>
                       </a:r>
                       <a:r>
-                        <a:rPr lang="en-US" dirty="0" smtClean="0"/>
+                        <a:rPr lang="en-US" sz="1700" dirty="0" smtClean="0"/>
                         <a:t> </a:t>
                       </a:r>
-                      <a:endParaRPr lang="en-US" dirty="0"/>
+                      <a:endParaRPr lang="en-US" sz="1700" dirty="0"/>
                     </a:p>
                   </a:txBody>
                   <a:tcPr/>
@@ -10411,30 +9634,30 @@
                     <a:lstStyle/>
                     <a:p>
                       <a:r>
-                        <a:rPr lang="en-US" dirty="0" smtClean="0"/>
-                        <a:t>-0.0761</a:t>
+                        <a:rPr lang="en-US" sz="1700" dirty="0" smtClean="0"/>
+                        <a:t>0.4595</a:t>
                       </a:r>
-                      <a:endParaRPr lang="en-US" dirty="0"/>
+                      <a:endParaRPr lang="en-US" sz="1700" dirty="0"/>
                     </a:p>
                   </a:txBody>
                   <a:tcPr/>
                 </a:tc>
               </a:tr>
-              <a:tr h="695739">
+              <a:tr h="336627">
                 <a:tc>
                   <a:txBody>
                     <a:bodyPr/>
                     <a:lstStyle/>
                     <a:p>
                       <a:r>
-                        <a:rPr lang="en-US" dirty="0" err="1" smtClean="0"/>
-                        <a:t>treatment:tissue.useMEDIUM</a:t>
+                        <a:rPr lang="en-US" sz="1700" dirty="0" err="1" smtClean="0"/>
+                        <a:t>countryH</a:t>
                       </a:r>
                       <a:r>
-                        <a:rPr lang="en-US" dirty="0" smtClean="0"/>
+                        <a:rPr lang="en-US" sz="1700" dirty="0" smtClean="0"/>
                         <a:t> </a:t>
                       </a:r>
-                      <a:endParaRPr lang="en-US" dirty="0"/>
+                      <a:endParaRPr lang="en-US" sz="1700" dirty="0"/>
                     </a:p>
                   </a:txBody>
                   <a:tcPr/>
@@ -10445,10 +9668,108 @@
                     <a:lstStyle/>
                     <a:p>
                       <a:r>
-                        <a:rPr lang="en-US" dirty="0" smtClean="0"/>
+                        <a:rPr lang="en-US" sz="1700" dirty="0" smtClean="0"/>
+                        <a:t>-0.2746</a:t>
+                      </a:r>
+                      <a:endParaRPr lang="en-US" sz="1700" dirty="0"/>
+                    </a:p>
+                  </a:txBody>
+                  <a:tcPr/>
+                </a:tc>
+              </a:tr>
+              <a:tr h="585438">
+                <a:tc>
+                  <a:txBody>
+                    <a:bodyPr/>
+                    <a:lstStyle/>
+                    <a:p>
+                      <a:r>
+                        <a:rPr lang="en-US" sz="1700" dirty="0" err="1" smtClean="0"/>
+                        <a:t>treatment:mucus.viscosity</a:t>
+                      </a:r>
+                      <a:r>
+                        <a:rPr lang="en-US" sz="1700" dirty="0" smtClean="0"/>
+                        <a:t> </a:t>
+                      </a:r>
+                      <a:endParaRPr lang="en-US" sz="1700" dirty="0"/>
+                    </a:p>
+                  </a:txBody>
+                  <a:tcPr/>
+                </a:tc>
+                <a:tc>
+                  <a:txBody>
+                    <a:bodyPr/>
+                    <a:lstStyle/>
+                    <a:p>
+                      <a:r>
+                        <a:rPr lang="en-US" sz="1700" dirty="0" smtClean="0"/>
+                        <a:t>-0.0761</a:t>
+                      </a:r>
+                      <a:endParaRPr lang="en-US" sz="1700" dirty="0"/>
+                    </a:p>
+                  </a:txBody>
+                  <a:tcPr/>
+                </a:tc>
+              </a:tr>
+              <a:tr h="585438">
+                <a:tc>
+                  <a:txBody>
+                    <a:bodyPr/>
+                    <a:lstStyle/>
+                    <a:p>
+                      <a:r>
+                        <a:rPr lang="en-US" sz="1700" dirty="0" err="1" smtClean="0"/>
+                        <a:t>treatment:tissue.useMEDIUM</a:t>
+                      </a:r>
+                      <a:r>
+                        <a:rPr lang="en-US" sz="1700" dirty="0" smtClean="0"/>
+                        <a:t> </a:t>
+                      </a:r>
+                      <a:endParaRPr lang="en-US" sz="1700" dirty="0"/>
+                    </a:p>
+                  </a:txBody>
+                  <a:tcPr/>
+                </a:tc>
+                <a:tc>
+                  <a:txBody>
+                    <a:bodyPr/>
+                    <a:lstStyle/>
+                    <a:p>
+                      <a:r>
+                        <a:rPr lang="en-US" sz="1700" dirty="0" smtClean="0"/>
                         <a:t>-0.0279</a:t>
                       </a:r>
-                      <a:endParaRPr lang="en-US" dirty="0"/>
+                      <a:endParaRPr lang="en-US" sz="1700" dirty="0"/>
+                    </a:p>
+                  </a:txBody>
+                  <a:tcPr/>
+                </a:tc>
+              </a:tr>
+              <a:tr h="479506">
+                <a:tc>
+                  <a:txBody>
+                    <a:bodyPr/>
+                    <a:lstStyle/>
+                    <a:p>
+                      <a:r>
+                        <a:rPr lang="en-US" sz="1700" dirty="0" err="1" smtClean="0"/>
+                        <a:t>treatment:countryF</a:t>
+                      </a:r>
+                      <a:endParaRPr lang="en-US" sz="1700" dirty="0"/>
+                    </a:p>
+                  </a:txBody>
+                  <a:tcPr/>
+                </a:tc>
+                <a:tc>
+                  <a:txBody>
+                    <a:bodyPr/>
+                    <a:lstStyle/>
+                    <a:p>
+                      <a:r>
+                        <a:rPr lang="en-US" sz="1700" dirty="0" smtClean="0"/>
+                        <a:t>0.0409</a:t>
+                      </a:r>
+                      <a:endParaRPr lang="en-US" sz="1700" dirty="0"/>
                     </a:p>
                   </a:txBody>
                   <a:tcPr/>
@@ -10488,15 +9809,7 @@
             </a:pPr>
             <a:r>
               <a:rPr lang="en-US" dirty="0" smtClean="0"/>
-              <a:t>The nosebleeds condition </a:t>
-            </a:r>
-            <a:r>
-              <a:rPr lang="en-US" dirty="0" smtClean="0"/>
-              <a:t>in previous year </a:t>
-            </a:r>
-            <a:r>
-              <a:rPr lang="en-US" dirty="0" smtClean="0"/>
-              <a:t>has positive impact on the nosebleed prediction.</a:t>
+              <a:t>The nosebleeds condition in previous year has positive impact on the nosebleed prediction.</a:t>
             </a:r>
           </a:p>
           <a:p>
@@ -10508,8 +9821,13 @@
             </a:pPr>
             <a:r>
               <a:rPr lang="en-US" dirty="0" smtClean="0"/>
-              <a:t>The hospitalization and/or local practice have impact on the number of nosebleeds</a:t>
-            </a:r>
+              <a:t>The hospitalization and/or local practice have impact on the number of </a:t>
+            </a:r>
+            <a:r>
+              <a:rPr lang="en-US" dirty="0" smtClean="0"/>
+              <a:t>nosebleeds</a:t>
+            </a:r>
+            <a:endParaRPr lang="en-US" dirty="0" smtClean="0"/>
           </a:p>
           <a:p>
             <a:pPr marL="342900" indent="-342900">
@@ -10532,7 +9850,15 @@
             </a:pPr>
             <a:r>
               <a:rPr lang="en-US" dirty="0" smtClean="0"/>
-              <a:t>When other personal information included in the model, the patients with Medium tissue usage tend to have more significant treatment effect. </a:t>
+              <a:t>When </a:t>
+            </a:r>
+            <a:r>
+              <a:rPr lang="en-US" dirty="0" smtClean="0"/>
+              <a:t>more patient information </a:t>
+            </a:r>
+            <a:r>
+              <a:rPr lang="en-US" dirty="0" smtClean="0"/>
+              <a:t>included in the model, the patients with Medium tissue usage tend to have more significant treatment effect. </a:t>
             </a:r>
             <a:endParaRPr lang="en-US" dirty="0"/>
           </a:p>
@@ -11165,15 +10491,15 @@
                     <a:lstStyle/>
                     <a:p>
                       <a:r>
-                        <a:rPr lang="en-US" smtClean="0"/>
+                        <a:rPr lang="en-US" dirty="0" smtClean="0"/>
                         <a:t>Whole</a:t>
                       </a:r>
                       <a:r>
-                        <a:rPr lang="en-US" baseline="0" smtClean="0"/>
+                        <a:rPr lang="en-US" baseline="0" dirty="0" smtClean="0"/>
                         <a:t> </a:t>
                       </a:r>
                       <a:r>
-                        <a:rPr lang="en-US" smtClean="0"/>
+                        <a:rPr lang="en-US" dirty="0" smtClean="0"/>
                         <a:t>Population</a:t>
                       </a:r>
                       <a:endParaRPr lang="en-US" dirty="0"/>
@@ -12922,11 +12248,7 @@
             </a:pPr>
             <a:r>
               <a:rPr lang="en-US" dirty="0" smtClean="0"/>
-              <a:t>There are totally 444 patients in the </a:t>
-            </a:r>
-            <a:r>
-              <a:rPr lang="en-US" dirty="0" smtClean="0"/>
-              <a:t>data set. Filter out the patients with duration &lt; 300, there are 397 patients left. </a:t>
+              <a:t>There are totally 444 patients in the data set. Filter out the patients with duration &lt; 300, there are 397 patients left. </a:t>
             </a:r>
           </a:p>
           <a:p>
@@ -12980,7 +12302,6 @@
               <a:rPr lang="en-US" dirty="0" smtClean="0"/>
               <a:t>Since the response variable – Nosebleeds is a non-negative counting variable, we will use Poisson regression for the rest of presentation</a:t>
             </a:r>
-            <a:endParaRPr lang="en-US" dirty="0" smtClean="0"/>
           </a:p>
           <a:p>
             <a:pPr marL="457200" indent="-457200">
@@ -14927,15 +14248,7 @@
             </a:pPr>
             <a:r>
               <a:rPr lang="en-US" sz="2000" dirty="0" smtClean="0"/>
-              <a:t>When the mucus viscosity is higher than </a:t>
-            </a:r>
-            <a:r>
-              <a:rPr lang="en-US" sz="2000" dirty="0" smtClean="0"/>
-              <a:t>1.20 </a:t>
-            </a:r>
-            <a:r>
-              <a:rPr lang="en-US" sz="2000" dirty="0" smtClean="0"/>
-              <a:t>the treatment effect is significant.</a:t>
+              <a:t>When the mucus viscosity is higher than 1.20 the treatment effect is significant.</a:t>
             </a:r>
             <a:endParaRPr lang="en-US" sz="2000" dirty="0"/>
           </a:p>

--- a/AstraZeneca_Presentation.pptx
+++ b/AstraZeneca_Presentation.pptx
@@ -5,10 +5,10 @@
     <p:sldMasterId id="2147483648" r:id="rId2"/>
   </p:sldMasterIdLst>
   <p:notesMasterIdLst>
-    <p:notesMasterId r:id="rId27"/>
+    <p:notesMasterId r:id="rId21"/>
   </p:notesMasterIdLst>
   <p:handoutMasterIdLst>
-    <p:handoutMasterId r:id="rId28"/>
+    <p:handoutMasterId r:id="rId22"/>
   </p:handoutMasterIdLst>
   <p:sldIdLst>
     <p:sldId id="257" r:id="rId3"/>
@@ -28,13 +28,7 @@
     <p:sldId id="287" r:id="rId17"/>
     <p:sldId id="288" r:id="rId18"/>
     <p:sldId id="289" r:id="rId19"/>
-    <p:sldId id="265" r:id="rId20"/>
-    <p:sldId id="273" r:id="rId21"/>
-    <p:sldId id="275" r:id="rId22"/>
-    <p:sldId id="267" r:id="rId23"/>
-    <p:sldId id="269" r:id="rId24"/>
-    <p:sldId id="276" r:id="rId25"/>
-    <p:sldId id="262" r:id="rId26"/>
+    <p:sldId id="290" r:id="rId20"/>
   </p:sldIdLst>
   <p:sldSz cx="12188825" cy="6858000"/>
   <p:notesSz cx="6858000" cy="9144000"/>
@@ -166,3997 +160,6 @@
 </p:presentation>
 </file>
 
-<file path=ppt/charts/chart1.xml><?xml version="1.0" encoding="utf-8"?>
-<c:chartSpace xmlns:c="http://schemas.openxmlformats.org/drawingml/2006/chart" xmlns:a="http://schemas.openxmlformats.org/drawingml/2006/main" xmlns:r="http://schemas.openxmlformats.org/officeDocument/2006/relationships">
-  <c:date1904 val="0"/>
-  <c:lang val="en-US"/>
-  <c:roundedCorners val="0"/>
-  <mc:AlternateContent xmlns:mc="http://schemas.openxmlformats.org/markup-compatibility/2006">
-    <mc:Choice xmlns:c14="http://schemas.microsoft.com/office/drawing/2007/8/2/chart" Requires="c14">
-      <c14:style val="102"/>
-    </mc:Choice>
-    <mc:Fallback>
-      <c:style val="2"/>
-    </mc:Fallback>
-  </mc:AlternateContent>
-  <c:chart>
-    <c:title>
-      <c:overlay val="0"/>
-      <c:spPr>
-        <a:noFill/>
-        <a:ln>
-          <a:noFill/>
-        </a:ln>
-        <a:effectLst/>
-      </c:spPr>
-      <c:txPr>
-        <a:bodyPr rot="0" spcFirstLastPara="1" vertOverflow="ellipsis" vert="horz" wrap="square" anchor="ctr" anchorCtr="1"/>
-        <a:lstStyle/>
-        <a:p>
-          <a:pPr>
-            <a:defRPr sz="2128" b="0" i="0" u="none" strike="noStrike" kern="1200" cap="none" spc="50" normalizeH="0" baseline="0">
-              <a:solidFill>
-                <a:schemeClr val="tx1">
-                  <a:lumMod val="65000"/>
-                  <a:lumOff val="35000"/>
-                </a:schemeClr>
-              </a:solidFill>
-              <a:latin typeface="+mj-lt"/>
-              <a:ea typeface="+mj-ea"/>
-              <a:cs typeface="+mj-cs"/>
-            </a:defRPr>
-          </a:pPr>
-          <a:endParaRPr lang="en-US"/>
-        </a:p>
-      </c:txPr>
-    </c:title>
-    <c:autoTitleDeleted val="0"/>
-    <c:plotArea>
-      <c:layout/>
-      <c:barChart>
-        <c:barDir val="col"/>
-        <c:grouping val="clustered"/>
-        <c:varyColors val="0"/>
-        <c:ser>
-          <c:idx val="0"/>
-          <c:order val="0"/>
-          <c:tx>
-            <c:strRef>
-              <c:f>Sheet1!$B$1</c:f>
-              <c:strCache>
-                <c:ptCount val="1"/>
-                <c:pt idx="0">
-                  <c:v>Series 1</c:v>
-                </c:pt>
-              </c:strCache>
-            </c:strRef>
-          </c:tx>
-          <c:spPr>
-            <a:solidFill>
-              <a:schemeClr val="accent1">
-                <a:alpha val="70000"/>
-              </a:schemeClr>
-            </a:solidFill>
-            <a:ln>
-              <a:noFill/>
-            </a:ln>
-            <a:effectLst/>
-          </c:spPr>
-          <c:invertIfNegative val="0"/>
-          <c:cat>
-            <c:strRef>
-              <c:f>Sheet1!$A$2:$A$5</c:f>
-              <c:strCache>
-                <c:ptCount val="4"/>
-                <c:pt idx="0">
-                  <c:v>Category 1</c:v>
-                </c:pt>
-                <c:pt idx="1">
-                  <c:v>Category 2</c:v>
-                </c:pt>
-                <c:pt idx="2">
-                  <c:v>Category 3</c:v>
-                </c:pt>
-                <c:pt idx="3">
-                  <c:v>Category 4</c:v>
-                </c:pt>
-              </c:strCache>
-            </c:strRef>
-          </c:cat>
-          <c:val>
-            <c:numRef>
-              <c:f>Sheet1!$B$2:$B$5</c:f>
-              <c:numCache>
-                <c:formatCode>General</c:formatCode>
-                <c:ptCount val="4"/>
-                <c:pt idx="0">
-                  <c:v>4.3</c:v>
-                </c:pt>
-                <c:pt idx="1">
-                  <c:v>2.5</c:v>
-                </c:pt>
-                <c:pt idx="2">
-                  <c:v>3.5</c:v>
-                </c:pt>
-                <c:pt idx="3">
-                  <c:v>4.5</c:v>
-                </c:pt>
-              </c:numCache>
-            </c:numRef>
-          </c:val>
-        </c:ser>
-        <c:ser>
-          <c:idx val="1"/>
-          <c:order val="1"/>
-          <c:tx>
-            <c:strRef>
-              <c:f>Sheet1!$C$1</c:f>
-              <c:strCache>
-                <c:ptCount val="1"/>
-                <c:pt idx="0">
-                  <c:v>Series 2</c:v>
-                </c:pt>
-              </c:strCache>
-            </c:strRef>
-          </c:tx>
-          <c:spPr>
-            <a:solidFill>
-              <a:schemeClr val="accent2">
-                <a:alpha val="70000"/>
-              </a:schemeClr>
-            </a:solidFill>
-            <a:ln>
-              <a:noFill/>
-            </a:ln>
-            <a:effectLst/>
-          </c:spPr>
-          <c:invertIfNegative val="0"/>
-          <c:cat>
-            <c:strRef>
-              <c:f>Sheet1!$A$2:$A$5</c:f>
-              <c:strCache>
-                <c:ptCount val="4"/>
-                <c:pt idx="0">
-                  <c:v>Category 1</c:v>
-                </c:pt>
-                <c:pt idx="1">
-                  <c:v>Category 2</c:v>
-                </c:pt>
-                <c:pt idx="2">
-                  <c:v>Category 3</c:v>
-                </c:pt>
-                <c:pt idx="3">
-                  <c:v>Category 4</c:v>
-                </c:pt>
-              </c:strCache>
-            </c:strRef>
-          </c:cat>
-          <c:val>
-            <c:numRef>
-              <c:f>Sheet1!$C$2:$C$5</c:f>
-              <c:numCache>
-                <c:formatCode>General</c:formatCode>
-                <c:ptCount val="4"/>
-                <c:pt idx="0">
-                  <c:v>2.4</c:v>
-                </c:pt>
-                <c:pt idx="1">
-                  <c:v>4.4000000000000004</c:v>
-                </c:pt>
-                <c:pt idx="2">
-                  <c:v>1.8</c:v>
-                </c:pt>
-                <c:pt idx="3">
-                  <c:v>2.8</c:v>
-                </c:pt>
-              </c:numCache>
-            </c:numRef>
-          </c:val>
-        </c:ser>
-        <c:ser>
-          <c:idx val="2"/>
-          <c:order val="2"/>
-          <c:tx>
-            <c:strRef>
-              <c:f>Sheet1!$D$1</c:f>
-              <c:strCache>
-                <c:ptCount val="1"/>
-                <c:pt idx="0">
-                  <c:v>Series 3</c:v>
-                </c:pt>
-              </c:strCache>
-            </c:strRef>
-          </c:tx>
-          <c:spPr>
-            <a:solidFill>
-              <a:schemeClr val="accent3">
-                <a:alpha val="70000"/>
-              </a:schemeClr>
-            </a:solidFill>
-            <a:ln>
-              <a:noFill/>
-            </a:ln>
-            <a:effectLst/>
-          </c:spPr>
-          <c:invertIfNegative val="0"/>
-          <c:cat>
-            <c:strRef>
-              <c:f>Sheet1!$A$2:$A$5</c:f>
-              <c:strCache>
-                <c:ptCount val="4"/>
-                <c:pt idx="0">
-                  <c:v>Category 1</c:v>
-                </c:pt>
-                <c:pt idx="1">
-                  <c:v>Category 2</c:v>
-                </c:pt>
-                <c:pt idx="2">
-                  <c:v>Category 3</c:v>
-                </c:pt>
-                <c:pt idx="3">
-                  <c:v>Category 4</c:v>
-                </c:pt>
-              </c:strCache>
-            </c:strRef>
-          </c:cat>
-          <c:val>
-            <c:numRef>
-              <c:f>Sheet1!$D$2:$D$5</c:f>
-              <c:numCache>
-                <c:formatCode>General</c:formatCode>
-                <c:ptCount val="4"/>
-                <c:pt idx="0">
-                  <c:v>2</c:v>
-                </c:pt>
-                <c:pt idx="1">
-                  <c:v>2</c:v>
-                </c:pt>
-                <c:pt idx="2">
-                  <c:v>3</c:v>
-                </c:pt>
-                <c:pt idx="3">
-                  <c:v>5</c:v>
-                </c:pt>
-              </c:numCache>
-            </c:numRef>
-          </c:val>
-        </c:ser>
-        <c:dLbls>
-          <c:showLegendKey val="0"/>
-          <c:showVal val="0"/>
-          <c:showCatName val="0"/>
-          <c:showSerName val="0"/>
-          <c:showPercent val="0"/>
-          <c:showBubbleSize val="0"/>
-        </c:dLbls>
-        <c:gapWidth val="80"/>
-        <c:overlap val="25"/>
-        <c:axId val="368770536"/>
-        <c:axId val="368767008"/>
-      </c:barChart>
-      <c:catAx>
-        <c:axId val="368770536"/>
-        <c:scaling>
-          <c:orientation val="minMax"/>
-        </c:scaling>
-        <c:delete val="0"/>
-        <c:axPos val="b"/>
-        <c:numFmt formatCode="General" sourceLinked="1"/>
-        <c:majorTickMark val="none"/>
-        <c:minorTickMark val="none"/>
-        <c:tickLblPos val="nextTo"/>
-        <c:spPr>
-          <a:noFill/>
-          <a:ln w="15875" cap="flat" cmpd="sng" algn="ctr">
-            <a:solidFill>
-              <a:schemeClr val="tx1">
-                <a:lumMod val="25000"/>
-                <a:lumOff val="75000"/>
-              </a:schemeClr>
-            </a:solidFill>
-            <a:round/>
-          </a:ln>
-          <a:effectLst/>
-        </c:spPr>
-        <c:txPr>
-          <a:bodyPr rot="-60000000" spcFirstLastPara="1" vertOverflow="ellipsis" vert="horz" wrap="square" anchor="ctr" anchorCtr="1"/>
-          <a:lstStyle/>
-          <a:p>
-            <a:pPr>
-              <a:defRPr sz="1197" b="0" i="0" u="none" strike="noStrike" kern="1200" cap="none" spc="20" normalizeH="0" baseline="0">
-                <a:solidFill>
-                  <a:schemeClr val="tx1">
-                    <a:lumMod val="65000"/>
-                    <a:lumOff val="35000"/>
-                  </a:schemeClr>
-                </a:solidFill>
-                <a:latin typeface="+mn-lt"/>
-                <a:ea typeface="+mn-ea"/>
-                <a:cs typeface="+mn-cs"/>
-              </a:defRPr>
-            </a:pPr>
-            <a:endParaRPr lang="en-US"/>
-          </a:p>
-        </c:txPr>
-        <c:crossAx val="368767008"/>
-        <c:crosses val="autoZero"/>
-        <c:auto val="1"/>
-        <c:lblAlgn val="ctr"/>
-        <c:lblOffset val="100"/>
-        <c:noMultiLvlLbl val="0"/>
-      </c:catAx>
-      <c:valAx>
-        <c:axId val="368767008"/>
-        <c:scaling>
-          <c:orientation val="minMax"/>
-        </c:scaling>
-        <c:delete val="0"/>
-        <c:axPos val="l"/>
-        <c:majorGridlines>
-          <c:spPr>
-            <a:ln w="9525" cap="flat" cmpd="sng" algn="ctr">
-              <a:solidFill>
-                <a:schemeClr val="tx1">
-                  <a:lumMod val="5000"/>
-                  <a:lumOff val="95000"/>
-                </a:schemeClr>
-              </a:solidFill>
-              <a:round/>
-            </a:ln>
-            <a:effectLst/>
-          </c:spPr>
-        </c:majorGridlines>
-        <c:numFmt formatCode="General" sourceLinked="1"/>
-        <c:majorTickMark val="none"/>
-        <c:minorTickMark val="none"/>
-        <c:tickLblPos val="nextTo"/>
-        <c:spPr>
-          <a:noFill/>
-          <a:ln>
-            <a:noFill/>
-          </a:ln>
-          <a:effectLst/>
-        </c:spPr>
-        <c:txPr>
-          <a:bodyPr rot="-60000000" spcFirstLastPara="1" vertOverflow="ellipsis" vert="horz" wrap="square" anchor="ctr" anchorCtr="1"/>
-          <a:lstStyle/>
-          <a:p>
-            <a:pPr>
-              <a:defRPr sz="1197" b="0" i="0" u="none" strike="noStrike" kern="1200" spc="20" baseline="0">
-                <a:solidFill>
-                  <a:schemeClr val="tx1">
-                    <a:lumMod val="65000"/>
-                    <a:lumOff val="35000"/>
-                  </a:schemeClr>
-                </a:solidFill>
-                <a:latin typeface="+mn-lt"/>
-                <a:ea typeface="+mn-ea"/>
-                <a:cs typeface="+mn-cs"/>
-              </a:defRPr>
-            </a:pPr>
-            <a:endParaRPr lang="en-US"/>
-          </a:p>
-        </c:txPr>
-        <c:crossAx val="368770536"/>
-        <c:crosses val="autoZero"/>
-        <c:crossBetween val="between"/>
-      </c:valAx>
-      <c:spPr>
-        <a:noFill/>
-        <a:ln>
-          <a:noFill/>
-        </a:ln>
-        <a:effectLst/>
-      </c:spPr>
-    </c:plotArea>
-    <c:legend>
-      <c:legendPos val="b"/>
-      <c:overlay val="0"/>
-      <c:spPr>
-        <a:noFill/>
-        <a:ln>
-          <a:noFill/>
-        </a:ln>
-        <a:effectLst/>
-      </c:spPr>
-      <c:txPr>
-        <a:bodyPr rot="0" spcFirstLastPara="1" vertOverflow="ellipsis" vert="horz" wrap="square" anchor="ctr" anchorCtr="1"/>
-        <a:lstStyle/>
-        <a:p>
-          <a:pPr>
-            <a:defRPr sz="1197" b="0" i="0" u="none" strike="noStrike" kern="1200" baseline="0">
-              <a:solidFill>
-                <a:schemeClr val="tx1">
-                  <a:lumMod val="65000"/>
-                  <a:lumOff val="35000"/>
-                </a:schemeClr>
-              </a:solidFill>
-              <a:latin typeface="+mn-lt"/>
-              <a:ea typeface="+mn-ea"/>
-              <a:cs typeface="+mn-cs"/>
-            </a:defRPr>
-          </a:pPr>
-          <a:endParaRPr lang="en-US"/>
-        </a:p>
-      </c:txPr>
-    </c:legend>
-    <c:plotVisOnly val="1"/>
-    <c:dispBlanksAs val="gap"/>
-    <c:showDLblsOverMax val="0"/>
-  </c:chart>
-  <c:spPr>
-    <a:noFill/>
-    <a:ln>
-      <a:noFill/>
-    </a:ln>
-    <a:effectLst/>
-  </c:spPr>
-  <c:txPr>
-    <a:bodyPr/>
-    <a:lstStyle/>
-    <a:p>
-      <a:pPr>
-        <a:defRPr/>
-      </a:pPr>
-      <a:endParaRPr lang="en-US"/>
-    </a:p>
-  </c:txPr>
-  <c:externalData r:id="rId3">
-    <c:autoUpdate val="0"/>
-  </c:externalData>
-</c:chartSpace>
-</file>
-
-<file path=ppt/charts/colors1.xml><?xml version="1.0" encoding="utf-8"?>
-<cs:colorStyle xmlns:cs="http://schemas.microsoft.com/office/drawing/2012/chartStyle" xmlns:a="http://schemas.openxmlformats.org/drawingml/2006/main" meth="cycle" id="10">
-  <a:schemeClr val="accent1"/>
-  <a:schemeClr val="accent2"/>
-  <a:schemeClr val="accent3"/>
-  <a:schemeClr val="accent4"/>
-  <a:schemeClr val="accent5"/>
-  <a:schemeClr val="accent6"/>
-  <cs:variation/>
-  <cs:variation>
-    <a:lumMod val="60000"/>
-  </cs:variation>
-  <cs:variation>
-    <a:lumMod val="80000"/>
-    <a:lumOff val="20000"/>
-  </cs:variation>
-  <cs:variation>
-    <a:lumMod val="80000"/>
-  </cs:variation>
-  <cs:variation>
-    <a:lumMod val="60000"/>
-    <a:lumOff val="40000"/>
-  </cs:variation>
-  <cs:variation>
-    <a:lumMod val="50000"/>
-  </cs:variation>
-  <cs:variation>
-    <a:lumMod val="70000"/>
-    <a:lumOff val="30000"/>
-  </cs:variation>
-  <cs:variation>
-    <a:lumMod val="70000"/>
-  </cs:variation>
-  <cs:variation>
-    <a:lumMod val="50000"/>
-    <a:lumOff val="50000"/>
-  </cs:variation>
-</cs:colorStyle>
-</file>
-
-<file path=ppt/charts/style1.xml><?xml version="1.0" encoding="utf-8"?>
-<cs:chartStyle xmlns:cs="http://schemas.microsoft.com/office/drawing/2012/chartStyle" xmlns:a="http://schemas.openxmlformats.org/drawingml/2006/main" id="215">
-  <cs:axisTitle>
-    <cs:lnRef idx="0"/>
-    <cs:fillRef idx="0"/>
-    <cs:effectRef idx="0"/>
-    <cs:fontRef idx="minor">
-      <a:schemeClr val="tx1">
-        <a:lumMod val="65000"/>
-        <a:lumOff val="35000"/>
-      </a:schemeClr>
-    </cs:fontRef>
-    <cs:defRPr sz="1197" kern="1200" cap="all"/>
-  </cs:axisTitle>
-  <cs:categoryAxis>
-    <cs:lnRef idx="0"/>
-    <cs:fillRef idx="0"/>
-    <cs:effectRef idx="0"/>
-    <cs:fontRef idx="minor">
-      <a:schemeClr val="tx1">
-        <a:lumMod val="65000"/>
-        <a:lumOff val="35000"/>
-      </a:schemeClr>
-    </cs:fontRef>
-    <cs:spPr>
-      <a:ln w="15875" cap="flat" cmpd="sng" algn="ctr">
-        <a:solidFill>
-          <a:schemeClr val="tx1">
-            <a:lumMod val="25000"/>
-            <a:lumOff val="75000"/>
-          </a:schemeClr>
-        </a:solidFill>
-        <a:round/>
-      </a:ln>
-    </cs:spPr>
-    <cs:defRPr sz="1197" kern="1200" cap="none" spc="20" normalizeH="0" baseline="0"/>
-  </cs:categoryAxis>
-  <cs:chartArea mods="allowNoFillOverride allowNoLineOverride">
-    <cs:lnRef idx="0"/>
-    <cs:fillRef idx="0"/>
-    <cs:effectRef idx="0"/>
-    <cs:fontRef idx="minor">
-      <a:schemeClr val="dk1"/>
-    </cs:fontRef>
-    <cs:spPr>
-      <a:solidFill>
-        <a:schemeClr val="lt1"/>
-      </a:solidFill>
-      <a:ln w="9525" cap="flat" cmpd="sng" algn="ctr">
-        <a:solidFill>
-          <a:schemeClr val="tx1">
-            <a:lumMod val="15000"/>
-            <a:lumOff val="85000"/>
-          </a:schemeClr>
-        </a:solidFill>
-        <a:round/>
-      </a:ln>
-    </cs:spPr>
-    <cs:defRPr sz="1197" kern="1200"/>
-  </cs:chartArea>
-  <cs:dataLabel>
-    <cs:lnRef idx="0"/>
-    <cs:fillRef idx="0"/>
-    <cs:effectRef idx="0"/>
-    <cs:fontRef idx="minor">
-      <a:schemeClr val="tx1">
-        <a:lumMod val="75000"/>
-        <a:lumOff val="25000"/>
-      </a:schemeClr>
-    </cs:fontRef>
-    <cs:defRPr sz="1197" kern="1200"/>
-  </cs:dataLabel>
-  <cs:dataLabelCallout>
-    <cs:lnRef idx="0"/>
-    <cs:fillRef idx="0"/>
-    <cs:effectRef idx="0"/>
-    <cs:fontRef idx="minor">
-      <a:schemeClr val="bg1"/>
-    </cs:fontRef>
-    <cs:spPr>
-      <a:solidFill>
-        <a:schemeClr val="tx1">
-          <a:lumMod val="50000"/>
-          <a:lumOff val="50000"/>
-        </a:schemeClr>
-      </a:solidFill>
-    </cs:spPr>
-    <cs:defRPr sz="1197" kern="1200"/>
-  </cs:dataLabelCallout>
-  <cs:dataPoint>
-    <cs:lnRef idx="0"/>
-    <cs:fillRef idx="0">
-      <cs:styleClr val="auto"/>
-    </cs:fillRef>
-    <cs:effectRef idx="0"/>
-    <cs:fontRef idx="minor">
-      <a:schemeClr val="dk1"/>
-    </cs:fontRef>
-    <cs:spPr>
-      <a:solidFill>
-        <a:schemeClr val="phClr">
-          <a:alpha val="70000"/>
-        </a:schemeClr>
-      </a:solidFill>
-    </cs:spPr>
-  </cs:dataPoint>
-  <cs:dataPoint3D>
-    <cs:lnRef idx="0"/>
-    <cs:fillRef idx="0">
-      <cs:styleClr val="auto"/>
-    </cs:fillRef>
-    <cs:effectRef idx="0"/>
-    <cs:fontRef idx="minor">
-      <a:schemeClr val="dk1"/>
-    </cs:fontRef>
-    <cs:spPr>
-      <a:solidFill>
-        <a:schemeClr val="phClr">
-          <a:alpha val="70000"/>
-        </a:schemeClr>
-      </a:solidFill>
-    </cs:spPr>
-  </cs:dataPoint3D>
-  <cs:dataPointLine>
-    <cs:lnRef idx="0">
-      <cs:styleClr val="auto"/>
-    </cs:lnRef>
-    <cs:fillRef idx="0"/>
-    <cs:effectRef idx="0"/>
-    <cs:fontRef idx="minor">
-      <a:schemeClr val="dk1"/>
-    </cs:fontRef>
-    <cs:spPr>
-      <a:ln w="28575" cap="rnd">
-        <a:solidFill>
-          <a:schemeClr val="phClr">
-            <a:alpha val="70000"/>
-          </a:schemeClr>
-        </a:solidFill>
-        <a:round/>
-      </a:ln>
-    </cs:spPr>
-  </cs:dataPointLine>
-  <cs:dataPointMarker>
-    <cs:lnRef idx="0"/>
-    <cs:fillRef idx="0">
-      <cs:styleClr val="auto"/>
-    </cs:fillRef>
-    <cs:effectRef idx="0"/>
-    <cs:fontRef idx="minor">
-      <a:schemeClr val="dk1"/>
-    </cs:fontRef>
-    <cs:spPr>
-      <a:solidFill>
-        <a:schemeClr val="phClr">
-          <a:alpha val="70000"/>
-        </a:schemeClr>
-      </a:solidFill>
-    </cs:spPr>
-  </cs:dataPointMarker>
-  <cs:dataPointMarkerLayout symbol="circle" size="6"/>
-  <cs:dataPointWireframe>
-    <cs:lnRef idx="0">
-      <cs:styleClr val="auto"/>
-    </cs:lnRef>
-    <cs:fillRef idx="0"/>
-    <cs:effectRef idx="0"/>
-    <cs:fontRef idx="minor">
-      <a:schemeClr val="dk1"/>
-    </cs:fontRef>
-    <cs:spPr>
-      <a:ln w="9525" cap="rnd">
-        <a:solidFill>
-          <a:schemeClr val="phClr"/>
-        </a:solidFill>
-        <a:round/>
-      </a:ln>
-    </cs:spPr>
-  </cs:dataPointWireframe>
-  <cs:dataTable>
-    <cs:lnRef idx="0"/>
-    <cs:fillRef idx="0"/>
-    <cs:effectRef idx="0"/>
-    <cs:fontRef idx="minor">
-      <a:schemeClr val="tx1">
-        <a:lumMod val="65000"/>
-        <a:lumOff val="35000"/>
-      </a:schemeClr>
-    </cs:fontRef>
-    <cs:spPr>
-      <a:ln w="9525">
-        <a:solidFill>
-          <a:schemeClr val="tx1">
-            <a:lumMod val="15000"/>
-            <a:lumOff val="85000"/>
-          </a:schemeClr>
-        </a:solidFill>
-      </a:ln>
-    </cs:spPr>
-    <cs:defRPr sz="1197" kern="1200"/>
-  </cs:dataTable>
-  <cs:downBar>
-    <cs:lnRef idx="0"/>
-    <cs:fillRef idx="0"/>
-    <cs:effectRef idx="0"/>
-    <cs:fontRef idx="minor">
-      <a:schemeClr val="dk1"/>
-    </cs:fontRef>
-    <cs:spPr>
-      <a:solidFill>
-        <a:schemeClr val="dk1">
-          <a:lumMod val="75000"/>
-          <a:lumOff val="25000"/>
-        </a:schemeClr>
-      </a:solidFill>
-      <a:ln w="9525">
-        <a:solidFill>
-          <a:schemeClr val="tx1">
-            <a:lumMod val="65000"/>
-            <a:lumOff val="35000"/>
-          </a:schemeClr>
-        </a:solidFill>
-      </a:ln>
-    </cs:spPr>
-  </cs:downBar>
-  <cs:dropLine>
-    <cs:lnRef idx="0"/>
-    <cs:fillRef idx="0"/>
-    <cs:effectRef idx="0"/>
-    <cs:fontRef idx="minor">
-      <a:schemeClr val="dk1"/>
-    </cs:fontRef>
-    <cs:spPr>
-      <a:ln w="9525">
-        <a:solidFill>
-          <a:schemeClr val="tx1">
-            <a:lumMod val="35000"/>
-            <a:lumOff val="65000"/>
-          </a:schemeClr>
-        </a:solidFill>
-        <a:round/>
-      </a:ln>
-    </cs:spPr>
-  </cs:dropLine>
-  <cs:errorBar>
-    <cs:lnRef idx="0"/>
-    <cs:fillRef idx="0"/>
-    <cs:effectRef idx="0"/>
-    <cs:fontRef idx="minor">
-      <a:schemeClr val="dk1"/>
-    </cs:fontRef>
-    <cs:spPr>
-      <a:ln w="9525">
-        <a:solidFill>
-          <a:schemeClr val="tx1">
-            <a:lumMod val="65000"/>
-            <a:lumOff val="35000"/>
-          </a:schemeClr>
-        </a:solidFill>
-        <a:round/>
-      </a:ln>
-    </cs:spPr>
-  </cs:errorBar>
-  <cs:floor>
-    <cs:lnRef idx="0"/>
-    <cs:fillRef idx="0"/>
-    <cs:effectRef idx="0"/>
-    <cs:fontRef idx="minor">
-      <a:schemeClr val="dk1"/>
-    </cs:fontRef>
-  </cs:floor>
-  <cs:gridlineMajor>
-    <cs:lnRef idx="0"/>
-    <cs:fillRef idx="0"/>
-    <cs:effectRef idx="0"/>
-    <cs:fontRef idx="minor">
-      <a:schemeClr val="dk1"/>
-    </cs:fontRef>
-    <cs:spPr>
-      <a:ln w="9525" cap="flat" cmpd="sng" algn="ctr">
-        <a:solidFill>
-          <a:schemeClr val="tx1">
-            <a:lumMod val="5000"/>
-            <a:lumOff val="95000"/>
-          </a:schemeClr>
-        </a:solidFill>
-        <a:round/>
-      </a:ln>
-    </cs:spPr>
-  </cs:gridlineMajor>
-  <cs:gridlineMinor>
-    <cs:lnRef idx="0"/>
-    <cs:fillRef idx="0"/>
-    <cs:effectRef idx="0"/>
-    <cs:fontRef idx="minor">
-      <a:schemeClr val="dk1"/>
-    </cs:fontRef>
-    <cs:spPr>
-      <a:ln>
-        <a:solidFill>
-          <a:schemeClr val="tx1">
-            <a:lumMod val="5000"/>
-            <a:lumOff val="95000"/>
-          </a:schemeClr>
-        </a:solidFill>
-      </a:ln>
-    </cs:spPr>
-  </cs:gridlineMinor>
-  <cs:hiLoLine>
-    <cs:lnRef idx="0"/>
-    <cs:fillRef idx="0"/>
-    <cs:effectRef idx="0"/>
-    <cs:fontRef idx="minor">
-      <a:schemeClr val="dk1"/>
-    </cs:fontRef>
-    <cs:spPr>
-      <a:ln w="9525">
-        <a:solidFill>
-          <a:schemeClr val="tx1">
-            <a:lumMod val="35000"/>
-            <a:lumOff val="65000"/>
-          </a:schemeClr>
-        </a:solidFill>
-        <a:round/>
-      </a:ln>
-    </cs:spPr>
-  </cs:hiLoLine>
-  <cs:leaderLine>
-    <cs:lnRef idx="0"/>
-    <cs:fillRef idx="0"/>
-    <cs:effectRef idx="0"/>
-    <cs:fontRef idx="minor">
-      <a:schemeClr val="dk1"/>
-    </cs:fontRef>
-    <cs:spPr>
-      <a:ln w="9525">
-        <a:solidFill>
-          <a:schemeClr val="tx1">
-            <a:lumMod val="35000"/>
-            <a:lumOff val="65000"/>
-          </a:schemeClr>
-        </a:solidFill>
-      </a:ln>
-    </cs:spPr>
-  </cs:leaderLine>
-  <cs:legend>
-    <cs:lnRef idx="0"/>
-    <cs:fillRef idx="0"/>
-    <cs:effectRef idx="0"/>
-    <cs:fontRef idx="minor">
-      <a:schemeClr val="tx1">
-        <a:lumMod val="65000"/>
-        <a:lumOff val="35000"/>
-      </a:schemeClr>
-    </cs:fontRef>
-    <cs:defRPr sz="1197" kern="1200" baseline="0"/>
-  </cs:legend>
-  <cs:plotArea mods="allowNoFillOverride allowNoLineOverride">
-    <cs:lnRef idx="0"/>
-    <cs:fillRef idx="0"/>
-    <cs:effectRef idx="0"/>
-    <cs:fontRef idx="minor">
-      <a:schemeClr val="dk1"/>
-    </cs:fontRef>
-  </cs:plotArea>
-  <cs:plotArea3D mods="allowNoFillOverride allowNoLineOverride">
-    <cs:lnRef idx="0"/>
-    <cs:fillRef idx="0"/>
-    <cs:effectRef idx="0"/>
-    <cs:fontRef idx="minor">
-      <a:schemeClr val="dk1"/>
-    </cs:fontRef>
-  </cs:plotArea3D>
-  <cs:seriesAxis>
-    <cs:lnRef idx="0"/>
-    <cs:fillRef idx="0"/>
-    <cs:effectRef idx="0"/>
-    <cs:fontRef idx="minor">
-      <a:schemeClr val="tx1">
-        <a:lumMod val="65000"/>
-        <a:lumOff val="35000"/>
-      </a:schemeClr>
-    </cs:fontRef>
-    <cs:defRPr sz="1197" kern="1200"/>
-  </cs:seriesAxis>
-  <cs:seriesLine>
-    <cs:lnRef idx="0"/>
-    <cs:fillRef idx="0"/>
-    <cs:effectRef idx="0"/>
-    <cs:fontRef idx="minor">
-      <a:schemeClr val="dk1"/>
-    </cs:fontRef>
-    <cs:spPr>
-      <a:ln w="9525">
-        <a:solidFill>
-          <a:schemeClr val="tx1">
-            <a:lumMod val="35000"/>
-            <a:lumOff val="65000"/>
-          </a:schemeClr>
-        </a:solidFill>
-        <a:round/>
-      </a:ln>
-    </cs:spPr>
-  </cs:seriesLine>
-  <cs:title>
-    <cs:lnRef idx="0"/>
-    <cs:fillRef idx="0"/>
-    <cs:effectRef idx="0"/>
-    <cs:fontRef idx="major">
-      <a:schemeClr val="tx1">
-        <a:lumMod val="65000"/>
-        <a:lumOff val="35000"/>
-      </a:schemeClr>
-    </cs:fontRef>
-    <cs:defRPr sz="2128" b="0" i="0" kern="1200" cap="none" spc="50" normalizeH="0" baseline="0"/>
-  </cs:title>
-  <cs:trendline>
-    <cs:lnRef idx="0">
-      <cs:styleClr val="auto"/>
-    </cs:lnRef>
-    <cs:fillRef idx="0"/>
-    <cs:effectRef idx="0"/>
-    <cs:fontRef idx="minor">
-      <a:schemeClr val="dk1"/>
-    </cs:fontRef>
-    <cs:spPr>
-      <a:ln w="15875" cap="rnd">
-        <a:solidFill>
-          <a:schemeClr val="phClr"/>
-        </a:solidFill>
-      </a:ln>
-    </cs:spPr>
-  </cs:trendline>
-  <cs:trendlineLabel>
-    <cs:lnRef idx="0"/>
-    <cs:fillRef idx="0"/>
-    <cs:effectRef idx="0"/>
-    <cs:fontRef idx="minor">
-      <a:schemeClr val="tx1">
-        <a:lumMod val="65000"/>
-        <a:lumOff val="35000"/>
-      </a:schemeClr>
-    </cs:fontRef>
-    <cs:defRPr sz="1197" kern="1200"/>
-  </cs:trendlineLabel>
-  <cs:upBar>
-    <cs:lnRef idx="0"/>
-    <cs:fillRef idx="0"/>
-    <cs:effectRef idx="0"/>
-    <cs:fontRef idx="minor">
-      <a:schemeClr val="dk1"/>
-    </cs:fontRef>
-    <cs:spPr>
-      <a:solidFill>
-        <a:schemeClr val="lt1"/>
-      </a:solidFill>
-      <a:ln w="9525">
-        <a:solidFill>
-          <a:schemeClr val="tx1">
-            <a:lumMod val="65000"/>
-            <a:lumOff val="35000"/>
-          </a:schemeClr>
-        </a:solidFill>
-      </a:ln>
-    </cs:spPr>
-  </cs:upBar>
-  <cs:valueAxis>
-    <cs:lnRef idx="0"/>
-    <cs:fillRef idx="0"/>
-    <cs:effectRef idx="0"/>
-    <cs:fontRef idx="minor">
-      <a:schemeClr val="tx1">
-        <a:lumMod val="65000"/>
-        <a:lumOff val="35000"/>
-      </a:schemeClr>
-    </cs:fontRef>
-    <cs:defRPr sz="1197" kern="1200" spc="20" baseline="0"/>
-  </cs:valueAxis>
-  <cs:wall>
-    <cs:lnRef idx="0"/>
-    <cs:fillRef idx="0"/>
-    <cs:effectRef idx="0"/>
-    <cs:fontRef idx="minor">
-      <a:schemeClr val="dk1"/>
-    </cs:fontRef>
-  </cs:wall>
-</cs:chartStyle>
-</file>
-
-<file path=ppt/diagrams/colors1.xml><?xml version="1.0" encoding="utf-8"?>
-<dgm:colorsDef xmlns:dgm="http://schemas.openxmlformats.org/drawingml/2006/diagram" xmlns:a="http://schemas.openxmlformats.org/drawingml/2006/main" uniqueId="urn:microsoft.com/office/officeart/2005/8/colors/colorful1">
-  <dgm:title val=""/>
-  <dgm:desc val=""/>
-  <dgm:catLst>
-    <dgm:cat type="colorful" pri="10100"/>
-  </dgm:catLst>
-  <dgm:styleLbl name="node0">
-    <dgm:fillClrLst meth="repeat">
-      <a:schemeClr val="accent1"/>
-    </dgm:fillClrLst>
-    <dgm:linClrLst meth="repeat">
-      <a:schemeClr val="lt1"/>
-    </dgm:linClrLst>
-    <dgm:effectClrLst/>
-    <dgm:txLinClrLst/>
-    <dgm:txFillClrLst/>
-    <dgm:txEffectClrLst/>
-  </dgm:styleLbl>
-  <dgm:styleLbl name="node1">
-    <dgm:fillClrLst meth="repeat">
-      <a:schemeClr val="accent2"/>
-      <a:schemeClr val="accent3"/>
-      <a:schemeClr val="accent4"/>
-      <a:schemeClr val="accent5"/>
-      <a:schemeClr val="accent6"/>
-    </dgm:fillClrLst>
-    <dgm:linClrLst meth="repeat">
-      <a:schemeClr val="lt1"/>
-    </dgm:linClrLst>
-    <dgm:effectClrLst/>
-    <dgm:txLinClrLst/>
-    <dgm:txFillClrLst/>
-    <dgm:txEffectClrLst/>
-  </dgm:styleLbl>
-  <dgm:styleLbl name="alignNode1">
-    <dgm:fillClrLst meth="repeat">
-      <a:schemeClr val="accent2"/>
-      <a:schemeClr val="accent3"/>
-      <a:schemeClr val="accent4"/>
-      <a:schemeClr val="accent5"/>
-      <a:schemeClr val="accent6"/>
-    </dgm:fillClrLst>
-    <dgm:linClrLst meth="repeat">
-      <a:schemeClr val="accent2"/>
-      <a:schemeClr val="accent3"/>
-      <a:schemeClr val="accent4"/>
-      <a:schemeClr val="accent5"/>
-      <a:schemeClr val="accent6"/>
-    </dgm:linClrLst>
-    <dgm:effectClrLst/>
-    <dgm:txLinClrLst/>
-    <dgm:txFillClrLst/>
-    <dgm:txEffectClrLst/>
-  </dgm:styleLbl>
-  <dgm:styleLbl name="lnNode1">
-    <dgm:fillClrLst meth="repeat">
-      <a:schemeClr val="accent2"/>
-      <a:schemeClr val="accent3"/>
-      <a:schemeClr val="accent4"/>
-      <a:schemeClr val="accent5"/>
-      <a:schemeClr val="accent6"/>
-    </dgm:fillClrLst>
-    <dgm:linClrLst meth="repeat">
-      <a:schemeClr val="lt1"/>
-    </dgm:linClrLst>
-    <dgm:effectClrLst/>
-    <dgm:txLinClrLst/>
-    <dgm:txFillClrLst/>
-    <dgm:txEffectClrLst/>
-  </dgm:styleLbl>
-  <dgm:styleLbl name="vennNode1">
-    <dgm:fillClrLst meth="repeat">
-      <a:schemeClr val="accent2">
-        <a:alpha val="50000"/>
-      </a:schemeClr>
-      <a:schemeClr val="accent3">
-        <a:alpha val="50000"/>
-      </a:schemeClr>
-      <a:schemeClr val="accent4">
-        <a:alpha val="50000"/>
-      </a:schemeClr>
-      <a:schemeClr val="accent5">
-        <a:alpha val="50000"/>
-      </a:schemeClr>
-      <a:schemeClr val="accent6">
-        <a:alpha val="50000"/>
-      </a:schemeClr>
-    </dgm:fillClrLst>
-    <dgm:linClrLst meth="repeat">
-      <a:schemeClr val="lt1"/>
-    </dgm:linClrLst>
-    <dgm:effectClrLst/>
-    <dgm:txLinClrLst/>
-    <dgm:txFillClrLst/>
-    <dgm:txEffectClrLst/>
-  </dgm:styleLbl>
-  <dgm:styleLbl name="node2">
-    <dgm:fillClrLst>
-      <a:schemeClr val="accent2"/>
-    </dgm:fillClrLst>
-    <dgm:linClrLst meth="repeat">
-      <a:schemeClr val="lt1"/>
-    </dgm:linClrLst>
-    <dgm:effectClrLst/>
-    <dgm:txLinClrLst/>
-    <dgm:txFillClrLst/>
-    <dgm:txEffectClrLst/>
-  </dgm:styleLbl>
-  <dgm:styleLbl name="node3">
-    <dgm:fillClrLst>
-      <a:schemeClr val="accent3"/>
-    </dgm:fillClrLst>
-    <dgm:linClrLst meth="repeat">
-      <a:schemeClr val="lt1"/>
-    </dgm:linClrLst>
-    <dgm:effectClrLst/>
-    <dgm:txLinClrLst/>
-    <dgm:txFillClrLst/>
-    <dgm:txEffectClrLst/>
-  </dgm:styleLbl>
-  <dgm:styleLbl name="node4">
-    <dgm:fillClrLst>
-      <a:schemeClr val="accent4"/>
-    </dgm:fillClrLst>
-    <dgm:linClrLst meth="repeat">
-      <a:schemeClr val="lt1"/>
-    </dgm:linClrLst>
-    <dgm:effectClrLst/>
-    <dgm:txLinClrLst/>
-    <dgm:txFillClrLst/>
-    <dgm:txEffectClrLst/>
-  </dgm:styleLbl>
-  <dgm:styleLbl name="fgImgPlace1">
-    <dgm:fillClrLst meth="repeat">
-      <a:schemeClr val="accent2">
-        <a:tint val="50000"/>
-      </a:schemeClr>
-      <a:schemeClr val="accent3">
-        <a:tint val="50000"/>
-      </a:schemeClr>
-      <a:schemeClr val="accent4">
-        <a:tint val="50000"/>
-      </a:schemeClr>
-      <a:schemeClr val="accent5">
-        <a:tint val="50000"/>
-      </a:schemeClr>
-      <a:schemeClr val="accent6">
-        <a:tint val="50000"/>
-      </a:schemeClr>
-    </dgm:fillClrLst>
-    <dgm:linClrLst meth="repeat">
-      <a:schemeClr val="lt1"/>
-    </dgm:linClrLst>
-    <dgm:effectClrLst/>
-    <dgm:txLinClrLst/>
-    <dgm:txFillClrLst meth="repeat">
-      <a:schemeClr val="lt1"/>
-    </dgm:txFillClrLst>
-    <dgm:txEffectClrLst/>
-  </dgm:styleLbl>
-  <dgm:styleLbl name="alignImgPlace1">
-    <dgm:fillClrLst>
-      <a:schemeClr val="accent1">
-        <a:tint val="50000"/>
-      </a:schemeClr>
-      <a:schemeClr val="accent2">
-        <a:tint val="20000"/>
-      </a:schemeClr>
-    </dgm:fillClrLst>
-    <dgm:linClrLst meth="repeat">
-      <a:schemeClr val="lt1"/>
-    </dgm:linClrLst>
-    <dgm:effectClrLst/>
-    <dgm:txLinClrLst/>
-    <dgm:txFillClrLst meth="repeat">
-      <a:schemeClr val="lt1"/>
-    </dgm:txFillClrLst>
-    <dgm:txEffectClrLst/>
-  </dgm:styleLbl>
-  <dgm:styleLbl name="bgImgPlace1">
-    <dgm:fillClrLst>
-      <a:schemeClr val="accent1">
-        <a:tint val="50000"/>
-      </a:schemeClr>
-      <a:schemeClr val="accent2">
-        <a:tint val="20000"/>
-      </a:schemeClr>
-    </dgm:fillClrLst>
-    <dgm:linClrLst meth="repeat">
-      <a:schemeClr val="lt1"/>
-    </dgm:linClrLst>
-    <dgm:effectClrLst/>
-    <dgm:txLinClrLst/>
-    <dgm:txFillClrLst meth="repeat">
-      <a:schemeClr val="lt1"/>
-    </dgm:txFillClrLst>
-    <dgm:txEffectClrLst/>
-  </dgm:styleLbl>
-  <dgm:styleLbl name="sibTrans2D1">
-    <dgm:fillClrLst meth="repeat">
-      <a:schemeClr val="accent2"/>
-      <a:schemeClr val="accent3"/>
-      <a:schemeClr val="accent4"/>
-      <a:schemeClr val="accent5"/>
-      <a:schemeClr val="accent6"/>
-    </dgm:fillClrLst>
-    <dgm:linClrLst meth="cycle">
-      <a:schemeClr val="lt1"/>
-    </dgm:linClrLst>
-    <dgm:effectClrLst/>
-    <dgm:txLinClrLst/>
-    <dgm:txFillClrLst/>
-    <dgm:txEffectClrLst/>
-  </dgm:styleLbl>
-  <dgm:styleLbl name="fgSibTrans2D1">
-    <dgm:fillClrLst meth="repeat">
-      <a:schemeClr val="accent2"/>
-      <a:schemeClr val="accent3"/>
-      <a:schemeClr val="accent4"/>
-      <a:schemeClr val="accent5"/>
-      <a:schemeClr val="accent6"/>
-    </dgm:fillClrLst>
-    <dgm:linClrLst meth="cycle">
-      <a:schemeClr val="lt1"/>
-    </dgm:linClrLst>
-    <dgm:effectClrLst/>
-    <dgm:txLinClrLst/>
-    <dgm:txFillClrLst meth="repeat">
-      <a:schemeClr val="lt1"/>
-    </dgm:txFillClrLst>
-    <dgm:txEffectClrLst/>
-  </dgm:styleLbl>
-  <dgm:styleLbl name="bgSibTrans2D1">
-    <dgm:fillClrLst meth="repeat">
-      <a:schemeClr val="accent2"/>
-      <a:schemeClr val="accent3"/>
-      <a:schemeClr val="accent4"/>
-      <a:schemeClr val="accent5"/>
-      <a:schemeClr val="accent6"/>
-    </dgm:fillClrLst>
-    <dgm:linClrLst meth="cycle">
-      <a:schemeClr val="lt1"/>
-    </dgm:linClrLst>
-    <dgm:effectClrLst/>
-    <dgm:txLinClrLst/>
-    <dgm:txFillClrLst meth="repeat">
-      <a:schemeClr val="lt1"/>
-    </dgm:txFillClrLst>
-    <dgm:txEffectClrLst/>
-  </dgm:styleLbl>
-  <dgm:styleLbl name="sibTrans1D1">
-    <dgm:fillClrLst meth="repeat">
-      <a:schemeClr val="accent2"/>
-      <a:schemeClr val="accent3"/>
-      <a:schemeClr val="accent4"/>
-      <a:schemeClr val="accent5"/>
-      <a:schemeClr val="accent6"/>
-    </dgm:fillClrLst>
-    <dgm:linClrLst meth="repeat">
-      <a:schemeClr val="accent2"/>
-      <a:schemeClr val="accent3"/>
-      <a:schemeClr val="accent4"/>
-      <a:schemeClr val="accent5"/>
-      <a:schemeClr val="accent6"/>
-    </dgm:linClrLst>
-    <dgm:effectClrLst/>
-    <dgm:txLinClrLst/>
-    <dgm:txFillClrLst meth="repeat">
-      <a:schemeClr val="tx1"/>
-    </dgm:txFillClrLst>
-    <dgm:txEffectClrLst/>
-  </dgm:styleLbl>
-  <dgm:styleLbl name="callout">
-    <dgm:fillClrLst meth="repeat">
-      <a:schemeClr val="accent2"/>
-    </dgm:fillClrLst>
-    <dgm:linClrLst meth="repeat">
-      <a:schemeClr val="accent2">
-        <a:tint val="50000"/>
-      </a:schemeClr>
-    </dgm:linClrLst>
-    <dgm:effectClrLst/>
-    <dgm:txLinClrLst/>
-    <dgm:txFillClrLst meth="repeat">
-      <a:schemeClr val="tx1"/>
-    </dgm:txFillClrLst>
-    <dgm:txEffectClrLst/>
-  </dgm:styleLbl>
-  <dgm:styleLbl name="asst0">
-    <dgm:fillClrLst meth="repeat">
-      <a:schemeClr val="accent1"/>
-    </dgm:fillClrLst>
-    <dgm:linClrLst meth="repeat">
-      <a:schemeClr val="lt1"/>
-    </dgm:linClrLst>
-    <dgm:effectClrLst/>
-    <dgm:txLinClrLst/>
-    <dgm:txFillClrLst/>
-    <dgm:txEffectClrLst/>
-  </dgm:styleLbl>
-  <dgm:styleLbl name="asst1">
-    <dgm:fillClrLst meth="repeat">
-      <a:schemeClr val="accent2"/>
-    </dgm:fillClrLst>
-    <dgm:linClrLst meth="repeat">
-      <a:schemeClr val="lt1"/>
-    </dgm:linClrLst>
-    <dgm:effectClrLst/>
-    <dgm:txLinClrLst/>
-    <dgm:txFillClrLst/>
-    <dgm:txEffectClrLst/>
-  </dgm:styleLbl>
-  <dgm:styleLbl name="asst2">
-    <dgm:fillClrLst>
-      <a:schemeClr val="accent3"/>
-    </dgm:fillClrLst>
-    <dgm:linClrLst meth="repeat">
-      <a:schemeClr val="lt1"/>
-    </dgm:linClrLst>
-    <dgm:effectClrLst/>
-    <dgm:txLinClrLst/>
-    <dgm:txFillClrLst/>
-    <dgm:txEffectClrLst/>
-  </dgm:styleLbl>
-  <dgm:styleLbl name="asst3">
-    <dgm:fillClrLst>
-      <a:schemeClr val="accent4"/>
-    </dgm:fillClrLst>
-    <dgm:linClrLst meth="repeat">
-      <a:schemeClr val="lt1"/>
-    </dgm:linClrLst>
-    <dgm:effectClrLst/>
-    <dgm:txLinClrLst/>
-    <dgm:txFillClrLst/>
-    <dgm:txEffectClrLst/>
-  </dgm:styleLbl>
-  <dgm:styleLbl name="asst4">
-    <dgm:fillClrLst>
-      <a:schemeClr val="accent5"/>
-    </dgm:fillClrLst>
-    <dgm:linClrLst meth="repeat">
-      <a:schemeClr val="lt1"/>
-    </dgm:linClrLst>
-    <dgm:effectClrLst/>
-    <dgm:txLinClrLst/>
-    <dgm:txFillClrLst/>
-    <dgm:txEffectClrLst/>
-  </dgm:styleLbl>
-  <dgm:styleLbl name="parChTrans2D1">
-    <dgm:fillClrLst meth="repeat">
-      <a:schemeClr val="accent2"/>
-    </dgm:fillClrLst>
-    <dgm:linClrLst meth="repeat">
-      <a:schemeClr val="lt1"/>
-    </dgm:linClrLst>
-    <dgm:effectClrLst/>
-    <dgm:txLinClrLst/>
-    <dgm:txFillClrLst meth="repeat">
-      <a:schemeClr val="lt1"/>
-    </dgm:txFillClrLst>
-    <dgm:txEffectClrLst/>
-  </dgm:styleLbl>
-  <dgm:styleLbl name="parChTrans2D2">
-    <dgm:fillClrLst meth="repeat">
-      <a:schemeClr val="accent3"/>
-    </dgm:fillClrLst>
-    <dgm:linClrLst meth="repeat">
-      <a:schemeClr val="lt1"/>
-    </dgm:linClrLst>
-    <dgm:effectClrLst/>
-    <dgm:txLinClrLst/>
-    <dgm:txFillClrLst/>
-    <dgm:txEffectClrLst/>
-  </dgm:styleLbl>
-  <dgm:styleLbl name="parChTrans2D3">
-    <dgm:fillClrLst meth="repeat">
-      <a:schemeClr val="accent4"/>
-    </dgm:fillClrLst>
-    <dgm:linClrLst meth="repeat">
-      <a:schemeClr val="lt1"/>
-    </dgm:linClrLst>
-    <dgm:effectClrLst/>
-    <dgm:txLinClrLst/>
-    <dgm:txFillClrLst/>
-    <dgm:txEffectClrLst/>
-  </dgm:styleLbl>
-  <dgm:styleLbl name="parChTrans2D4">
-    <dgm:fillClrLst meth="repeat">
-      <a:schemeClr val="accent5"/>
-    </dgm:fillClrLst>
-    <dgm:linClrLst meth="repeat">
-      <a:schemeClr val="lt1"/>
-    </dgm:linClrLst>
-    <dgm:effectClrLst/>
-    <dgm:txLinClrLst/>
-    <dgm:txFillClrLst meth="repeat">
-      <a:schemeClr val="lt1"/>
-    </dgm:txFillClrLst>
-    <dgm:txEffectClrLst/>
-  </dgm:styleLbl>
-  <dgm:styleLbl name="parChTrans1D1">
-    <dgm:fillClrLst meth="repeat">
-      <a:schemeClr val="accent2"/>
-    </dgm:fillClrLst>
-    <dgm:linClrLst meth="repeat">
-      <a:schemeClr val="accent1"/>
-    </dgm:linClrLst>
-    <dgm:effectClrLst/>
-    <dgm:txLinClrLst/>
-    <dgm:txFillClrLst meth="repeat">
-      <a:schemeClr val="tx1"/>
-    </dgm:txFillClrLst>
-    <dgm:txEffectClrLst/>
-  </dgm:styleLbl>
-  <dgm:styleLbl name="parChTrans1D2">
-    <dgm:fillClrLst meth="repeat">
-      <a:schemeClr val="accent3">
-        <a:tint val="90000"/>
-      </a:schemeClr>
-    </dgm:fillClrLst>
-    <dgm:linClrLst meth="repeat">
-      <a:schemeClr val="accent2"/>
-    </dgm:linClrLst>
-    <dgm:effectClrLst/>
-    <dgm:txLinClrLst/>
-    <dgm:txFillClrLst meth="repeat">
-      <a:schemeClr val="tx1"/>
-    </dgm:txFillClrLst>
-    <dgm:txEffectClrLst/>
-  </dgm:styleLbl>
-  <dgm:styleLbl name="parChTrans1D3">
-    <dgm:fillClrLst meth="repeat">
-      <a:schemeClr val="accent4">
-        <a:tint val="70000"/>
-      </a:schemeClr>
-    </dgm:fillClrLst>
-    <dgm:linClrLst meth="repeat">
-      <a:schemeClr val="accent3"/>
-    </dgm:linClrLst>
-    <dgm:effectClrLst/>
-    <dgm:txLinClrLst/>
-    <dgm:txFillClrLst meth="repeat">
-      <a:schemeClr val="tx1"/>
-    </dgm:txFillClrLst>
-    <dgm:txEffectClrLst/>
-  </dgm:styleLbl>
-  <dgm:styleLbl name="parChTrans1D4">
-    <dgm:fillClrLst meth="repeat">
-      <a:schemeClr val="accent5">
-        <a:tint val="50000"/>
-      </a:schemeClr>
-    </dgm:fillClrLst>
-    <dgm:linClrLst meth="repeat">
-      <a:schemeClr val="accent4"/>
-    </dgm:linClrLst>
-    <dgm:effectClrLst/>
-    <dgm:txLinClrLst/>
-    <dgm:txFillClrLst meth="repeat">
-      <a:schemeClr val="tx1"/>
-    </dgm:txFillClrLst>
-    <dgm:txEffectClrLst/>
-  </dgm:styleLbl>
-  <dgm:styleLbl name="fgAcc1">
-    <dgm:fillClrLst meth="repeat">
-      <a:schemeClr val="lt1">
-        <a:alpha val="90000"/>
-      </a:schemeClr>
-    </dgm:fillClrLst>
-    <dgm:linClrLst meth="repeat">
-      <a:schemeClr val="accent2"/>
-      <a:schemeClr val="accent3"/>
-      <a:schemeClr val="accent4"/>
-      <a:schemeClr val="accent5"/>
-      <a:schemeClr val="accent6"/>
-    </dgm:linClrLst>
-    <dgm:effectClrLst/>
-    <dgm:txLinClrLst/>
-    <dgm:txFillClrLst meth="repeat">
-      <a:schemeClr val="dk1"/>
-    </dgm:txFillClrLst>
-    <dgm:txEffectClrLst/>
-  </dgm:styleLbl>
-  <dgm:styleLbl name="conFgAcc1">
-    <dgm:fillClrLst meth="repeat">
-      <a:schemeClr val="lt1">
-        <a:alpha val="90000"/>
-      </a:schemeClr>
-    </dgm:fillClrLst>
-    <dgm:linClrLst meth="repeat">
-      <a:schemeClr val="accent2"/>
-      <a:schemeClr val="accent3"/>
-      <a:schemeClr val="accent4"/>
-      <a:schemeClr val="accent5"/>
-      <a:schemeClr val="accent6"/>
-    </dgm:linClrLst>
-    <dgm:effectClrLst/>
-    <dgm:txLinClrLst/>
-    <dgm:txFillClrLst meth="repeat">
-      <a:schemeClr val="dk1"/>
-    </dgm:txFillClrLst>
-    <dgm:txEffectClrLst/>
-  </dgm:styleLbl>
-  <dgm:styleLbl name="alignAcc1">
-    <dgm:fillClrLst meth="repeat">
-      <a:schemeClr val="lt1">
-        <a:alpha val="90000"/>
-      </a:schemeClr>
-    </dgm:fillClrLst>
-    <dgm:linClrLst meth="repeat">
-      <a:schemeClr val="accent2"/>
-      <a:schemeClr val="accent3"/>
-      <a:schemeClr val="accent4"/>
-      <a:schemeClr val="accent5"/>
-      <a:schemeClr val="accent6"/>
-    </dgm:linClrLst>
-    <dgm:effectClrLst/>
-    <dgm:txLinClrLst/>
-    <dgm:txFillClrLst meth="repeat">
-      <a:schemeClr val="dk1"/>
-    </dgm:txFillClrLst>
-    <dgm:txEffectClrLst/>
-  </dgm:styleLbl>
-  <dgm:styleLbl name="trAlignAcc1">
-    <dgm:fillClrLst meth="repeat">
-      <a:schemeClr val="lt1">
-        <a:alpha val="40000"/>
-      </a:schemeClr>
-    </dgm:fillClrLst>
-    <dgm:linClrLst meth="repeat">
-      <a:schemeClr val="accent1"/>
-    </dgm:linClrLst>
-    <dgm:effectClrLst/>
-    <dgm:txLinClrLst/>
-    <dgm:txFillClrLst meth="repeat">
-      <a:schemeClr val="dk1"/>
-    </dgm:txFillClrLst>
-    <dgm:txEffectClrLst/>
-  </dgm:styleLbl>
-  <dgm:styleLbl name="bgAcc1">
-    <dgm:fillClrLst meth="repeat">
-      <a:schemeClr val="lt1">
-        <a:alpha val="90000"/>
-      </a:schemeClr>
-    </dgm:fillClrLst>
-    <dgm:linClrLst meth="repeat">
-      <a:schemeClr val="accent2"/>
-      <a:schemeClr val="accent3"/>
-      <a:schemeClr val="accent4"/>
-      <a:schemeClr val="accent5"/>
-      <a:schemeClr val="accent6"/>
-    </dgm:linClrLst>
-    <dgm:effectClrLst/>
-    <dgm:txLinClrLst/>
-    <dgm:txFillClrLst meth="repeat">
-      <a:schemeClr val="dk1"/>
-    </dgm:txFillClrLst>
-    <dgm:txEffectClrLst/>
-  </dgm:styleLbl>
-  <dgm:styleLbl name="solidFgAcc1">
-    <dgm:fillClrLst meth="repeat">
-      <a:schemeClr val="lt1"/>
-    </dgm:fillClrLst>
-    <dgm:linClrLst meth="repeat">
-      <a:schemeClr val="accent2"/>
-      <a:schemeClr val="accent3"/>
-      <a:schemeClr val="accent4"/>
-      <a:schemeClr val="accent5"/>
-      <a:schemeClr val="accent6"/>
-    </dgm:linClrLst>
-    <dgm:effectClrLst/>
-    <dgm:txLinClrLst/>
-    <dgm:txFillClrLst meth="repeat">
-      <a:schemeClr val="dk1"/>
-    </dgm:txFillClrLst>
-    <dgm:txEffectClrLst/>
-  </dgm:styleLbl>
-  <dgm:styleLbl name="solidAlignAcc1">
-    <dgm:fillClrLst meth="repeat">
-      <a:schemeClr val="lt1"/>
-    </dgm:fillClrLst>
-    <dgm:linClrLst meth="repeat">
-      <a:schemeClr val="accent2"/>
-      <a:schemeClr val="accent3"/>
-      <a:schemeClr val="accent4"/>
-      <a:schemeClr val="accent5"/>
-      <a:schemeClr val="accent6"/>
-    </dgm:linClrLst>
-    <dgm:effectClrLst/>
-    <dgm:txLinClrLst/>
-    <dgm:txFillClrLst meth="repeat">
-      <a:schemeClr val="dk1"/>
-    </dgm:txFillClrLst>
-    <dgm:txEffectClrLst/>
-  </dgm:styleLbl>
-  <dgm:styleLbl name="solidBgAcc1">
-    <dgm:fillClrLst meth="repeat">
-      <a:schemeClr val="lt1"/>
-    </dgm:fillClrLst>
-    <dgm:linClrLst meth="repeat">
-      <a:schemeClr val="accent2"/>
-      <a:schemeClr val="accent3"/>
-      <a:schemeClr val="accent4"/>
-      <a:schemeClr val="accent5"/>
-      <a:schemeClr val="accent6"/>
-    </dgm:linClrLst>
-    <dgm:effectClrLst/>
-    <dgm:txLinClrLst/>
-    <dgm:txFillClrLst meth="repeat">
-      <a:schemeClr val="dk1"/>
-    </dgm:txFillClrLst>
-    <dgm:txEffectClrLst/>
-  </dgm:styleLbl>
-  <dgm:styleLbl name="fgAccFollowNode1">
-    <dgm:fillClrLst meth="repeat">
-      <a:schemeClr val="accent2">
-        <a:tint val="40000"/>
-        <a:alpha val="90000"/>
-      </a:schemeClr>
-      <a:schemeClr val="accent3">
-        <a:tint val="40000"/>
-        <a:alpha val="90000"/>
-      </a:schemeClr>
-      <a:schemeClr val="accent4">
-        <a:tint val="40000"/>
-        <a:alpha val="90000"/>
-      </a:schemeClr>
-      <a:schemeClr val="accent5">
-        <a:tint val="40000"/>
-        <a:alpha val="90000"/>
-      </a:schemeClr>
-      <a:schemeClr val="accent6">
-        <a:tint val="40000"/>
-        <a:alpha val="90000"/>
-      </a:schemeClr>
-    </dgm:fillClrLst>
-    <dgm:linClrLst meth="repeat">
-      <a:schemeClr val="accent2">
-        <a:tint val="40000"/>
-        <a:alpha val="90000"/>
-      </a:schemeClr>
-      <a:schemeClr val="accent3">
-        <a:tint val="40000"/>
-        <a:alpha val="90000"/>
-      </a:schemeClr>
-      <a:schemeClr val="accent4">
-        <a:tint val="40000"/>
-        <a:alpha val="90000"/>
-      </a:schemeClr>
-      <a:schemeClr val="accent5">
-        <a:tint val="40000"/>
-        <a:alpha val="90000"/>
-      </a:schemeClr>
-      <a:schemeClr val="accent6">
-        <a:tint val="40000"/>
-        <a:alpha val="90000"/>
-      </a:schemeClr>
-    </dgm:linClrLst>
-    <dgm:effectClrLst/>
-    <dgm:txLinClrLst/>
-    <dgm:txFillClrLst meth="repeat">
-      <a:schemeClr val="dk1"/>
-    </dgm:txFillClrLst>
-    <dgm:txEffectClrLst/>
-  </dgm:styleLbl>
-  <dgm:styleLbl name="alignAccFollowNode1">
-    <dgm:fillClrLst meth="repeat">
-      <a:schemeClr val="accent2">
-        <a:tint val="40000"/>
-        <a:alpha val="90000"/>
-      </a:schemeClr>
-      <a:schemeClr val="accent3">
-        <a:tint val="40000"/>
-        <a:alpha val="90000"/>
-      </a:schemeClr>
-      <a:schemeClr val="accent4">
-        <a:tint val="40000"/>
-        <a:alpha val="90000"/>
-      </a:schemeClr>
-      <a:schemeClr val="accent5">
-        <a:tint val="40000"/>
-        <a:alpha val="90000"/>
-      </a:schemeClr>
-      <a:schemeClr val="accent6">
-        <a:tint val="40000"/>
-        <a:alpha val="90000"/>
-      </a:schemeClr>
-    </dgm:fillClrLst>
-    <dgm:linClrLst meth="repeat">
-      <a:schemeClr val="accent2">
-        <a:tint val="40000"/>
-        <a:alpha val="90000"/>
-      </a:schemeClr>
-      <a:schemeClr val="accent3">
-        <a:tint val="40000"/>
-        <a:alpha val="90000"/>
-      </a:schemeClr>
-      <a:schemeClr val="accent4">
-        <a:tint val="40000"/>
-        <a:alpha val="90000"/>
-      </a:schemeClr>
-      <a:schemeClr val="accent5">
-        <a:tint val="40000"/>
-        <a:alpha val="90000"/>
-      </a:schemeClr>
-      <a:schemeClr val="accent6">
-        <a:tint val="40000"/>
-        <a:alpha val="90000"/>
-      </a:schemeClr>
-    </dgm:linClrLst>
-    <dgm:effectClrLst/>
-    <dgm:txLinClrLst/>
-    <dgm:txFillClrLst meth="repeat">
-      <a:schemeClr val="dk1"/>
-    </dgm:txFillClrLst>
-    <dgm:txEffectClrLst/>
-  </dgm:styleLbl>
-  <dgm:styleLbl name="bgAccFollowNode1">
-    <dgm:fillClrLst meth="repeat">
-      <a:schemeClr val="accent2">
-        <a:tint val="40000"/>
-        <a:alpha val="90000"/>
-      </a:schemeClr>
-      <a:schemeClr val="accent3">
-        <a:tint val="40000"/>
-        <a:alpha val="90000"/>
-      </a:schemeClr>
-      <a:schemeClr val="accent4">
-        <a:tint val="40000"/>
-        <a:alpha val="90000"/>
-      </a:schemeClr>
-      <a:schemeClr val="accent5">
-        <a:tint val="40000"/>
-        <a:alpha val="90000"/>
-      </a:schemeClr>
-      <a:schemeClr val="accent6">
-        <a:tint val="40000"/>
-        <a:alpha val="90000"/>
-      </a:schemeClr>
-    </dgm:fillClrLst>
-    <dgm:linClrLst meth="repeat">
-      <a:schemeClr val="accent2">
-        <a:tint val="40000"/>
-        <a:alpha val="90000"/>
-      </a:schemeClr>
-      <a:schemeClr val="accent3">
-        <a:tint val="40000"/>
-        <a:alpha val="90000"/>
-      </a:schemeClr>
-      <a:schemeClr val="accent4">
-        <a:tint val="40000"/>
-        <a:alpha val="90000"/>
-      </a:schemeClr>
-      <a:schemeClr val="accent5">
-        <a:tint val="40000"/>
-        <a:alpha val="90000"/>
-      </a:schemeClr>
-      <a:schemeClr val="accent6">
-        <a:tint val="40000"/>
-        <a:alpha val="90000"/>
-      </a:schemeClr>
-    </dgm:linClrLst>
-    <dgm:effectClrLst/>
-    <dgm:txLinClrLst/>
-    <dgm:txFillClrLst meth="repeat">
-      <a:schemeClr val="dk1"/>
-    </dgm:txFillClrLst>
-    <dgm:txEffectClrLst/>
-  </dgm:styleLbl>
-  <dgm:styleLbl name="fgAcc0">
-    <dgm:fillClrLst meth="repeat">
-      <a:schemeClr val="lt1">
-        <a:alpha val="90000"/>
-      </a:schemeClr>
-    </dgm:fillClrLst>
-    <dgm:linClrLst>
-      <a:schemeClr val="accent1"/>
-    </dgm:linClrLst>
-    <dgm:effectClrLst/>
-    <dgm:txLinClrLst/>
-    <dgm:txFillClrLst meth="repeat">
-      <a:schemeClr val="dk1"/>
-    </dgm:txFillClrLst>
-    <dgm:txEffectClrLst/>
-  </dgm:styleLbl>
-  <dgm:styleLbl name="fgAcc2">
-    <dgm:fillClrLst meth="repeat">
-      <a:schemeClr val="lt1">
-        <a:alpha val="90000"/>
-      </a:schemeClr>
-    </dgm:fillClrLst>
-    <dgm:linClrLst>
-      <a:schemeClr val="accent2"/>
-    </dgm:linClrLst>
-    <dgm:effectClrLst/>
-    <dgm:txLinClrLst/>
-    <dgm:txFillClrLst meth="repeat">
-      <a:schemeClr val="dk1"/>
-    </dgm:txFillClrLst>
-    <dgm:txEffectClrLst/>
-  </dgm:styleLbl>
-  <dgm:styleLbl name="fgAcc3">
-    <dgm:fillClrLst meth="repeat">
-      <a:schemeClr val="lt1">
-        <a:alpha val="90000"/>
-      </a:schemeClr>
-    </dgm:fillClrLst>
-    <dgm:linClrLst>
-      <a:schemeClr val="accent3"/>
-    </dgm:linClrLst>
-    <dgm:effectClrLst/>
-    <dgm:txLinClrLst/>
-    <dgm:txFillClrLst meth="repeat">
-      <a:schemeClr val="dk1"/>
-    </dgm:txFillClrLst>
-    <dgm:txEffectClrLst/>
-  </dgm:styleLbl>
-  <dgm:styleLbl name="fgAcc4">
-    <dgm:fillClrLst meth="repeat">
-      <a:schemeClr val="lt1">
-        <a:alpha val="90000"/>
-      </a:schemeClr>
-    </dgm:fillClrLst>
-    <dgm:linClrLst>
-      <a:schemeClr val="accent4"/>
-    </dgm:linClrLst>
-    <dgm:effectClrLst/>
-    <dgm:txLinClrLst/>
-    <dgm:txFillClrLst meth="repeat">
-      <a:schemeClr val="dk1"/>
-    </dgm:txFillClrLst>
-    <dgm:txEffectClrLst/>
-  </dgm:styleLbl>
-  <dgm:styleLbl name="bgShp">
-    <dgm:fillClrLst meth="repeat">
-      <a:schemeClr val="accent2">
-        <a:tint val="40000"/>
-      </a:schemeClr>
-    </dgm:fillClrLst>
-    <dgm:linClrLst meth="repeat">
-      <a:schemeClr val="dk1"/>
-    </dgm:linClrLst>
-    <dgm:effectClrLst/>
-    <dgm:txLinClrLst/>
-    <dgm:txFillClrLst meth="repeat">
-      <a:schemeClr val="dk1"/>
-    </dgm:txFillClrLst>
-    <dgm:txEffectClrLst/>
-  </dgm:styleLbl>
-  <dgm:styleLbl name="dkBgShp">
-    <dgm:fillClrLst meth="repeat">
-      <a:schemeClr val="accent2">
-        <a:shade val="90000"/>
-      </a:schemeClr>
-    </dgm:fillClrLst>
-    <dgm:linClrLst meth="repeat">
-      <a:schemeClr val="dk1"/>
-    </dgm:linClrLst>
-    <dgm:effectClrLst/>
-    <dgm:txLinClrLst/>
-    <dgm:txFillClrLst meth="repeat">
-      <a:schemeClr val="lt1"/>
-    </dgm:txFillClrLst>
-    <dgm:txEffectClrLst/>
-  </dgm:styleLbl>
-  <dgm:styleLbl name="trBgShp">
-    <dgm:fillClrLst meth="repeat">
-      <a:schemeClr val="accent1">
-        <a:tint val="50000"/>
-        <a:alpha val="40000"/>
-      </a:schemeClr>
-    </dgm:fillClrLst>
-    <dgm:linClrLst meth="repeat">
-      <a:schemeClr val="accent2"/>
-    </dgm:linClrLst>
-    <dgm:effectClrLst/>
-    <dgm:txLinClrLst/>
-    <dgm:txFillClrLst meth="repeat">
-      <a:schemeClr val="lt1"/>
-    </dgm:txFillClrLst>
-    <dgm:txEffectClrLst/>
-  </dgm:styleLbl>
-  <dgm:styleLbl name="fgShp">
-    <dgm:fillClrLst meth="repeat">
-      <a:schemeClr val="accent2">
-        <a:tint val="40000"/>
-      </a:schemeClr>
-    </dgm:fillClrLst>
-    <dgm:linClrLst meth="repeat">
-      <a:schemeClr val="lt1"/>
-    </dgm:linClrLst>
-    <dgm:effectClrLst/>
-    <dgm:txLinClrLst/>
-    <dgm:txFillClrLst meth="repeat">
-      <a:schemeClr val="dk1"/>
-    </dgm:txFillClrLst>
-    <dgm:txEffectClrLst/>
-  </dgm:styleLbl>
-  <dgm:styleLbl name="revTx">
-    <dgm:fillClrLst meth="repeat">
-      <a:schemeClr val="lt1">
-        <a:alpha val="0"/>
-      </a:schemeClr>
-    </dgm:fillClrLst>
-    <dgm:linClrLst meth="repeat">
-      <a:schemeClr val="dk1">
-        <a:alpha val="0"/>
-      </a:schemeClr>
-    </dgm:linClrLst>
-    <dgm:effectClrLst/>
-    <dgm:txLinClrLst/>
-    <dgm:txFillClrLst meth="repeat">
-      <a:schemeClr val="tx1"/>
-    </dgm:txFillClrLst>
-    <dgm:txEffectClrLst/>
-  </dgm:styleLbl>
-</dgm:colorsDef>
-</file>
-
-<file path=ppt/diagrams/data1.xml><?xml version="1.0" encoding="utf-8"?>
-<dgm:dataModel xmlns:dgm="http://schemas.openxmlformats.org/drawingml/2006/diagram" xmlns:a="http://schemas.openxmlformats.org/drawingml/2006/main">
-  <dgm:ptLst>
-    <dgm:pt modelId="{6DD46BDD-CA72-48F2-BE8C-F82CCFFB0DBE}" type="doc">
-      <dgm:prSet loTypeId="urn:microsoft.com/office/officeart/2005/8/layout/hList9" loCatId="list" qsTypeId="urn:microsoft.com/office/officeart/2005/8/quickstyle/simple4" qsCatId="simple" csTypeId="urn:microsoft.com/office/officeart/2005/8/colors/colorful1" csCatId="colorful" phldr="1"/>
-      <dgm:spPr/>
-      <dgm:t>
-        <a:bodyPr/>
-        <a:lstStyle/>
-        <a:p>
-          <a:endParaRPr lang="en-US"/>
-        </a:p>
-      </dgm:t>
-    </dgm:pt>
-    <dgm:pt modelId="{D9F46F06-3DF2-4911-BCDA-55B38875805A}">
-      <dgm:prSet phldrT="[Text]"/>
-      <dgm:spPr/>
-      <dgm:t>
-        <a:bodyPr/>
-        <a:lstStyle/>
-        <a:p>
-          <a:r>
-            <a:rPr lang="en-US" smtClean="0"/>
-            <a:t>Group A</a:t>
-          </a:r>
-          <a:endParaRPr lang="en-US"/>
-        </a:p>
-      </dgm:t>
-    </dgm:pt>
-    <dgm:pt modelId="{29669FA9-BCDB-4E04-BCBD-ADB6BBFECA77}" type="parTrans" cxnId="{3167943C-B617-47EE-AB4E-F103014F0B0F}">
-      <dgm:prSet/>
-      <dgm:spPr/>
-      <dgm:t>
-        <a:bodyPr/>
-        <a:lstStyle/>
-        <a:p>
-          <a:endParaRPr lang="en-US"/>
-        </a:p>
-      </dgm:t>
-    </dgm:pt>
-    <dgm:pt modelId="{A2AB0762-8DE6-4EC9-8643-86B41C470FE8}" type="sibTrans" cxnId="{3167943C-B617-47EE-AB4E-F103014F0B0F}">
-      <dgm:prSet/>
-      <dgm:spPr/>
-      <dgm:t>
-        <a:bodyPr/>
-        <a:lstStyle/>
-        <a:p>
-          <a:endParaRPr lang="en-US"/>
-        </a:p>
-      </dgm:t>
-    </dgm:pt>
-    <dgm:pt modelId="{20BB34D1-39DB-4D4A-8F74-38BB6AD52986}">
-      <dgm:prSet phldrT="[Text]"/>
-      <dgm:spPr/>
-      <dgm:t>
-        <a:bodyPr/>
-        <a:lstStyle/>
-        <a:p>
-          <a:r>
-            <a:rPr lang="en-US" dirty="0" smtClean="0"/>
-            <a:t>Task 1</a:t>
-          </a:r>
-          <a:endParaRPr lang="en-US" dirty="0"/>
-        </a:p>
-      </dgm:t>
-    </dgm:pt>
-    <dgm:pt modelId="{8369DE2E-05BE-4F58-ACF4-FFA3BF09D772}" type="parTrans" cxnId="{B4712C0E-A30F-43CC-BC2E-1C5644020AC8}">
-      <dgm:prSet/>
-      <dgm:spPr/>
-      <dgm:t>
-        <a:bodyPr/>
-        <a:lstStyle/>
-        <a:p>
-          <a:endParaRPr lang="en-US"/>
-        </a:p>
-      </dgm:t>
-    </dgm:pt>
-    <dgm:pt modelId="{84668B4B-C68E-4C7B-8232-D5A08E3BE881}" type="sibTrans" cxnId="{B4712C0E-A30F-43CC-BC2E-1C5644020AC8}">
-      <dgm:prSet/>
-      <dgm:spPr/>
-      <dgm:t>
-        <a:bodyPr/>
-        <a:lstStyle/>
-        <a:p>
-          <a:endParaRPr lang="en-US"/>
-        </a:p>
-      </dgm:t>
-    </dgm:pt>
-    <dgm:pt modelId="{76A93280-A4EB-4F31-BCFF-BD984FEDD50F}">
-      <dgm:prSet phldrT="[Text]"/>
-      <dgm:spPr/>
-      <dgm:t>
-        <a:bodyPr/>
-        <a:lstStyle/>
-        <a:p>
-          <a:r>
-            <a:rPr lang="en-US" dirty="0" smtClean="0"/>
-            <a:t>Task 2</a:t>
-          </a:r>
-          <a:endParaRPr lang="en-US" dirty="0"/>
-        </a:p>
-      </dgm:t>
-    </dgm:pt>
-    <dgm:pt modelId="{1C92D782-B050-4892-9519-839E2BD7B42C}" type="parTrans" cxnId="{FE330E5A-EA72-4133-BB4C-B1C3A357F977}">
-      <dgm:prSet/>
-      <dgm:spPr/>
-      <dgm:t>
-        <a:bodyPr/>
-        <a:lstStyle/>
-        <a:p>
-          <a:endParaRPr lang="en-US"/>
-        </a:p>
-      </dgm:t>
-    </dgm:pt>
-    <dgm:pt modelId="{8240E23B-34F6-439D-92CA-C802127A8D7A}" type="sibTrans" cxnId="{FE330E5A-EA72-4133-BB4C-B1C3A357F977}">
-      <dgm:prSet/>
-      <dgm:spPr/>
-      <dgm:t>
-        <a:bodyPr/>
-        <a:lstStyle/>
-        <a:p>
-          <a:endParaRPr lang="en-US"/>
-        </a:p>
-      </dgm:t>
-    </dgm:pt>
-    <dgm:pt modelId="{D8FC5610-3898-4562-A903-BD6F3DA6CF69}">
-      <dgm:prSet phldrT="[Text]"/>
-      <dgm:spPr/>
-      <dgm:t>
-        <a:bodyPr/>
-        <a:lstStyle/>
-        <a:p>
-          <a:r>
-            <a:rPr lang="en-US" dirty="0" smtClean="0"/>
-            <a:t>Group B</a:t>
-          </a:r>
-          <a:endParaRPr lang="en-US" dirty="0"/>
-        </a:p>
-      </dgm:t>
-    </dgm:pt>
-    <dgm:pt modelId="{363A8C60-CC8B-4A97-9DB3-77D22A0D0C49}" type="parTrans" cxnId="{4676E083-2700-4795-A813-45405EB1FF52}">
-      <dgm:prSet/>
-      <dgm:spPr/>
-      <dgm:t>
-        <a:bodyPr/>
-        <a:lstStyle/>
-        <a:p>
-          <a:endParaRPr lang="en-US"/>
-        </a:p>
-      </dgm:t>
-    </dgm:pt>
-    <dgm:pt modelId="{5AE2A356-4C4D-431C-9D04-8B80B25413E5}" type="sibTrans" cxnId="{4676E083-2700-4795-A813-45405EB1FF52}">
-      <dgm:prSet/>
-      <dgm:spPr/>
-      <dgm:t>
-        <a:bodyPr/>
-        <a:lstStyle/>
-        <a:p>
-          <a:endParaRPr lang="en-US"/>
-        </a:p>
-      </dgm:t>
-    </dgm:pt>
-    <dgm:pt modelId="{A7DD8379-771D-49D5-B4B6-C11A31BBB56A}">
-      <dgm:prSet phldrT="[Text]"/>
-      <dgm:spPr/>
-      <dgm:t>
-        <a:bodyPr/>
-        <a:lstStyle/>
-        <a:p>
-          <a:r>
-            <a:rPr lang="en-US" dirty="0" smtClean="0"/>
-            <a:t>Task 1</a:t>
-          </a:r>
-          <a:endParaRPr lang="en-US" dirty="0"/>
-        </a:p>
-      </dgm:t>
-    </dgm:pt>
-    <dgm:pt modelId="{0B19244D-3C32-4E60-9E2E-00B7CE0082EB}" type="parTrans" cxnId="{8D4A74BD-0C6E-4A29-8A1B-8253B76608B2}">
-      <dgm:prSet/>
-      <dgm:spPr/>
-      <dgm:t>
-        <a:bodyPr/>
-        <a:lstStyle/>
-        <a:p>
-          <a:endParaRPr lang="en-US"/>
-        </a:p>
-      </dgm:t>
-    </dgm:pt>
-    <dgm:pt modelId="{15F7A114-8617-4D09-8B60-367816E92F8F}" type="sibTrans" cxnId="{8D4A74BD-0C6E-4A29-8A1B-8253B76608B2}">
-      <dgm:prSet/>
-      <dgm:spPr/>
-      <dgm:t>
-        <a:bodyPr/>
-        <a:lstStyle/>
-        <a:p>
-          <a:endParaRPr lang="en-US"/>
-        </a:p>
-      </dgm:t>
-    </dgm:pt>
-    <dgm:pt modelId="{82DE7D47-D1BA-4E59-B361-CA2ABACE2EAA}">
-      <dgm:prSet phldrT="[Text]"/>
-      <dgm:spPr/>
-      <dgm:t>
-        <a:bodyPr/>
-        <a:lstStyle/>
-        <a:p>
-          <a:r>
-            <a:rPr lang="en-US" dirty="0" smtClean="0"/>
-            <a:t>Task 2</a:t>
-          </a:r>
-          <a:endParaRPr lang="en-US" dirty="0"/>
-        </a:p>
-      </dgm:t>
-    </dgm:pt>
-    <dgm:pt modelId="{C52F8A1B-113A-4D30-8213-61F9BB506ABD}" type="parTrans" cxnId="{834B86CB-DE42-43CD-83DC-932EBE0D87AF}">
-      <dgm:prSet/>
-      <dgm:spPr/>
-      <dgm:t>
-        <a:bodyPr/>
-        <a:lstStyle/>
-        <a:p>
-          <a:endParaRPr lang="en-US"/>
-        </a:p>
-      </dgm:t>
-    </dgm:pt>
-    <dgm:pt modelId="{B40BEF04-9AE4-4445-A2EE-81C5B4E33F66}" type="sibTrans" cxnId="{834B86CB-DE42-43CD-83DC-932EBE0D87AF}">
-      <dgm:prSet/>
-      <dgm:spPr/>
-      <dgm:t>
-        <a:bodyPr/>
-        <a:lstStyle/>
-        <a:p>
-          <a:endParaRPr lang="en-US"/>
-        </a:p>
-      </dgm:t>
-    </dgm:pt>
-    <dgm:pt modelId="{5C2E62E1-1403-45CD-B00A-19CE535DF946}">
-      <dgm:prSet phldrT="[Text]"/>
-      <dgm:spPr/>
-      <dgm:t>
-        <a:bodyPr/>
-        <a:lstStyle/>
-        <a:p>
-          <a:r>
-            <a:rPr lang="en-US" dirty="0" smtClean="0"/>
-            <a:t>Task 3</a:t>
-          </a:r>
-          <a:endParaRPr lang="en-US" dirty="0"/>
-        </a:p>
-      </dgm:t>
-    </dgm:pt>
-    <dgm:pt modelId="{EE0448C6-4814-4B68-ACC1-347848103E0C}" type="parTrans" cxnId="{9BDBEAE5-E1B1-48A7-BFAA-1A87CC3DA916}">
-      <dgm:prSet/>
-      <dgm:spPr/>
-      <dgm:t>
-        <a:bodyPr/>
-        <a:lstStyle/>
-        <a:p>
-          <a:endParaRPr lang="en-US"/>
-        </a:p>
-      </dgm:t>
-    </dgm:pt>
-    <dgm:pt modelId="{6BC58D2C-77DC-4035-AD05-0A299B3D518A}" type="sibTrans" cxnId="{9BDBEAE5-E1B1-48A7-BFAA-1A87CC3DA916}">
-      <dgm:prSet/>
-      <dgm:spPr/>
-      <dgm:t>
-        <a:bodyPr/>
-        <a:lstStyle/>
-        <a:p>
-          <a:endParaRPr lang="en-US"/>
-        </a:p>
-      </dgm:t>
-    </dgm:pt>
-    <dgm:pt modelId="{BDEF73D4-A90F-47F6-B3DA-2F04BE3F9A65}">
-      <dgm:prSet phldrT="[Text]"/>
-      <dgm:spPr/>
-      <dgm:t>
-        <a:bodyPr/>
-        <a:lstStyle/>
-        <a:p>
-          <a:r>
-            <a:rPr lang="en-US" dirty="0" smtClean="0"/>
-            <a:t>Task 4</a:t>
-          </a:r>
-          <a:endParaRPr lang="en-US" dirty="0"/>
-        </a:p>
-      </dgm:t>
-    </dgm:pt>
-    <dgm:pt modelId="{750E37C7-4809-437E-B264-95D9E7B43C5C}" type="parTrans" cxnId="{03C54D89-F077-417B-BE1A-25171ECDBA88}">
-      <dgm:prSet/>
-      <dgm:spPr/>
-      <dgm:t>
-        <a:bodyPr/>
-        <a:lstStyle/>
-        <a:p>
-          <a:endParaRPr lang="en-US"/>
-        </a:p>
-      </dgm:t>
-    </dgm:pt>
-    <dgm:pt modelId="{12FD805F-A963-4162-926A-F9804E7816BA}" type="sibTrans" cxnId="{03C54D89-F077-417B-BE1A-25171ECDBA88}">
-      <dgm:prSet/>
-      <dgm:spPr/>
-      <dgm:t>
-        <a:bodyPr/>
-        <a:lstStyle/>
-        <a:p>
-          <a:endParaRPr lang="en-US"/>
-        </a:p>
-      </dgm:t>
-    </dgm:pt>
-    <dgm:pt modelId="{7D8E1F04-2EC1-492B-95D5-816B90057241}">
-      <dgm:prSet phldrT="[Text]"/>
-      <dgm:spPr/>
-      <dgm:t>
-        <a:bodyPr/>
-        <a:lstStyle/>
-        <a:p>
-          <a:r>
-            <a:rPr lang="en-US" dirty="0" smtClean="0"/>
-            <a:t>Task 3</a:t>
-          </a:r>
-          <a:endParaRPr lang="en-US" dirty="0"/>
-        </a:p>
-      </dgm:t>
-    </dgm:pt>
-    <dgm:pt modelId="{BA811E1A-C0E6-4424-8694-357D9968236A}" type="parTrans" cxnId="{48D50064-F6E3-4849-BB22-F8FEC72D1FB5}">
-      <dgm:prSet/>
-      <dgm:spPr/>
-      <dgm:t>
-        <a:bodyPr/>
-        <a:lstStyle/>
-        <a:p>
-          <a:endParaRPr lang="en-US"/>
-        </a:p>
-      </dgm:t>
-    </dgm:pt>
-    <dgm:pt modelId="{92F21B56-22F8-4FB6-A393-4142B762765A}" type="sibTrans" cxnId="{48D50064-F6E3-4849-BB22-F8FEC72D1FB5}">
-      <dgm:prSet/>
-      <dgm:spPr/>
-      <dgm:t>
-        <a:bodyPr/>
-        <a:lstStyle/>
-        <a:p>
-          <a:endParaRPr lang="en-US"/>
-        </a:p>
-      </dgm:t>
-    </dgm:pt>
-    <dgm:pt modelId="{E6A0252F-27F3-486D-A278-6B92C212A3A8}" type="pres">
-      <dgm:prSet presAssocID="{6DD46BDD-CA72-48F2-BE8C-F82CCFFB0DBE}" presName="list" presStyleCnt="0">
-        <dgm:presLayoutVars>
-          <dgm:dir/>
-          <dgm:animLvl val="lvl"/>
-        </dgm:presLayoutVars>
-      </dgm:prSet>
-      <dgm:spPr/>
-      <dgm:t>
-        <a:bodyPr/>
-        <a:lstStyle/>
-        <a:p>
-          <a:endParaRPr lang="en-US"/>
-        </a:p>
-      </dgm:t>
-    </dgm:pt>
-    <dgm:pt modelId="{5071D52C-AA9E-4418-938D-D9AD58968FE7}" type="pres">
-      <dgm:prSet presAssocID="{D9F46F06-3DF2-4911-BCDA-55B38875805A}" presName="posSpace" presStyleCnt="0"/>
-      <dgm:spPr/>
-    </dgm:pt>
-    <dgm:pt modelId="{FFEF8555-8D54-4A33-94C4-F0131C0452B0}" type="pres">
-      <dgm:prSet presAssocID="{D9F46F06-3DF2-4911-BCDA-55B38875805A}" presName="vertFlow" presStyleCnt="0"/>
-      <dgm:spPr/>
-    </dgm:pt>
-    <dgm:pt modelId="{2632CC26-A159-4F77-B9CB-DD0FCE2A5829}" type="pres">
-      <dgm:prSet presAssocID="{D9F46F06-3DF2-4911-BCDA-55B38875805A}" presName="topSpace" presStyleCnt="0"/>
-      <dgm:spPr/>
-    </dgm:pt>
-    <dgm:pt modelId="{F09D65A3-FDB3-4381-9285-A7B1A6BBA703}" type="pres">
-      <dgm:prSet presAssocID="{D9F46F06-3DF2-4911-BCDA-55B38875805A}" presName="firstComp" presStyleCnt="0"/>
-      <dgm:spPr/>
-    </dgm:pt>
-    <dgm:pt modelId="{A40B6350-F943-41DE-88CA-6BB1201D312F}" type="pres">
-      <dgm:prSet presAssocID="{D9F46F06-3DF2-4911-BCDA-55B38875805A}" presName="firstChild" presStyleLbl="bgAccFollowNode1" presStyleIdx="0" presStyleCnt="7"/>
-      <dgm:spPr/>
-      <dgm:t>
-        <a:bodyPr/>
-        <a:lstStyle/>
-        <a:p>
-          <a:endParaRPr lang="en-US"/>
-        </a:p>
-      </dgm:t>
-    </dgm:pt>
-    <dgm:pt modelId="{6C5D3B8C-8A0C-4B1F-9A82-E2BB97071881}" type="pres">
-      <dgm:prSet presAssocID="{D9F46F06-3DF2-4911-BCDA-55B38875805A}" presName="firstChildTx" presStyleLbl="bgAccFollowNode1" presStyleIdx="0" presStyleCnt="7">
-        <dgm:presLayoutVars>
-          <dgm:bulletEnabled val="1"/>
-        </dgm:presLayoutVars>
-      </dgm:prSet>
-      <dgm:spPr/>
-      <dgm:t>
-        <a:bodyPr/>
-        <a:lstStyle/>
-        <a:p>
-          <a:endParaRPr lang="en-US"/>
-        </a:p>
-      </dgm:t>
-    </dgm:pt>
-    <dgm:pt modelId="{4202656E-8773-4CA9-B60F-C6D15F79706B}" type="pres">
-      <dgm:prSet presAssocID="{76A93280-A4EB-4F31-BCFF-BD984FEDD50F}" presName="comp" presStyleCnt="0"/>
-      <dgm:spPr/>
-    </dgm:pt>
-    <dgm:pt modelId="{FC1F2FE6-58F5-420D-9DE7-5BAB2796B2E2}" type="pres">
-      <dgm:prSet presAssocID="{76A93280-A4EB-4F31-BCFF-BD984FEDD50F}" presName="child" presStyleLbl="bgAccFollowNode1" presStyleIdx="1" presStyleCnt="7"/>
-      <dgm:spPr/>
-      <dgm:t>
-        <a:bodyPr/>
-        <a:lstStyle/>
-        <a:p>
-          <a:endParaRPr lang="en-US"/>
-        </a:p>
-      </dgm:t>
-    </dgm:pt>
-    <dgm:pt modelId="{D67FA1D0-5919-4B16-8C64-A2C6C1973777}" type="pres">
-      <dgm:prSet presAssocID="{76A93280-A4EB-4F31-BCFF-BD984FEDD50F}" presName="childTx" presStyleLbl="bgAccFollowNode1" presStyleIdx="1" presStyleCnt="7">
-        <dgm:presLayoutVars>
-          <dgm:bulletEnabled val="1"/>
-        </dgm:presLayoutVars>
-      </dgm:prSet>
-      <dgm:spPr/>
-      <dgm:t>
-        <a:bodyPr/>
-        <a:lstStyle/>
-        <a:p>
-          <a:endParaRPr lang="en-US"/>
-        </a:p>
-      </dgm:t>
-    </dgm:pt>
-    <dgm:pt modelId="{9B6DD63A-36B0-4775-9DA4-4773BF8A6466}" type="pres">
-      <dgm:prSet presAssocID="{7D8E1F04-2EC1-492B-95D5-816B90057241}" presName="comp" presStyleCnt="0"/>
-      <dgm:spPr/>
-    </dgm:pt>
-    <dgm:pt modelId="{DED3BFC3-544F-42E5-9E1A-77C53311601F}" type="pres">
-      <dgm:prSet presAssocID="{7D8E1F04-2EC1-492B-95D5-816B90057241}" presName="child" presStyleLbl="bgAccFollowNode1" presStyleIdx="2" presStyleCnt="7"/>
-      <dgm:spPr/>
-      <dgm:t>
-        <a:bodyPr/>
-        <a:lstStyle/>
-        <a:p>
-          <a:endParaRPr lang="en-US"/>
-        </a:p>
-      </dgm:t>
-    </dgm:pt>
-    <dgm:pt modelId="{6B465FD3-423E-46A4-B126-2F4B3649D9B1}" type="pres">
-      <dgm:prSet presAssocID="{7D8E1F04-2EC1-492B-95D5-816B90057241}" presName="childTx" presStyleLbl="bgAccFollowNode1" presStyleIdx="2" presStyleCnt="7">
-        <dgm:presLayoutVars>
-          <dgm:bulletEnabled val="1"/>
-        </dgm:presLayoutVars>
-      </dgm:prSet>
-      <dgm:spPr/>
-      <dgm:t>
-        <a:bodyPr/>
-        <a:lstStyle/>
-        <a:p>
-          <a:endParaRPr lang="en-US"/>
-        </a:p>
-      </dgm:t>
-    </dgm:pt>
-    <dgm:pt modelId="{F17A6DAB-1E58-429F-9DD7-50E4A0208591}" type="pres">
-      <dgm:prSet presAssocID="{D9F46F06-3DF2-4911-BCDA-55B38875805A}" presName="negSpace" presStyleCnt="0"/>
-      <dgm:spPr/>
-    </dgm:pt>
-    <dgm:pt modelId="{0D82DEB6-674D-425E-9C14-81B86C0A54B4}" type="pres">
-      <dgm:prSet presAssocID="{D9F46F06-3DF2-4911-BCDA-55B38875805A}" presName="circle" presStyleLbl="node1" presStyleIdx="0" presStyleCnt="2"/>
-      <dgm:spPr/>
-      <dgm:t>
-        <a:bodyPr/>
-        <a:lstStyle/>
-        <a:p>
-          <a:endParaRPr lang="en-US"/>
-        </a:p>
-      </dgm:t>
-    </dgm:pt>
-    <dgm:pt modelId="{2D8D3251-0350-4344-BA0C-FE8B1C9F6531}" type="pres">
-      <dgm:prSet presAssocID="{A2AB0762-8DE6-4EC9-8643-86B41C470FE8}" presName="transSpace" presStyleCnt="0"/>
-      <dgm:spPr/>
-    </dgm:pt>
-    <dgm:pt modelId="{89065BC9-C7DE-4A6E-83CF-F45A6BD1CF92}" type="pres">
-      <dgm:prSet presAssocID="{D8FC5610-3898-4562-A903-BD6F3DA6CF69}" presName="posSpace" presStyleCnt="0"/>
-      <dgm:spPr/>
-    </dgm:pt>
-    <dgm:pt modelId="{9E863EE2-5F29-4FCF-879E-F83626B5334D}" type="pres">
-      <dgm:prSet presAssocID="{D8FC5610-3898-4562-A903-BD6F3DA6CF69}" presName="vertFlow" presStyleCnt="0"/>
-      <dgm:spPr/>
-    </dgm:pt>
-    <dgm:pt modelId="{087939FA-F74E-4918-A009-A7DBEE2A184D}" type="pres">
-      <dgm:prSet presAssocID="{D8FC5610-3898-4562-A903-BD6F3DA6CF69}" presName="topSpace" presStyleCnt="0"/>
-      <dgm:spPr/>
-    </dgm:pt>
-    <dgm:pt modelId="{9786080E-37A0-400B-9482-48F2EF7F4F7D}" type="pres">
-      <dgm:prSet presAssocID="{D8FC5610-3898-4562-A903-BD6F3DA6CF69}" presName="firstComp" presStyleCnt="0"/>
-      <dgm:spPr/>
-    </dgm:pt>
-    <dgm:pt modelId="{7FFBCDDD-B00A-4BA8-8ADF-9DC37CB99996}" type="pres">
-      <dgm:prSet presAssocID="{D8FC5610-3898-4562-A903-BD6F3DA6CF69}" presName="firstChild" presStyleLbl="bgAccFollowNode1" presStyleIdx="3" presStyleCnt="7"/>
-      <dgm:spPr/>
-      <dgm:t>
-        <a:bodyPr/>
-        <a:lstStyle/>
-        <a:p>
-          <a:endParaRPr lang="en-US"/>
-        </a:p>
-      </dgm:t>
-    </dgm:pt>
-    <dgm:pt modelId="{47E0465A-EF86-488A-B4C6-C29755B5BE61}" type="pres">
-      <dgm:prSet presAssocID="{D8FC5610-3898-4562-A903-BD6F3DA6CF69}" presName="firstChildTx" presStyleLbl="bgAccFollowNode1" presStyleIdx="3" presStyleCnt="7">
-        <dgm:presLayoutVars>
-          <dgm:bulletEnabled val="1"/>
-        </dgm:presLayoutVars>
-      </dgm:prSet>
-      <dgm:spPr/>
-      <dgm:t>
-        <a:bodyPr/>
-        <a:lstStyle/>
-        <a:p>
-          <a:endParaRPr lang="en-US"/>
-        </a:p>
-      </dgm:t>
-    </dgm:pt>
-    <dgm:pt modelId="{04EF1C77-9E25-4E15-B712-C5823488DB23}" type="pres">
-      <dgm:prSet presAssocID="{82DE7D47-D1BA-4E59-B361-CA2ABACE2EAA}" presName="comp" presStyleCnt="0"/>
-      <dgm:spPr/>
-    </dgm:pt>
-    <dgm:pt modelId="{EED1BF07-D58F-4D25-83B2-A74ACCD15F57}" type="pres">
-      <dgm:prSet presAssocID="{82DE7D47-D1BA-4E59-B361-CA2ABACE2EAA}" presName="child" presStyleLbl="bgAccFollowNode1" presStyleIdx="4" presStyleCnt="7"/>
-      <dgm:spPr/>
-      <dgm:t>
-        <a:bodyPr/>
-        <a:lstStyle/>
-        <a:p>
-          <a:endParaRPr lang="en-US"/>
-        </a:p>
-      </dgm:t>
-    </dgm:pt>
-    <dgm:pt modelId="{F0988B4C-7B8E-4C08-BE26-049D5A1C506F}" type="pres">
-      <dgm:prSet presAssocID="{82DE7D47-D1BA-4E59-B361-CA2ABACE2EAA}" presName="childTx" presStyleLbl="bgAccFollowNode1" presStyleIdx="4" presStyleCnt="7">
-        <dgm:presLayoutVars>
-          <dgm:bulletEnabled val="1"/>
-        </dgm:presLayoutVars>
-      </dgm:prSet>
-      <dgm:spPr/>
-      <dgm:t>
-        <a:bodyPr/>
-        <a:lstStyle/>
-        <a:p>
-          <a:endParaRPr lang="en-US"/>
-        </a:p>
-      </dgm:t>
-    </dgm:pt>
-    <dgm:pt modelId="{985D0F05-0A40-4F15-8D76-CBD433BB39FA}" type="pres">
-      <dgm:prSet presAssocID="{5C2E62E1-1403-45CD-B00A-19CE535DF946}" presName="comp" presStyleCnt="0"/>
-      <dgm:spPr/>
-    </dgm:pt>
-    <dgm:pt modelId="{7CECBCE6-61D1-44D5-BAA1-80ECE8E9F578}" type="pres">
-      <dgm:prSet presAssocID="{5C2E62E1-1403-45CD-B00A-19CE535DF946}" presName="child" presStyleLbl="bgAccFollowNode1" presStyleIdx="5" presStyleCnt="7"/>
-      <dgm:spPr/>
-      <dgm:t>
-        <a:bodyPr/>
-        <a:lstStyle/>
-        <a:p>
-          <a:endParaRPr lang="en-US"/>
-        </a:p>
-      </dgm:t>
-    </dgm:pt>
-    <dgm:pt modelId="{B160A640-759B-4A42-9C41-425543D560F9}" type="pres">
-      <dgm:prSet presAssocID="{5C2E62E1-1403-45CD-B00A-19CE535DF946}" presName="childTx" presStyleLbl="bgAccFollowNode1" presStyleIdx="5" presStyleCnt="7">
-        <dgm:presLayoutVars>
-          <dgm:bulletEnabled val="1"/>
-        </dgm:presLayoutVars>
-      </dgm:prSet>
-      <dgm:spPr/>
-      <dgm:t>
-        <a:bodyPr/>
-        <a:lstStyle/>
-        <a:p>
-          <a:endParaRPr lang="en-US"/>
-        </a:p>
-      </dgm:t>
-    </dgm:pt>
-    <dgm:pt modelId="{1B903465-EF60-4BF8-8B85-A822E4627704}" type="pres">
-      <dgm:prSet presAssocID="{BDEF73D4-A90F-47F6-B3DA-2F04BE3F9A65}" presName="comp" presStyleCnt="0"/>
-      <dgm:spPr/>
-    </dgm:pt>
-    <dgm:pt modelId="{8E90FD15-88E0-4BBF-A32D-3DD4F1311E2F}" type="pres">
-      <dgm:prSet presAssocID="{BDEF73D4-A90F-47F6-B3DA-2F04BE3F9A65}" presName="child" presStyleLbl="bgAccFollowNode1" presStyleIdx="6" presStyleCnt="7"/>
-      <dgm:spPr/>
-      <dgm:t>
-        <a:bodyPr/>
-        <a:lstStyle/>
-        <a:p>
-          <a:endParaRPr lang="en-US"/>
-        </a:p>
-      </dgm:t>
-    </dgm:pt>
-    <dgm:pt modelId="{2134C435-CC64-4681-9A84-836C05B6021C}" type="pres">
-      <dgm:prSet presAssocID="{BDEF73D4-A90F-47F6-B3DA-2F04BE3F9A65}" presName="childTx" presStyleLbl="bgAccFollowNode1" presStyleIdx="6" presStyleCnt="7">
-        <dgm:presLayoutVars>
-          <dgm:bulletEnabled val="1"/>
-        </dgm:presLayoutVars>
-      </dgm:prSet>
-      <dgm:spPr/>
-      <dgm:t>
-        <a:bodyPr/>
-        <a:lstStyle/>
-        <a:p>
-          <a:endParaRPr lang="en-US"/>
-        </a:p>
-      </dgm:t>
-    </dgm:pt>
-    <dgm:pt modelId="{230F3580-08E0-4C3E-8D2C-63C251CEBC97}" type="pres">
-      <dgm:prSet presAssocID="{D8FC5610-3898-4562-A903-BD6F3DA6CF69}" presName="negSpace" presStyleCnt="0"/>
-      <dgm:spPr/>
-    </dgm:pt>
-    <dgm:pt modelId="{2518DF80-CA43-4EFA-A570-D6C994F07512}" type="pres">
-      <dgm:prSet presAssocID="{D8FC5610-3898-4562-A903-BD6F3DA6CF69}" presName="circle" presStyleLbl="node1" presStyleIdx="1" presStyleCnt="2"/>
-      <dgm:spPr/>
-      <dgm:t>
-        <a:bodyPr/>
-        <a:lstStyle/>
-        <a:p>
-          <a:endParaRPr lang="en-US"/>
-        </a:p>
-      </dgm:t>
-    </dgm:pt>
-  </dgm:ptLst>
-  <dgm:cxnLst>
-    <dgm:cxn modelId="{2901B29A-F062-4CBE-8B06-5E5D35CE743A}" type="presOf" srcId="{5C2E62E1-1403-45CD-B00A-19CE535DF946}" destId="{7CECBCE6-61D1-44D5-BAA1-80ECE8E9F578}" srcOrd="0" destOrd="0" presId="urn:microsoft.com/office/officeart/2005/8/layout/hList9"/>
-    <dgm:cxn modelId="{01923391-779E-4964-AE54-107B62209B7B}" type="presOf" srcId="{6DD46BDD-CA72-48F2-BE8C-F82CCFFB0DBE}" destId="{E6A0252F-27F3-486D-A278-6B92C212A3A8}" srcOrd="0" destOrd="0" presId="urn:microsoft.com/office/officeart/2005/8/layout/hList9"/>
-    <dgm:cxn modelId="{3CE9D6CB-191F-408E-91CC-1F7FE56A5047}" type="presOf" srcId="{7D8E1F04-2EC1-492B-95D5-816B90057241}" destId="{DED3BFC3-544F-42E5-9E1A-77C53311601F}" srcOrd="0" destOrd="0" presId="urn:microsoft.com/office/officeart/2005/8/layout/hList9"/>
-    <dgm:cxn modelId="{875555AF-CA8B-4AFE-A6B7-3F4465221C97}" type="presOf" srcId="{A7DD8379-771D-49D5-B4B6-C11A31BBB56A}" destId="{7FFBCDDD-B00A-4BA8-8ADF-9DC37CB99996}" srcOrd="0" destOrd="0" presId="urn:microsoft.com/office/officeart/2005/8/layout/hList9"/>
-    <dgm:cxn modelId="{175558D3-18E1-45E2-851F-B338D73A0E1C}" type="presOf" srcId="{20BB34D1-39DB-4D4A-8F74-38BB6AD52986}" destId="{6C5D3B8C-8A0C-4B1F-9A82-E2BB97071881}" srcOrd="1" destOrd="0" presId="urn:microsoft.com/office/officeart/2005/8/layout/hList9"/>
-    <dgm:cxn modelId="{46D92507-09F3-48E7-91C2-02DEF077520A}" type="presOf" srcId="{D8FC5610-3898-4562-A903-BD6F3DA6CF69}" destId="{2518DF80-CA43-4EFA-A570-D6C994F07512}" srcOrd="0" destOrd="0" presId="urn:microsoft.com/office/officeart/2005/8/layout/hList9"/>
-    <dgm:cxn modelId="{B4712C0E-A30F-43CC-BC2E-1C5644020AC8}" srcId="{D9F46F06-3DF2-4911-BCDA-55B38875805A}" destId="{20BB34D1-39DB-4D4A-8F74-38BB6AD52986}" srcOrd="0" destOrd="0" parTransId="{8369DE2E-05BE-4F58-ACF4-FFA3BF09D772}" sibTransId="{84668B4B-C68E-4C7B-8232-D5A08E3BE881}"/>
-    <dgm:cxn modelId="{5776125C-BA47-4DB3-9E56-C678CA0325CB}" type="presOf" srcId="{20BB34D1-39DB-4D4A-8F74-38BB6AD52986}" destId="{A40B6350-F943-41DE-88CA-6BB1201D312F}" srcOrd="0" destOrd="0" presId="urn:microsoft.com/office/officeart/2005/8/layout/hList9"/>
-    <dgm:cxn modelId="{834B86CB-DE42-43CD-83DC-932EBE0D87AF}" srcId="{D8FC5610-3898-4562-A903-BD6F3DA6CF69}" destId="{82DE7D47-D1BA-4E59-B361-CA2ABACE2EAA}" srcOrd="1" destOrd="0" parTransId="{C52F8A1B-113A-4D30-8213-61F9BB506ABD}" sibTransId="{B40BEF04-9AE4-4445-A2EE-81C5B4E33F66}"/>
-    <dgm:cxn modelId="{3167943C-B617-47EE-AB4E-F103014F0B0F}" srcId="{6DD46BDD-CA72-48F2-BE8C-F82CCFFB0DBE}" destId="{D9F46F06-3DF2-4911-BCDA-55B38875805A}" srcOrd="0" destOrd="0" parTransId="{29669FA9-BCDB-4E04-BCBD-ADB6BBFECA77}" sibTransId="{A2AB0762-8DE6-4EC9-8643-86B41C470FE8}"/>
-    <dgm:cxn modelId="{4676E083-2700-4795-A813-45405EB1FF52}" srcId="{6DD46BDD-CA72-48F2-BE8C-F82CCFFB0DBE}" destId="{D8FC5610-3898-4562-A903-BD6F3DA6CF69}" srcOrd="1" destOrd="0" parTransId="{363A8C60-CC8B-4A97-9DB3-77D22A0D0C49}" sibTransId="{5AE2A356-4C4D-431C-9D04-8B80B25413E5}"/>
-    <dgm:cxn modelId="{E3C2D008-D84F-4C45-9646-713C11B648EB}" type="presOf" srcId="{D9F46F06-3DF2-4911-BCDA-55B38875805A}" destId="{0D82DEB6-674D-425E-9C14-81B86C0A54B4}" srcOrd="0" destOrd="0" presId="urn:microsoft.com/office/officeart/2005/8/layout/hList9"/>
-    <dgm:cxn modelId="{9E9B593A-9209-49CD-BE0A-49F0528C6831}" type="presOf" srcId="{82DE7D47-D1BA-4E59-B361-CA2ABACE2EAA}" destId="{F0988B4C-7B8E-4C08-BE26-049D5A1C506F}" srcOrd="1" destOrd="0" presId="urn:microsoft.com/office/officeart/2005/8/layout/hList9"/>
-    <dgm:cxn modelId="{9BDBEAE5-E1B1-48A7-BFAA-1A87CC3DA916}" srcId="{D8FC5610-3898-4562-A903-BD6F3DA6CF69}" destId="{5C2E62E1-1403-45CD-B00A-19CE535DF946}" srcOrd="2" destOrd="0" parTransId="{EE0448C6-4814-4B68-ACC1-347848103E0C}" sibTransId="{6BC58D2C-77DC-4035-AD05-0A299B3D518A}"/>
-    <dgm:cxn modelId="{8D4A74BD-0C6E-4A29-8A1B-8253B76608B2}" srcId="{D8FC5610-3898-4562-A903-BD6F3DA6CF69}" destId="{A7DD8379-771D-49D5-B4B6-C11A31BBB56A}" srcOrd="0" destOrd="0" parTransId="{0B19244D-3C32-4E60-9E2E-00B7CE0082EB}" sibTransId="{15F7A114-8617-4D09-8B60-367816E92F8F}"/>
-    <dgm:cxn modelId="{BAD02640-4046-48F5-92F4-C61D2B4BF085}" type="presOf" srcId="{5C2E62E1-1403-45CD-B00A-19CE535DF946}" destId="{B160A640-759B-4A42-9C41-425543D560F9}" srcOrd="1" destOrd="0" presId="urn:microsoft.com/office/officeart/2005/8/layout/hList9"/>
-    <dgm:cxn modelId="{FE330E5A-EA72-4133-BB4C-B1C3A357F977}" srcId="{D9F46F06-3DF2-4911-BCDA-55B38875805A}" destId="{76A93280-A4EB-4F31-BCFF-BD984FEDD50F}" srcOrd="1" destOrd="0" parTransId="{1C92D782-B050-4892-9519-839E2BD7B42C}" sibTransId="{8240E23B-34F6-439D-92CA-C802127A8D7A}"/>
-    <dgm:cxn modelId="{21FE6DC7-5F6F-4FF8-B0C4-8D7F8A76E9BF}" type="presOf" srcId="{A7DD8379-771D-49D5-B4B6-C11A31BBB56A}" destId="{47E0465A-EF86-488A-B4C6-C29755B5BE61}" srcOrd="1" destOrd="0" presId="urn:microsoft.com/office/officeart/2005/8/layout/hList9"/>
-    <dgm:cxn modelId="{D2008F22-9182-435A-BD07-E5AA242BB3BC}" type="presOf" srcId="{82DE7D47-D1BA-4E59-B361-CA2ABACE2EAA}" destId="{EED1BF07-D58F-4D25-83B2-A74ACCD15F57}" srcOrd="0" destOrd="0" presId="urn:microsoft.com/office/officeart/2005/8/layout/hList9"/>
-    <dgm:cxn modelId="{19A7BF02-4860-4999-8640-45ED22DA323A}" type="presOf" srcId="{76A93280-A4EB-4F31-BCFF-BD984FEDD50F}" destId="{FC1F2FE6-58F5-420D-9DE7-5BAB2796B2E2}" srcOrd="0" destOrd="0" presId="urn:microsoft.com/office/officeart/2005/8/layout/hList9"/>
-    <dgm:cxn modelId="{D1228834-4940-4BE8-8A4F-193BA215C362}" type="presOf" srcId="{76A93280-A4EB-4F31-BCFF-BD984FEDD50F}" destId="{D67FA1D0-5919-4B16-8C64-A2C6C1973777}" srcOrd="1" destOrd="0" presId="urn:microsoft.com/office/officeart/2005/8/layout/hList9"/>
-    <dgm:cxn modelId="{48D50064-F6E3-4849-BB22-F8FEC72D1FB5}" srcId="{D9F46F06-3DF2-4911-BCDA-55B38875805A}" destId="{7D8E1F04-2EC1-492B-95D5-816B90057241}" srcOrd="2" destOrd="0" parTransId="{BA811E1A-C0E6-4424-8694-357D9968236A}" sibTransId="{92F21B56-22F8-4FB6-A393-4142B762765A}"/>
-    <dgm:cxn modelId="{D5BE0BD8-37EB-4086-BEB5-392BA869D84A}" type="presOf" srcId="{BDEF73D4-A90F-47F6-B3DA-2F04BE3F9A65}" destId="{2134C435-CC64-4681-9A84-836C05B6021C}" srcOrd="1" destOrd="0" presId="urn:microsoft.com/office/officeart/2005/8/layout/hList9"/>
-    <dgm:cxn modelId="{AFAC5088-2219-408A-9776-37BACE09AFE6}" type="presOf" srcId="{BDEF73D4-A90F-47F6-B3DA-2F04BE3F9A65}" destId="{8E90FD15-88E0-4BBF-A32D-3DD4F1311E2F}" srcOrd="0" destOrd="0" presId="urn:microsoft.com/office/officeart/2005/8/layout/hList9"/>
-    <dgm:cxn modelId="{03C54D89-F077-417B-BE1A-25171ECDBA88}" srcId="{D8FC5610-3898-4562-A903-BD6F3DA6CF69}" destId="{BDEF73D4-A90F-47F6-B3DA-2F04BE3F9A65}" srcOrd="3" destOrd="0" parTransId="{750E37C7-4809-437E-B264-95D9E7B43C5C}" sibTransId="{12FD805F-A963-4162-926A-F9804E7816BA}"/>
-    <dgm:cxn modelId="{3F5A0B10-5E21-40A2-8E6D-3C2AC124B109}" type="presOf" srcId="{7D8E1F04-2EC1-492B-95D5-816B90057241}" destId="{6B465FD3-423E-46A4-B126-2F4B3649D9B1}" srcOrd="1" destOrd="0" presId="urn:microsoft.com/office/officeart/2005/8/layout/hList9"/>
-    <dgm:cxn modelId="{FE1B0D46-022A-4604-9E75-40EAEADBBA52}" type="presParOf" srcId="{E6A0252F-27F3-486D-A278-6B92C212A3A8}" destId="{5071D52C-AA9E-4418-938D-D9AD58968FE7}" srcOrd="0" destOrd="0" presId="urn:microsoft.com/office/officeart/2005/8/layout/hList9"/>
-    <dgm:cxn modelId="{3663F3B5-F24D-43A9-9A2E-699309DDB9AD}" type="presParOf" srcId="{E6A0252F-27F3-486D-A278-6B92C212A3A8}" destId="{FFEF8555-8D54-4A33-94C4-F0131C0452B0}" srcOrd="1" destOrd="0" presId="urn:microsoft.com/office/officeart/2005/8/layout/hList9"/>
-    <dgm:cxn modelId="{8122DDC6-99C6-4F78-AA48-E3DE80E4327A}" type="presParOf" srcId="{FFEF8555-8D54-4A33-94C4-F0131C0452B0}" destId="{2632CC26-A159-4F77-B9CB-DD0FCE2A5829}" srcOrd="0" destOrd="0" presId="urn:microsoft.com/office/officeart/2005/8/layout/hList9"/>
-    <dgm:cxn modelId="{F583D60F-2896-40D1-B1A6-AC1DBE3F27A8}" type="presParOf" srcId="{FFEF8555-8D54-4A33-94C4-F0131C0452B0}" destId="{F09D65A3-FDB3-4381-9285-A7B1A6BBA703}" srcOrd="1" destOrd="0" presId="urn:microsoft.com/office/officeart/2005/8/layout/hList9"/>
-    <dgm:cxn modelId="{E3B82652-BA89-4BF0-BDE8-207CACA094AD}" type="presParOf" srcId="{F09D65A3-FDB3-4381-9285-A7B1A6BBA703}" destId="{A40B6350-F943-41DE-88CA-6BB1201D312F}" srcOrd="0" destOrd="0" presId="urn:microsoft.com/office/officeart/2005/8/layout/hList9"/>
-    <dgm:cxn modelId="{F24594D3-0E9E-42A4-B0A9-F39BFE8EA877}" type="presParOf" srcId="{F09D65A3-FDB3-4381-9285-A7B1A6BBA703}" destId="{6C5D3B8C-8A0C-4B1F-9A82-E2BB97071881}" srcOrd="1" destOrd="0" presId="urn:microsoft.com/office/officeart/2005/8/layout/hList9"/>
-    <dgm:cxn modelId="{765F3D42-193B-4B3C-9CEA-6B32DF9FE40A}" type="presParOf" srcId="{FFEF8555-8D54-4A33-94C4-F0131C0452B0}" destId="{4202656E-8773-4CA9-B60F-C6D15F79706B}" srcOrd="2" destOrd="0" presId="urn:microsoft.com/office/officeart/2005/8/layout/hList9"/>
-    <dgm:cxn modelId="{3BE414CB-5837-4A74-8F19-B9C0B7657425}" type="presParOf" srcId="{4202656E-8773-4CA9-B60F-C6D15F79706B}" destId="{FC1F2FE6-58F5-420D-9DE7-5BAB2796B2E2}" srcOrd="0" destOrd="0" presId="urn:microsoft.com/office/officeart/2005/8/layout/hList9"/>
-    <dgm:cxn modelId="{7E80DAA4-675B-4681-BA31-6C88631EBF22}" type="presParOf" srcId="{4202656E-8773-4CA9-B60F-C6D15F79706B}" destId="{D67FA1D0-5919-4B16-8C64-A2C6C1973777}" srcOrd="1" destOrd="0" presId="urn:microsoft.com/office/officeart/2005/8/layout/hList9"/>
-    <dgm:cxn modelId="{AB734F2A-71E0-4300-9111-AE41D229ECBE}" type="presParOf" srcId="{FFEF8555-8D54-4A33-94C4-F0131C0452B0}" destId="{9B6DD63A-36B0-4775-9DA4-4773BF8A6466}" srcOrd="3" destOrd="0" presId="urn:microsoft.com/office/officeart/2005/8/layout/hList9"/>
-    <dgm:cxn modelId="{8A633084-211F-42CE-A02F-E50E1AA2DA95}" type="presParOf" srcId="{9B6DD63A-36B0-4775-9DA4-4773BF8A6466}" destId="{DED3BFC3-544F-42E5-9E1A-77C53311601F}" srcOrd="0" destOrd="0" presId="urn:microsoft.com/office/officeart/2005/8/layout/hList9"/>
-    <dgm:cxn modelId="{4F11738F-3166-4B39-9B93-D0658B8BBDEC}" type="presParOf" srcId="{9B6DD63A-36B0-4775-9DA4-4773BF8A6466}" destId="{6B465FD3-423E-46A4-B126-2F4B3649D9B1}" srcOrd="1" destOrd="0" presId="urn:microsoft.com/office/officeart/2005/8/layout/hList9"/>
-    <dgm:cxn modelId="{DC8064F3-37E6-473D-825D-B4FE5DE9E910}" type="presParOf" srcId="{E6A0252F-27F3-486D-A278-6B92C212A3A8}" destId="{F17A6DAB-1E58-429F-9DD7-50E4A0208591}" srcOrd="2" destOrd="0" presId="urn:microsoft.com/office/officeart/2005/8/layout/hList9"/>
-    <dgm:cxn modelId="{DC3784CD-14A8-44AD-BF64-99822884F20A}" type="presParOf" srcId="{E6A0252F-27F3-486D-A278-6B92C212A3A8}" destId="{0D82DEB6-674D-425E-9C14-81B86C0A54B4}" srcOrd="3" destOrd="0" presId="urn:microsoft.com/office/officeart/2005/8/layout/hList9"/>
-    <dgm:cxn modelId="{950C433E-1E77-4C3C-B677-545EAB858F1C}" type="presParOf" srcId="{E6A0252F-27F3-486D-A278-6B92C212A3A8}" destId="{2D8D3251-0350-4344-BA0C-FE8B1C9F6531}" srcOrd="4" destOrd="0" presId="urn:microsoft.com/office/officeart/2005/8/layout/hList9"/>
-    <dgm:cxn modelId="{CC3F8541-6AF8-4123-99C7-0C68B4A2647C}" type="presParOf" srcId="{E6A0252F-27F3-486D-A278-6B92C212A3A8}" destId="{89065BC9-C7DE-4A6E-83CF-F45A6BD1CF92}" srcOrd="5" destOrd="0" presId="urn:microsoft.com/office/officeart/2005/8/layout/hList9"/>
-    <dgm:cxn modelId="{7F80633B-2E00-486F-A49F-7F1CED0FB310}" type="presParOf" srcId="{E6A0252F-27F3-486D-A278-6B92C212A3A8}" destId="{9E863EE2-5F29-4FCF-879E-F83626B5334D}" srcOrd="6" destOrd="0" presId="urn:microsoft.com/office/officeart/2005/8/layout/hList9"/>
-    <dgm:cxn modelId="{E1133432-7404-45CF-A1FF-DAEE325BEDD9}" type="presParOf" srcId="{9E863EE2-5F29-4FCF-879E-F83626B5334D}" destId="{087939FA-F74E-4918-A009-A7DBEE2A184D}" srcOrd="0" destOrd="0" presId="urn:microsoft.com/office/officeart/2005/8/layout/hList9"/>
-    <dgm:cxn modelId="{00895F34-1371-4B89-864B-3FC2C7178722}" type="presParOf" srcId="{9E863EE2-5F29-4FCF-879E-F83626B5334D}" destId="{9786080E-37A0-400B-9482-48F2EF7F4F7D}" srcOrd="1" destOrd="0" presId="urn:microsoft.com/office/officeart/2005/8/layout/hList9"/>
-    <dgm:cxn modelId="{773CBF24-77BA-4A98-AB6B-B24BB21A8DB5}" type="presParOf" srcId="{9786080E-37A0-400B-9482-48F2EF7F4F7D}" destId="{7FFBCDDD-B00A-4BA8-8ADF-9DC37CB99996}" srcOrd="0" destOrd="0" presId="urn:microsoft.com/office/officeart/2005/8/layout/hList9"/>
-    <dgm:cxn modelId="{58B5BE6F-13BD-4DE4-9CD2-D21288B279AE}" type="presParOf" srcId="{9786080E-37A0-400B-9482-48F2EF7F4F7D}" destId="{47E0465A-EF86-488A-B4C6-C29755B5BE61}" srcOrd="1" destOrd="0" presId="urn:microsoft.com/office/officeart/2005/8/layout/hList9"/>
-    <dgm:cxn modelId="{238B6808-4F1B-40C0-BBC8-EBE7862342B5}" type="presParOf" srcId="{9E863EE2-5F29-4FCF-879E-F83626B5334D}" destId="{04EF1C77-9E25-4E15-B712-C5823488DB23}" srcOrd="2" destOrd="0" presId="urn:microsoft.com/office/officeart/2005/8/layout/hList9"/>
-    <dgm:cxn modelId="{E33B2555-EA37-4AE9-BF4A-991D382EDCFC}" type="presParOf" srcId="{04EF1C77-9E25-4E15-B712-C5823488DB23}" destId="{EED1BF07-D58F-4D25-83B2-A74ACCD15F57}" srcOrd="0" destOrd="0" presId="urn:microsoft.com/office/officeart/2005/8/layout/hList9"/>
-    <dgm:cxn modelId="{DCF3A755-421A-488E-AD8B-62388EAB8252}" type="presParOf" srcId="{04EF1C77-9E25-4E15-B712-C5823488DB23}" destId="{F0988B4C-7B8E-4C08-BE26-049D5A1C506F}" srcOrd="1" destOrd="0" presId="urn:microsoft.com/office/officeart/2005/8/layout/hList9"/>
-    <dgm:cxn modelId="{A235659A-3DE0-45E9-A409-C3125FADB02D}" type="presParOf" srcId="{9E863EE2-5F29-4FCF-879E-F83626B5334D}" destId="{985D0F05-0A40-4F15-8D76-CBD433BB39FA}" srcOrd="3" destOrd="0" presId="urn:microsoft.com/office/officeart/2005/8/layout/hList9"/>
-    <dgm:cxn modelId="{8E55D091-F5DE-4509-9F74-8B87D54E5D8E}" type="presParOf" srcId="{985D0F05-0A40-4F15-8D76-CBD433BB39FA}" destId="{7CECBCE6-61D1-44D5-BAA1-80ECE8E9F578}" srcOrd="0" destOrd="0" presId="urn:microsoft.com/office/officeart/2005/8/layout/hList9"/>
-    <dgm:cxn modelId="{2E06F235-FAD5-4444-A532-6C7A035DBE5C}" type="presParOf" srcId="{985D0F05-0A40-4F15-8D76-CBD433BB39FA}" destId="{B160A640-759B-4A42-9C41-425543D560F9}" srcOrd="1" destOrd="0" presId="urn:microsoft.com/office/officeart/2005/8/layout/hList9"/>
-    <dgm:cxn modelId="{7995C611-C390-4516-BAEF-04C7149D39BF}" type="presParOf" srcId="{9E863EE2-5F29-4FCF-879E-F83626B5334D}" destId="{1B903465-EF60-4BF8-8B85-A822E4627704}" srcOrd="4" destOrd="0" presId="urn:microsoft.com/office/officeart/2005/8/layout/hList9"/>
-    <dgm:cxn modelId="{9905A538-97CD-4E00-87D9-98676F01BC81}" type="presParOf" srcId="{1B903465-EF60-4BF8-8B85-A822E4627704}" destId="{8E90FD15-88E0-4BBF-A32D-3DD4F1311E2F}" srcOrd="0" destOrd="0" presId="urn:microsoft.com/office/officeart/2005/8/layout/hList9"/>
-    <dgm:cxn modelId="{81581A2E-A18E-4DA0-844C-28B380CE1703}" type="presParOf" srcId="{1B903465-EF60-4BF8-8B85-A822E4627704}" destId="{2134C435-CC64-4681-9A84-836C05B6021C}" srcOrd="1" destOrd="0" presId="urn:microsoft.com/office/officeart/2005/8/layout/hList9"/>
-    <dgm:cxn modelId="{3EA8E88A-DBEE-4D71-AF13-61518DD0552D}" type="presParOf" srcId="{E6A0252F-27F3-486D-A278-6B92C212A3A8}" destId="{230F3580-08E0-4C3E-8D2C-63C251CEBC97}" srcOrd="7" destOrd="0" presId="urn:microsoft.com/office/officeart/2005/8/layout/hList9"/>
-    <dgm:cxn modelId="{7FD8BF2C-28C6-4C2A-B042-0EE03D5C4DB6}" type="presParOf" srcId="{E6A0252F-27F3-486D-A278-6B92C212A3A8}" destId="{2518DF80-CA43-4EFA-A570-D6C994F07512}" srcOrd="8" destOrd="0" presId="urn:microsoft.com/office/officeart/2005/8/layout/hList9"/>
-  </dgm:cxnLst>
-  <dgm:bg/>
-  <dgm:whole/>
-  <dgm:extLst>
-    <a:ext uri="http://schemas.microsoft.com/office/drawing/2008/diagram">
-      <dsp:dataModelExt xmlns:dsp="http://schemas.microsoft.com/office/drawing/2008/diagram" relId="rId6" minVer="http://schemas.openxmlformats.org/drawingml/2006/diagram"/>
-    </a:ext>
-  </dgm:extLst>
-</dgm:dataModel>
-</file>
-
-<file path=ppt/diagrams/drawing1.xml><?xml version="1.0" encoding="utf-8"?>
-<dsp:drawing xmlns:dgm="http://schemas.openxmlformats.org/drawingml/2006/diagram" xmlns:dsp="http://schemas.microsoft.com/office/drawing/2008/diagram" xmlns:a="http://schemas.openxmlformats.org/drawingml/2006/main">
-  <dsp:spTree>
-    <dsp:nvGrpSpPr>
-      <dsp:cNvPr id="0" name=""/>
-      <dsp:cNvGrpSpPr/>
-    </dsp:nvGrpSpPr>
-    <dsp:grpSpPr/>
-  </dsp:spTree>
-</dsp:drawing>
-</file>
-
-<file path=ppt/diagrams/layout1.xml><?xml version="1.0" encoding="utf-8"?>
-<dgm:layoutDef xmlns:dgm="http://schemas.openxmlformats.org/drawingml/2006/diagram" xmlns:a="http://schemas.openxmlformats.org/drawingml/2006/main" uniqueId="urn:microsoft.com/office/officeart/2005/8/layout/hList9">
-  <dgm:title val=""/>
-  <dgm:desc val=""/>
-  <dgm:catLst>
-    <dgm:cat type="list" pri="8000"/>
-  </dgm:catLst>
-  <dgm:sampData>
-    <dgm:dataModel>
-      <dgm:ptLst>
-        <dgm:pt modelId="0" type="doc"/>
-        <dgm:pt modelId="1">
-          <dgm:prSet phldr="1"/>
-        </dgm:pt>
-        <dgm:pt modelId="11">
-          <dgm:prSet phldr="1"/>
-        </dgm:pt>
-        <dgm:pt modelId="12">
-          <dgm:prSet phldr="1"/>
-        </dgm:pt>
-        <dgm:pt modelId="2">
-          <dgm:prSet phldr="1"/>
-        </dgm:pt>
-        <dgm:pt modelId="21">
-          <dgm:prSet phldr="1"/>
-        </dgm:pt>
-        <dgm:pt modelId="22">
-          <dgm:prSet phldr="1"/>
-        </dgm:pt>
-      </dgm:ptLst>
-      <dgm:cxnLst>
-        <dgm:cxn modelId="3" srcId="0" destId="1" srcOrd="0" destOrd="0"/>
-        <dgm:cxn modelId="4" srcId="0" destId="2" srcOrd="1" destOrd="0"/>
-        <dgm:cxn modelId="13" srcId="1" destId="11" srcOrd="0" destOrd="0"/>
-        <dgm:cxn modelId="14" srcId="1" destId="12" srcOrd="0" destOrd="0"/>
-        <dgm:cxn modelId="23" srcId="2" destId="21" srcOrd="0" destOrd="0"/>
-        <dgm:cxn modelId="24" srcId="2" destId="22" srcOrd="0" destOrd="0"/>
-      </dgm:cxnLst>
-      <dgm:bg/>
-      <dgm:whole/>
-    </dgm:dataModel>
-  </dgm:sampData>
-  <dgm:styleData>
-    <dgm:dataModel>
-      <dgm:ptLst>
-        <dgm:pt modelId="0" type="doc"/>
-        <dgm:pt modelId="1"/>
-        <dgm:pt modelId="2"/>
-      </dgm:ptLst>
-      <dgm:cxnLst>
-        <dgm:cxn modelId="3" srcId="0" destId="1" srcOrd="0" destOrd="0"/>
-        <dgm:cxn modelId="4" srcId="1" destId="2" srcOrd="0" destOrd="0"/>
-      </dgm:cxnLst>
-      <dgm:bg/>
-      <dgm:whole/>
-    </dgm:dataModel>
-  </dgm:styleData>
-  <dgm:clrData>
-    <dgm:dataModel>
-      <dgm:ptLst>
-        <dgm:pt modelId="0" type="doc"/>
-        <dgm:pt modelId="1"/>
-        <dgm:pt modelId="11"/>
-        <dgm:pt modelId="12"/>
-        <dgm:pt modelId="13"/>
-        <dgm:pt modelId="14"/>
-        <dgm:pt modelId="2"/>
-        <dgm:pt modelId="21"/>
-        <dgm:pt modelId="22"/>
-        <dgm:pt modelId="23"/>
-        <dgm:pt modelId="24"/>
-        <dgm:pt modelId="3"/>
-        <dgm:pt modelId="31"/>
-        <dgm:pt modelId="32"/>
-        <dgm:pt modelId="33"/>
-        <dgm:pt modelId="34"/>
-      </dgm:ptLst>
-      <dgm:cxnLst>
-        <dgm:cxn modelId="4" srcId="0" destId="1" srcOrd="0" destOrd="0"/>
-        <dgm:cxn modelId="5" srcId="0" destId="2" srcOrd="1" destOrd="0"/>
-        <dgm:cxn modelId="6" srcId="0" destId="3" srcOrd="1" destOrd="0"/>
-        <dgm:cxn modelId="15" srcId="1" destId="11" srcOrd="0" destOrd="0"/>
-        <dgm:cxn modelId="16" srcId="1" destId="12" srcOrd="0" destOrd="0"/>
-        <dgm:cxn modelId="17" srcId="1" destId="13" srcOrd="0" destOrd="0"/>
-        <dgm:cxn modelId="18" srcId="1" destId="14" srcOrd="0" destOrd="0"/>
-        <dgm:cxn modelId="25" srcId="2" destId="21" srcOrd="0" destOrd="0"/>
-        <dgm:cxn modelId="26" srcId="2" destId="22" srcOrd="0" destOrd="0"/>
-        <dgm:cxn modelId="27" srcId="2" destId="23" srcOrd="0" destOrd="0"/>
-        <dgm:cxn modelId="28" srcId="2" destId="24" srcOrd="0" destOrd="0"/>
-        <dgm:cxn modelId="35" srcId="3" destId="31" srcOrd="0" destOrd="0"/>
-        <dgm:cxn modelId="36" srcId="3" destId="32" srcOrd="0" destOrd="0"/>
-        <dgm:cxn modelId="37" srcId="3" destId="33" srcOrd="0" destOrd="0"/>
-        <dgm:cxn modelId="38" srcId="3" destId="34" srcOrd="0" destOrd="0"/>
-      </dgm:cxnLst>
-      <dgm:bg/>
-      <dgm:whole/>
-    </dgm:dataModel>
-  </dgm:clrData>
-  <dgm:layoutNode name="list">
-    <dgm:varLst>
-      <dgm:dir/>
-      <dgm:animLvl val="lvl"/>
-    </dgm:varLst>
-    <dgm:choose name="Name0">
-      <dgm:if name="Name1" func="var" arg="dir" op="equ" val="norm">
-        <dgm:alg type="lin">
-          <dgm:param type="linDir" val="fromL"/>
-          <dgm:param type="fallback" val="2D"/>
-          <dgm:param type="nodeVertAlign" val="t"/>
-        </dgm:alg>
-      </dgm:if>
-      <dgm:else name="Name2">
-        <dgm:alg type="lin">
-          <dgm:param type="linDir" val="fromR"/>
-          <dgm:param type="fallback" val="2D"/>
-          <dgm:param type="nodeVertAlign" val="t"/>
-        </dgm:alg>
-      </dgm:else>
-    </dgm:choose>
-    <dgm:shape xmlns:r="http://schemas.openxmlformats.org/officeDocument/2006/relationships" r:blip="">
-      <dgm:adjLst/>
-    </dgm:shape>
-    <dgm:presOf/>
-    <dgm:constrLst>
-      <dgm:constr type="w" for="ch" forName="circle" refType="w" fact="0.5"/>
-      <dgm:constr type="w" for="ch" forName="vertFlow" refType="w" fact="0.75"/>
-      <dgm:constr type="h" for="des" forName="firstComp" refType="w" refFor="ch" refForName="vertFlow" fact="0.667"/>
-      <dgm:constr type="h" for="des" forName="comp" refType="h" refFor="des" refForName="firstComp" op="equ"/>
-      <dgm:constr type="h" for="des" forName="topSpace" refType="w" refFor="ch" refForName="circle" op="equ" fact="0.4"/>
-      <dgm:constr type="w" for="ch" forName="posSpace" refType="w" fact="0.4"/>
-      <dgm:constr type="w" for="ch" forName="negSpace" refType="w" fact="-1.15"/>
-      <dgm:constr type="w" for="ch" forName="transSpace" refType="w" fact="0.75"/>
-      <dgm:constr type="primFontSz" for="ch" forName="circle" op="equ" val="65"/>
-      <dgm:constr type="primFontSz" for="des" forName="firstChildTx" val="65"/>
-      <dgm:constr type="primFontSz" for="des" forName="childTx" refType="primFontSz" refFor="des" refForName="firstChildTx" op="equ"/>
-    </dgm:constrLst>
-    <dgm:ruleLst/>
-    <dgm:forEach name="Name3" axis="ch" ptType="node">
-      <dgm:layoutNode name="posSpace">
-        <dgm:alg type="sp"/>
-        <dgm:shape xmlns:r="http://schemas.openxmlformats.org/officeDocument/2006/relationships" r:blip="">
-          <dgm:adjLst/>
-        </dgm:shape>
-        <dgm:presOf/>
-        <dgm:constrLst/>
-        <dgm:ruleLst/>
-      </dgm:layoutNode>
-      <dgm:layoutNode name="vertFlow">
-        <dgm:alg type="lin">
-          <dgm:param type="linDir" val="fromT"/>
-        </dgm:alg>
-        <dgm:shape xmlns:r="http://schemas.openxmlformats.org/officeDocument/2006/relationships" r:blip="">
-          <dgm:adjLst/>
-        </dgm:shape>
-        <dgm:presOf/>
-        <dgm:constrLst>
-          <dgm:constr type="w" for="ch" forName="firstComp" refType="w"/>
-          <dgm:constr type="w" for="ch" forName="comp" refType="w"/>
-        </dgm:constrLst>
-        <dgm:ruleLst/>
-        <dgm:layoutNode name="topSpace">
-          <dgm:alg type="sp"/>
-          <dgm:shape xmlns:r="http://schemas.openxmlformats.org/officeDocument/2006/relationships" r:blip="">
-            <dgm:adjLst/>
-          </dgm:shape>
-          <dgm:presOf/>
-          <dgm:constrLst/>
-          <dgm:ruleLst/>
-        </dgm:layoutNode>
-        <dgm:layoutNode name="firstComp">
-          <dgm:alg type="composite"/>
-          <dgm:shape xmlns:r="http://schemas.openxmlformats.org/officeDocument/2006/relationships" r:blip="">
-            <dgm:adjLst/>
-          </dgm:shape>
-          <dgm:presOf/>
-          <dgm:choose name="Name4">
-            <dgm:if name="Name5" func="var" arg="dir" op="equ" val="norm">
-              <dgm:constrLst>
-                <dgm:constr type="l" for="ch" forName="firstChild"/>
-                <dgm:constr type="t" for="ch" forName="firstChild"/>
-                <dgm:constr type="w" for="ch" forName="firstChild" refType="w"/>
-                <dgm:constr type="h" for="ch" forName="firstChild" refType="h"/>
-                <dgm:constr type="l" for="ch" forName="firstChildTx" refType="w" fact="0.16"/>
-                <dgm:constr type="r" for="ch" forName="firstChildTx" refType="w"/>
-                <dgm:constr type="h" for="ch" forName="firstChildTx" refFor="ch" refForName="firstChild" op="equ"/>
-              </dgm:constrLst>
-            </dgm:if>
-            <dgm:else name="Name6">
-              <dgm:constrLst>
-                <dgm:constr type="l" for="ch" forName="firstChild"/>
-                <dgm:constr type="t" for="ch" forName="firstChild"/>
-                <dgm:constr type="w" for="ch" forName="firstChild" refType="w"/>
-                <dgm:constr type="h" for="ch" forName="firstChild" refType="h"/>
-                <dgm:constr type="l" for="ch" forName="firstChildTx"/>
-                <dgm:constr type="r" for="ch" forName="firstChildTx" refType="w" fact="0.825"/>
-                <dgm:constr type="h" for="ch" forName="firstChildTx" refFor="ch" refForName="firstChild" op="equ"/>
-              </dgm:constrLst>
-            </dgm:else>
-          </dgm:choose>
-          <dgm:ruleLst/>
-          <dgm:layoutNode name="firstChild" styleLbl="bgAccFollowNode1">
-            <dgm:alg type="sp"/>
-            <dgm:shape xmlns:r="http://schemas.openxmlformats.org/officeDocument/2006/relationships" type="rect" r:blip="">
-              <dgm:adjLst/>
-            </dgm:shape>
-            <dgm:presOf axis="ch desOrSelf" ptType="node node" cnt="1 0"/>
-            <dgm:constrLst/>
-            <dgm:ruleLst/>
-          </dgm:layoutNode>
-          <dgm:layoutNode name="firstChildTx" styleLbl="bgAccFollowNode1">
-            <dgm:varLst>
-              <dgm:bulletEnabled val="1"/>
-            </dgm:varLst>
-            <dgm:alg type="tx">
-              <dgm:param type="parTxLTRAlign" val="l"/>
-            </dgm:alg>
-            <dgm:shape xmlns:r="http://schemas.openxmlformats.org/officeDocument/2006/relationships" type="rect" r:blip="" hideGeom="1">
-              <dgm:adjLst/>
-            </dgm:shape>
-            <dgm:presOf axis="ch desOrSelf" ptType="node node" cnt="1 0"/>
-            <dgm:choose name="Name7">
-              <dgm:if name="Name8" func="var" arg="dir" op="equ" val="norm">
-                <dgm:constrLst>
-                  <dgm:constr type="primFontSz" val="65"/>
-                  <dgm:constr type="lMarg"/>
-                </dgm:constrLst>
-              </dgm:if>
-              <dgm:else name="Name9">
-                <dgm:constrLst>
-                  <dgm:constr type="primFontSz" val="65"/>
-                  <dgm:constr type="rMarg"/>
-                </dgm:constrLst>
-              </dgm:else>
-            </dgm:choose>
-            <dgm:ruleLst>
-              <dgm:rule type="primFontSz" val="5" fact="NaN" max="NaN"/>
-            </dgm:ruleLst>
-          </dgm:layoutNode>
-        </dgm:layoutNode>
-        <dgm:forEach name="Name10" axis="ch" ptType="node" st="2">
-          <dgm:layoutNode name="comp">
-            <dgm:alg type="composite"/>
-            <dgm:shape xmlns:r="http://schemas.openxmlformats.org/officeDocument/2006/relationships" r:blip="">
-              <dgm:adjLst/>
-            </dgm:shape>
-            <dgm:presOf/>
-            <dgm:choose name="Name11">
-              <dgm:if name="Name12" func="var" arg="dir" op="equ" val="norm">
-                <dgm:constrLst>
-                  <dgm:constr type="l" for="ch" forName="child"/>
-                  <dgm:constr type="t" for="ch" forName="child"/>
-                  <dgm:constr type="w" for="ch" forName="child" refType="w"/>
-                  <dgm:constr type="h" for="ch" forName="child" refType="h"/>
-                  <dgm:constr type="l" for="ch" forName="childTx" refType="w" fact="0.16"/>
-                  <dgm:constr type="r" for="ch" forName="childTx" refType="w"/>
-                  <dgm:constr type="h" for="ch" forName="childTx" refFor="ch" refForName="child" op="equ"/>
-                </dgm:constrLst>
-              </dgm:if>
-              <dgm:else name="Name13">
-                <dgm:constrLst>
-                  <dgm:constr type="l" for="ch" forName="child"/>
-                  <dgm:constr type="t" for="ch" forName="child"/>
-                  <dgm:constr type="w" for="ch" forName="child" refType="w"/>
-                  <dgm:constr type="h" for="ch" forName="child" refType="h"/>
-                  <dgm:constr type="l" for="ch" forName="childTx"/>
-                  <dgm:constr type="r" for="ch" forName="childTx" refType="w" fact="0.825"/>
-                  <dgm:constr type="h" for="ch" forName="childTx" refFor="ch" refForName="child" op="equ"/>
-                </dgm:constrLst>
-              </dgm:else>
-            </dgm:choose>
-            <dgm:ruleLst/>
-            <dgm:layoutNode name="child" styleLbl="bgAccFollowNode1">
-              <dgm:alg type="sp"/>
-              <dgm:shape xmlns:r="http://schemas.openxmlformats.org/officeDocument/2006/relationships" type="rect" r:blip="">
-                <dgm:adjLst/>
-              </dgm:shape>
-              <dgm:presOf axis="desOrSelf" ptType="node"/>
-              <dgm:constrLst/>
-              <dgm:ruleLst/>
-            </dgm:layoutNode>
-            <dgm:layoutNode name="childTx" styleLbl="bgAccFollowNode1">
-              <dgm:varLst>
-                <dgm:bulletEnabled val="1"/>
-              </dgm:varLst>
-              <dgm:alg type="tx">
-                <dgm:param type="parTxLTRAlign" val="l"/>
-              </dgm:alg>
-              <dgm:shape xmlns:r="http://schemas.openxmlformats.org/officeDocument/2006/relationships" type="rect" r:blip="" hideGeom="1">
-                <dgm:adjLst/>
-              </dgm:shape>
-              <dgm:presOf axis="desOrSelf" ptType="node"/>
-              <dgm:choose name="Name14">
-                <dgm:if name="Name15" func="var" arg="dir" op="equ" val="norm">
-                  <dgm:constrLst>
-                    <dgm:constr type="primFontSz" val="65"/>
-                    <dgm:constr type="lMarg"/>
-                  </dgm:constrLst>
-                </dgm:if>
-                <dgm:else name="Name16">
-                  <dgm:constrLst>
-                    <dgm:constr type="primFontSz" val="65"/>
-                    <dgm:constr type="rMarg"/>
-                  </dgm:constrLst>
-                </dgm:else>
-              </dgm:choose>
-              <dgm:ruleLst>
-                <dgm:rule type="primFontSz" val="5" fact="NaN" max="NaN"/>
-              </dgm:ruleLst>
-            </dgm:layoutNode>
-          </dgm:layoutNode>
-        </dgm:forEach>
-      </dgm:layoutNode>
-      <dgm:layoutNode name="negSpace">
-        <dgm:alg type="sp"/>
-        <dgm:shape xmlns:r="http://schemas.openxmlformats.org/officeDocument/2006/relationships" r:blip="">
-          <dgm:adjLst/>
-        </dgm:shape>
-        <dgm:presOf/>
-        <dgm:constrLst/>
-        <dgm:ruleLst/>
-      </dgm:layoutNode>
-      <dgm:layoutNode name="circle" styleLbl="node1">
-        <dgm:alg type="tx"/>
-        <dgm:shape xmlns:r="http://schemas.openxmlformats.org/officeDocument/2006/relationships" type="ellipse" r:blip="">
-          <dgm:adjLst/>
-        </dgm:shape>
-        <dgm:presOf axis="self"/>
-        <dgm:constrLst>
-          <dgm:constr type="lMarg"/>
-          <dgm:constr type="rMarg"/>
-          <dgm:constr type="tMarg"/>
-          <dgm:constr type="bMarg"/>
-          <dgm:constr type="h" refType="w"/>
-        </dgm:constrLst>
-        <dgm:ruleLst>
-          <dgm:rule type="primFontSz" val="5" fact="NaN" max="NaN"/>
-        </dgm:ruleLst>
-      </dgm:layoutNode>
-      <dgm:forEach name="Name17" axis="followSib" ptType="sibTrans" cnt="1">
-        <dgm:layoutNode name="transSpace">
-          <dgm:alg type="sp"/>
-          <dgm:shape xmlns:r="http://schemas.openxmlformats.org/officeDocument/2006/relationships" r:blip="">
-            <dgm:adjLst/>
-          </dgm:shape>
-          <dgm:presOf/>
-          <dgm:constrLst/>
-          <dgm:ruleLst/>
-        </dgm:layoutNode>
-      </dgm:forEach>
-    </dgm:forEach>
-  </dgm:layoutNode>
-</dgm:layoutDef>
-</file>
-
-<file path=ppt/diagrams/quickStyle1.xml><?xml version="1.0" encoding="utf-8"?>
-<dgm:styleDef xmlns:dgm="http://schemas.openxmlformats.org/drawingml/2006/diagram" xmlns:a="http://schemas.openxmlformats.org/drawingml/2006/main" uniqueId="urn:microsoft.com/office/officeart/2005/8/quickstyle/simple4">
-  <dgm:title val=""/>
-  <dgm:desc val=""/>
-  <dgm:catLst>
-    <dgm:cat type="simple" pri="10400"/>
-  </dgm:catLst>
-  <dgm:scene3d>
-    <a:camera prst="orthographicFront"/>
-    <a:lightRig rig="threePt" dir="t"/>
-  </dgm:scene3d>
-  <dgm:styleLbl name="node0">
-    <dgm:scene3d>
-      <a:camera prst="orthographicFront"/>
-      <a:lightRig rig="threePt" dir="t"/>
-    </dgm:scene3d>
-    <dgm:sp3d/>
-    <dgm:txPr/>
-    <dgm:style>
-      <a:lnRef idx="0">
-        <a:scrgbClr r="0" g="0" b="0"/>
-      </a:lnRef>
-      <a:fillRef idx="3">
-        <a:scrgbClr r="0" g="0" b="0"/>
-      </a:fillRef>
-      <a:effectRef idx="2">
-        <a:scrgbClr r="0" g="0" b="0"/>
-      </a:effectRef>
-      <a:fontRef idx="minor">
-        <a:schemeClr val="lt1"/>
-      </a:fontRef>
-    </dgm:style>
-  </dgm:styleLbl>
-  <dgm:styleLbl name="lnNode1">
-    <dgm:scene3d>
-      <a:camera prst="orthographicFront"/>
-      <a:lightRig rig="threePt" dir="t"/>
-    </dgm:scene3d>
-    <dgm:sp3d/>
-    <dgm:txPr/>
-    <dgm:style>
-      <a:lnRef idx="1">
-        <a:scrgbClr r="0" g="0" b="0"/>
-      </a:lnRef>
-      <a:fillRef idx="3">
-        <a:scrgbClr r="0" g="0" b="0"/>
-      </a:fillRef>
-      <a:effectRef idx="2">
-        <a:scrgbClr r="0" g="0" b="0"/>
-      </a:effectRef>
-      <a:fontRef idx="minor">
-        <a:schemeClr val="lt1"/>
-      </a:fontRef>
-    </dgm:style>
-  </dgm:styleLbl>
-  <dgm:styleLbl name="vennNode1">
-    <dgm:scene3d>
-      <a:camera prst="orthographicFront"/>
-      <a:lightRig rig="threePt" dir="t"/>
-    </dgm:scene3d>
-    <dgm:sp3d/>
-    <dgm:txPr/>
-    <dgm:style>
-      <a:lnRef idx="0">
-        <a:scrgbClr r="0" g="0" b="0"/>
-      </a:lnRef>
-      <a:fillRef idx="3">
-        <a:scrgbClr r="0" g="0" b="0"/>
-      </a:fillRef>
-      <a:effectRef idx="0">
-        <a:scrgbClr r="0" g="0" b="0"/>
-      </a:effectRef>
-      <a:fontRef idx="minor">
-        <a:schemeClr val="tx1"/>
-      </a:fontRef>
-    </dgm:style>
-  </dgm:styleLbl>
-  <dgm:styleLbl name="alignNode1">
-    <dgm:scene3d>
-      <a:camera prst="orthographicFront"/>
-      <a:lightRig rig="threePt" dir="t"/>
-    </dgm:scene3d>
-    <dgm:sp3d/>
-    <dgm:txPr/>
-    <dgm:style>
-      <a:lnRef idx="1">
-        <a:scrgbClr r="0" g="0" b="0"/>
-      </a:lnRef>
-      <a:fillRef idx="3">
-        <a:scrgbClr r="0" g="0" b="0"/>
-      </a:fillRef>
-      <a:effectRef idx="2">
-        <a:scrgbClr r="0" g="0" b="0"/>
-      </a:effectRef>
-      <a:fontRef idx="minor">
-        <a:schemeClr val="lt1"/>
-      </a:fontRef>
-    </dgm:style>
-  </dgm:styleLbl>
-  <dgm:styleLbl name="node1">
-    <dgm:scene3d>
-      <a:camera prst="orthographicFront"/>
-      <a:lightRig rig="threePt" dir="t"/>
-    </dgm:scene3d>
-    <dgm:sp3d/>
-    <dgm:txPr/>
-    <dgm:style>
-      <a:lnRef idx="0">
-        <a:scrgbClr r="0" g="0" b="0"/>
-      </a:lnRef>
-      <a:fillRef idx="3">
-        <a:scrgbClr r="0" g="0" b="0"/>
-      </a:fillRef>
-      <a:effectRef idx="2">
-        <a:scrgbClr r="0" g="0" b="0"/>
-      </a:effectRef>
-      <a:fontRef idx="minor">
-        <a:schemeClr val="lt1"/>
-      </a:fontRef>
-    </dgm:style>
-  </dgm:styleLbl>
-  <dgm:styleLbl name="node2">
-    <dgm:scene3d>
-      <a:camera prst="orthographicFront"/>
-      <a:lightRig rig="threePt" dir="t"/>
-    </dgm:scene3d>
-    <dgm:sp3d/>
-    <dgm:txPr/>
-    <dgm:style>
-      <a:lnRef idx="0">
-        <a:scrgbClr r="0" g="0" b="0"/>
-      </a:lnRef>
-      <a:fillRef idx="3">
-        <a:scrgbClr r="0" g="0" b="0"/>
-      </a:fillRef>
-      <a:effectRef idx="2">
-        <a:scrgbClr r="0" g="0" b="0"/>
-      </a:effectRef>
-      <a:fontRef idx="minor">
-        <a:schemeClr val="lt1"/>
-      </a:fontRef>
-    </dgm:style>
-  </dgm:styleLbl>
-  <dgm:styleLbl name="node3">
-    <dgm:scene3d>
-      <a:camera prst="orthographicFront"/>
-      <a:lightRig rig="threePt" dir="t"/>
-    </dgm:scene3d>
-    <dgm:sp3d/>
-    <dgm:txPr/>
-    <dgm:style>
-      <a:lnRef idx="0">
-        <a:scrgbClr r="0" g="0" b="0"/>
-      </a:lnRef>
-      <a:fillRef idx="3">
-        <a:scrgbClr r="0" g="0" b="0"/>
-      </a:fillRef>
-      <a:effectRef idx="2">
-        <a:scrgbClr r="0" g="0" b="0"/>
-      </a:effectRef>
-      <a:fontRef idx="minor">
-        <a:schemeClr val="lt1"/>
-      </a:fontRef>
-    </dgm:style>
-  </dgm:styleLbl>
-  <dgm:styleLbl name="node4">
-    <dgm:scene3d>
-      <a:camera prst="orthographicFront"/>
-      <a:lightRig rig="threePt" dir="t"/>
-    </dgm:scene3d>
-    <dgm:sp3d/>
-    <dgm:txPr/>
-    <dgm:style>
-      <a:lnRef idx="0">
-        <a:scrgbClr r="0" g="0" b="0"/>
-      </a:lnRef>
-      <a:fillRef idx="3">
-        <a:scrgbClr r="0" g="0" b="0"/>
-      </a:fillRef>
-      <a:effectRef idx="2">
-        <a:scrgbClr r="0" g="0" b="0"/>
-      </a:effectRef>
-      <a:fontRef idx="minor">
-        <a:schemeClr val="lt1"/>
-      </a:fontRef>
-    </dgm:style>
-  </dgm:styleLbl>
-  <dgm:styleLbl name="fgImgPlace1">
-    <dgm:scene3d>
-      <a:camera prst="orthographicFront"/>
-      <a:lightRig rig="threePt" dir="t"/>
-    </dgm:scene3d>
-    <dgm:sp3d/>
-    <dgm:txPr/>
-    <dgm:style>
-      <a:lnRef idx="0">
-        <a:scrgbClr r="0" g="0" b="0"/>
-      </a:lnRef>
-      <a:fillRef idx="1">
-        <a:scrgbClr r="0" g="0" b="0"/>
-      </a:fillRef>
-      <a:effectRef idx="2">
-        <a:scrgbClr r="0" g="0" b="0"/>
-      </a:effectRef>
-      <a:fontRef idx="minor"/>
-    </dgm:style>
-  </dgm:styleLbl>
-  <dgm:styleLbl name="alignImgPlace1">
-    <dgm:scene3d>
-      <a:camera prst="orthographicFront"/>
-      <a:lightRig rig="threePt" dir="t"/>
-    </dgm:scene3d>
-    <dgm:sp3d/>
-    <dgm:txPr/>
-    <dgm:style>
-      <a:lnRef idx="0">
-        <a:scrgbClr r="0" g="0" b="0"/>
-      </a:lnRef>
-      <a:fillRef idx="1">
-        <a:scrgbClr r="0" g="0" b="0"/>
-      </a:fillRef>
-      <a:effectRef idx="2">
-        <a:scrgbClr r="0" g="0" b="0"/>
-      </a:effectRef>
-      <a:fontRef idx="minor"/>
-    </dgm:style>
-  </dgm:styleLbl>
-  <dgm:styleLbl name="bgImgPlace1">
-    <dgm:scene3d>
-      <a:camera prst="orthographicFront"/>
-      <a:lightRig rig="threePt" dir="t"/>
-    </dgm:scene3d>
-    <dgm:sp3d/>
-    <dgm:txPr/>
-    <dgm:style>
-      <a:lnRef idx="0">
-        <a:scrgbClr r="0" g="0" b="0"/>
-      </a:lnRef>
-      <a:fillRef idx="1">
-        <a:scrgbClr r="0" g="0" b="0"/>
-      </a:fillRef>
-      <a:effectRef idx="2">
-        <a:scrgbClr r="0" g="0" b="0"/>
-      </a:effectRef>
-      <a:fontRef idx="minor"/>
-    </dgm:style>
-  </dgm:styleLbl>
-  <dgm:styleLbl name="sibTrans2D1">
-    <dgm:scene3d>
-      <a:camera prst="orthographicFront"/>
-      <a:lightRig rig="threePt" dir="t"/>
-    </dgm:scene3d>
-    <dgm:sp3d/>
-    <dgm:txPr/>
-    <dgm:style>
-      <a:lnRef idx="0">
-        <a:scrgbClr r="0" g="0" b="0"/>
-      </a:lnRef>
-      <a:fillRef idx="3">
-        <a:scrgbClr r="0" g="0" b="0"/>
-      </a:fillRef>
-      <a:effectRef idx="2">
-        <a:scrgbClr r="0" g="0" b="0"/>
-      </a:effectRef>
-      <a:fontRef idx="minor">
-        <a:schemeClr val="lt1"/>
-      </a:fontRef>
-    </dgm:style>
-  </dgm:styleLbl>
-  <dgm:styleLbl name="fgSibTrans2D1">
-    <dgm:scene3d>
-      <a:camera prst="orthographicFront"/>
-      <a:lightRig rig="threePt" dir="t"/>
-    </dgm:scene3d>
-    <dgm:sp3d/>
-    <dgm:txPr/>
-    <dgm:style>
-      <a:lnRef idx="0">
-        <a:scrgbClr r="0" g="0" b="0"/>
-      </a:lnRef>
-      <a:fillRef idx="3">
-        <a:scrgbClr r="0" g="0" b="0"/>
-      </a:fillRef>
-      <a:effectRef idx="2">
-        <a:scrgbClr r="0" g="0" b="0"/>
-      </a:effectRef>
-      <a:fontRef idx="minor">
-        <a:schemeClr val="lt1"/>
-      </a:fontRef>
-    </dgm:style>
-  </dgm:styleLbl>
-  <dgm:styleLbl name="bgSibTrans2D1">
-    <dgm:scene3d>
-      <a:camera prst="orthographicFront"/>
-      <a:lightRig rig="threePt" dir="t"/>
-    </dgm:scene3d>
-    <dgm:sp3d/>
-    <dgm:txPr/>
-    <dgm:style>
-      <a:lnRef idx="0">
-        <a:scrgbClr r="0" g="0" b="0"/>
-      </a:lnRef>
-      <a:fillRef idx="3">
-        <a:scrgbClr r="0" g="0" b="0"/>
-      </a:fillRef>
-      <a:effectRef idx="2">
-        <a:scrgbClr r="0" g="0" b="0"/>
-      </a:effectRef>
-      <a:fontRef idx="minor">
-        <a:schemeClr val="lt1"/>
-      </a:fontRef>
-    </dgm:style>
-  </dgm:styleLbl>
-  <dgm:styleLbl name="sibTrans1D1">
-    <dgm:scene3d>
-      <a:camera prst="orthographicFront"/>
-      <a:lightRig rig="threePt" dir="t"/>
-    </dgm:scene3d>
-    <dgm:sp3d/>
-    <dgm:txPr/>
-    <dgm:style>
-      <a:lnRef idx="1">
-        <a:scrgbClr r="0" g="0" b="0"/>
-      </a:lnRef>
-      <a:fillRef idx="0">
-        <a:scrgbClr r="0" g="0" b="0"/>
-      </a:fillRef>
-      <a:effectRef idx="0">
-        <a:scrgbClr r="0" g="0" b="0"/>
-      </a:effectRef>
-      <a:fontRef idx="minor"/>
-    </dgm:style>
-  </dgm:styleLbl>
-  <dgm:styleLbl name="callout">
-    <dgm:scene3d>
-      <a:camera prst="orthographicFront"/>
-      <a:lightRig rig="threePt" dir="t"/>
-    </dgm:scene3d>
-    <dgm:sp3d/>
-    <dgm:txPr/>
-    <dgm:style>
-      <a:lnRef idx="2">
-        <a:scrgbClr r="0" g="0" b="0"/>
-      </a:lnRef>
-      <a:fillRef idx="1">
-        <a:scrgbClr r="0" g="0" b="0"/>
-      </a:fillRef>
-      <a:effectRef idx="1">
-        <a:scrgbClr r="0" g="0" b="0"/>
-      </a:effectRef>
-      <a:fontRef idx="minor"/>
-    </dgm:style>
-  </dgm:styleLbl>
-  <dgm:styleLbl name="asst0">
-    <dgm:scene3d>
-      <a:camera prst="orthographicFront"/>
-      <a:lightRig rig="threePt" dir="t"/>
-    </dgm:scene3d>
-    <dgm:sp3d/>
-    <dgm:txPr/>
-    <dgm:style>
-      <a:lnRef idx="0">
-        <a:scrgbClr r="0" g="0" b="0"/>
-      </a:lnRef>
-      <a:fillRef idx="3">
-        <a:scrgbClr r="0" g="0" b="0"/>
-      </a:fillRef>
-      <a:effectRef idx="2">
-        <a:scrgbClr r="0" g="0" b="0"/>
-      </a:effectRef>
-      <a:fontRef idx="minor">
-        <a:schemeClr val="lt1"/>
-      </a:fontRef>
-    </dgm:style>
-  </dgm:styleLbl>
-  <dgm:styleLbl name="asst1">
-    <dgm:scene3d>
-      <a:camera prst="orthographicFront"/>
-      <a:lightRig rig="threePt" dir="t"/>
-    </dgm:scene3d>
-    <dgm:sp3d/>
-    <dgm:txPr/>
-    <dgm:style>
-      <a:lnRef idx="0">
-        <a:scrgbClr r="0" g="0" b="0"/>
-      </a:lnRef>
-      <a:fillRef idx="3">
-        <a:scrgbClr r="0" g="0" b="0"/>
-      </a:fillRef>
-      <a:effectRef idx="2">
-        <a:scrgbClr r="0" g="0" b="0"/>
-      </a:effectRef>
-      <a:fontRef idx="minor">
-        <a:schemeClr val="lt1"/>
-      </a:fontRef>
-    </dgm:style>
-  </dgm:styleLbl>
-  <dgm:styleLbl name="asst2">
-    <dgm:scene3d>
-      <a:camera prst="orthographicFront"/>
-      <a:lightRig rig="threePt" dir="t"/>
-    </dgm:scene3d>
-    <dgm:sp3d/>
-    <dgm:txPr/>
-    <dgm:style>
-      <a:lnRef idx="0">
-        <a:scrgbClr r="0" g="0" b="0"/>
-      </a:lnRef>
-      <a:fillRef idx="3">
-        <a:scrgbClr r="0" g="0" b="0"/>
-      </a:fillRef>
-      <a:effectRef idx="2">
-        <a:scrgbClr r="0" g="0" b="0"/>
-      </a:effectRef>
-      <a:fontRef idx="minor">
-        <a:schemeClr val="lt1"/>
-      </a:fontRef>
-    </dgm:style>
-  </dgm:styleLbl>
-  <dgm:styleLbl name="asst3">
-    <dgm:scene3d>
-      <a:camera prst="orthographicFront"/>
-      <a:lightRig rig="threePt" dir="t"/>
-    </dgm:scene3d>
-    <dgm:sp3d/>
-    <dgm:txPr/>
-    <dgm:style>
-      <a:lnRef idx="0">
-        <a:scrgbClr r="0" g="0" b="0"/>
-      </a:lnRef>
-      <a:fillRef idx="3">
-        <a:scrgbClr r="0" g="0" b="0"/>
-      </a:fillRef>
-      <a:effectRef idx="2">
-        <a:scrgbClr r="0" g="0" b="0"/>
-      </a:effectRef>
-      <a:fontRef idx="minor">
-        <a:schemeClr val="lt1"/>
-      </a:fontRef>
-    </dgm:style>
-  </dgm:styleLbl>
-  <dgm:styleLbl name="asst4">
-    <dgm:scene3d>
-      <a:camera prst="orthographicFront"/>
-      <a:lightRig rig="threePt" dir="t"/>
-    </dgm:scene3d>
-    <dgm:sp3d/>
-    <dgm:txPr/>
-    <dgm:style>
-      <a:lnRef idx="0">
-        <a:scrgbClr r="0" g="0" b="0"/>
-      </a:lnRef>
-      <a:fillRef idx="3">
-        <a:scrgbClr r="0" g="0" b="0"/>
-      </a:fillRef>
-      <a:effectRef idx="2">
-        <a:scrgbClr r="0" g="0" b="0"/>
-      </a:effectRef>
-      <a:fontRef idx="minor">
-        <a:schemeClr val="lt1"/>
-      </a:fontRef>
-    </dgm:style>
-  </dgm:styleLbl>
-  <dgm:styleLbl name="parChTrans2D1">
-    <dgm:scene3d>
-      <a:camera prst="orthographicFront"/>
-      <a:lightRig rig="threePt" dir="t"/>
-    </dgm:scene3d>
-    <dgm:sp3d/>
-    <dgm:txPr/>
-    <dgm:style>
-      <a:lnRef idx="0">
-        <a:scrgbClr r="0" g="0" b="0"/>
-      </a:lnRef>
-      <a:fillRef idx="3">
-        <a:scrgbClr r="0" g="0" b="0"/>
-      </a:fillRef>
-      <a:effectRef idx="2">
-        <a:scrgbClr r="0" g="0" b="0"/>
-      </a:effectRef>
-      <a:fontRef idx="minor">
-        <a:schemeClr val="lt1"/>
-      </a:fontRef>
-    </dgm:style>
-  </dgm:styleLbl>
-  <dgm:styleLbl name="parChTrans2D2">
-    <dgm:scene3d>
-      <a:camera prst="orthographicFront"/>
-      <a:lightRig rig="threePt" dir="t"/>
-    </dgm:scene3d>
-    <dgm:sp3d/>
-    <dgm:txPr/>
-    <dgm:style>
-      <a:lnRef idx="0">
-        <a:scrgbClr r="0" g="0" b="0"/>
-      </a:lnRef>
-      <a:fillRef idx="3">
-        <a:scrgbClr r="0" g="0" b="0"/>
-      </a:fillRef>
-      <a:effectRef idx="2">
-        <a:scrgbClr r="0" g="0" b="0"/>
-      </a:effectRef>
-      <a:fontRef idx="minor">
-        <a:schemeClr val="lt1"/>
-      </a:fontRef>
-    </dgm:style>
-  </dgm:styleLbl>
-  <dgm:styleLbl name="parChTrans2D3">
-    <dgm:scene3d>
-      <a:camera prst="orthographicFront"/>
-      <a:lightRig rig="threePt" dir="t"/>
-    </dgm:scene3d>
-    <dgm:sp3d/>
-    <dgm:txPr/>
-    <dgm:style>
-      <a:lnRef idx="1">
-        <a:scrgbClr r="0" g="0" b="0"/>
-      </a:lnRef>
-      <a:fillRef idx="3">
-        <a:scrgbClr r="0" g="0" b="0"/>
-      </a:fillRef>
-      <a:effectRef idx="2">
-        <a:scrgbClr r="0" g="0" b="0"/>
-      </a:effectRef>
-      <a:fontRef idx="minor">
-        <a:schemeClr val="lt1"/>
-      </a:fontRef>
-    </dgm:style>
-  </dgm:styleLbl>
-  <dgm:styleLbl name="parChTrans2D4">
-    <dgm:scene3d>
-      <a:camera prst="orthographicFront"/>
-      <a:lightRig rig="threePt" dir="t"/>
-    </dgm:scene3d>
-    <dgm:sp3d/>
-    <dgm:txPr/>
-    <dgm:style>
-      <a:lnRef idx="1">
-        <a:scrgbClr r="0" g="0" b="0"/>
-      </a:lnRef>
-      <a:fillRef idx="3">
-        <a:scrgbClr r="0" g="0" b="0"/>
-      </a:fillRef>
-      <a:effectRef idx="2">
-        <a:scrgbClr r="0" g="0" b="0"/>
-      </a:effectRef>
-      <a:fontRef idx="minor">
-        <a:schemeClr val="lt1"/>
-      </a:fontRef>
-    </dgm:style>
-  </dgm:styleLbl>
-  <dgm:styleLbl name="parChTrans1D1">
-    <dgm:scene3d>
-      <a:camera prst="orthographicFront"/>
-      <a:lightRig rig="threePt" dir="t"/>
-    </dgm:scene3d>
-    <dgm:sp3d/>
-    <dgm:txPr/>
-    <dgm:style>
-      <a:lnRef idx="1">
-        <a:scrgbClr r="0" g="0" b="0"/>
-      </a:lnRef>
-      <a:fillRef idx="0">
-        <a:scrgbClr r="0" g="0" b="0"/>
-      </a:fillRef>
-      <a:effectRef idx="0">
-        <a:scrgbClr r="0" g="0" b="0"/>
-      </a:effectRef>
-      <a:fontRef idx="minor"/>
-    </dgm:style>
-  </dgm:styleLbl>
-  <dgm:styleLbl name="parChTrans1D2">
-    <dgm:scene3d>
-      <a:camera prst="orthographicFront"/>
-      <a:lightRig rig="threePt" dir="t"/>
-    </dgm:scene3d>
-    <dgm:sp3d/>
-    <dgm:txPr/>
-    <dgm:style>
-      <a:lnRef idx="1">
-        <a:scrgbClr r="0" g="0" b="0"/>
-      </a:lnRef>
-      <a:fillRef idx="0">
-        <a:scrgbClr r="0" g="0" b="0"/>
-      </a:fillRef>
-      <a:effectRef idx="0">
-        <a:scrgbClr r="0" g="0" b="0"/>
-      </a:effectRef>
-      <a:fontRef idx="minor"/>
-    </dgm:style>
-  </dgm:styleLbl>
-  <dgm:styleLbl name="parChTrans1D3">
-    <dgm:scene3d>
-      <a:camera prst="orthographicFront"/>
-      <a:lightRig rig="threePt" dir="t"/>
-    </dgm:scene3d>
-    <dgm:sp3d/>
-    <dgm:txPr/>
-    <dgm:style>
-      <a:lnRef idx="1">
-        <a:scrgbClr r="0" g="0" b="0"/>
-      </a:lnRef>
-      <a:fillRef idx="0">
-        <a:scrgbClr r="0" g="0" b="0"/>
-      </a:fillRef>
-      <a:effectRef idx="0">
-        <a:scrgbClr r="0" g="0" b="0"/>
-      </a:effectRef>
-      <a:fontRef idx="minor"/>
-    </dgm:style>
-  </dgm:styleLbl>
-  <dgm:styleLbl name="parChTrans1D4">
-    <dgm:scene3d>
-      <a:camera prst="orthographicFront"/>
-      <a:lightRig rig="threePt" dir="t"/>
-    </dgm:scene3d>
-    <dgm:sp3d/>
-    <dgm:txPr/>
-    <dgm:style>
-      <a:lnRef idx="1">
-        <a:scrgbClr r="0" g="0" b="0"/>
-      </a:lnRef>
-      <a:fillRef idx="0">
-        <a:scrgbClr r="0" g="0" b="0"/>
-      </a:fillRef>
-      <a:effectRef idx="0">
-        <a:scrgbClr r="0" g="0" b="0"/>
-      </a:effectRef>
-      <a:fontRef idx="minor"/>
-    </dgm:style>
-  </dgm:styleLbl>
-  <dgm:styleLbl name="fgAcc1">
-    <dgm:scene3d>
-      <a:camera prst="orthographicFront"/>
-      <a:lightRig rig="threePt" dir="t"/>
-    </dgm:scene3d>
-    <dgm:sp3d/>
-    <dgm:txPr/>
-    <dgm:style>
-      <a:lnRef idx="1">
-        <a:scrgbClr r="0" g="0" b="0"/>
-      </a:lnRef>
-      <a:fillRef idx="1">
-        <a:scrgbClr r="0" g="0" b="0"/>
-      </a:fillRef>
-      <a:effectRef idx="0">
-        <a:scrgbClr r="0" g="0" b="0"/>
-      </a:effectRef>
-      <a:fontRef idx="minor"/>
-    </dgm:style>
-  </dgm:styleLbl>
-  <dgm:styleLbl name="conFgAcc1">
-    <dgm:scene3d>
-      <a:camera prst="orthographicFront"/>
-      <a:lightRig rig="threePt" dir="t"/>
-    </dgm:scene3d>
-    <dgm:sp3d/>
-    <dgm:txPr/>
-    <dgm:style>
-      <a:lnRef idx="1">
-        <a:scrgbClr r="0" g="0" b="0"/>
-      </a:lnRef>
-      <a:fillRef idx="1">
-        <a:scrgbClr r="0" g="0" b="0"/>
-      </a:fillRef>
-      <a:effectRef idx="0">
-        <a:scrgbClr r="0" g="0" b="0"/>
-      </a:effectRef>
-      <a:fontRef idx="minor"/>
-    </dgm:style>
-  </dgm:styleLbl>
-  <dgm:styleLbl name="alignAcc1">
-    <dgm:scene3d>
-      <a:camera prst="orthographicFront"/>
-      <a:lightRig rig="threePt" dir="t"/>
-    </dgm:scene3d>
-    <dgm:sp3d/>
-    <dgm:txPr/>
-    <dgm:style>
-      <a:lnRef idx="1">
-        <a:scrgbClr r="0" g="0" b="0"/>
-      </a:lnRef>
-      <a:fillRef idx="1">
-        <a:scrgbClr r="0" g="0" b="0"/>
-      </a:fillRef>
-      <a:effectRef idx="0">
-        <a:scrgbClr r="0" g="0" b="0"/>
-      </a:effectRef>
-      <a:fontRef idx="minor"/>
-    </dgm:style>
-  </dgm:styleLbl>
-  <dgm:styleLbl name="trAlignAcc1">
-    <dgm:scene3d>
-      <a:camera prst="orthographicFront"/>
-      <a:lightRig rig="threePt" dir="t"/>
-    </dgm:scene3d>
-    <dgm:sp3d/>
-    <dgm:txPr/>
-    <dgm:style>
-      <a:lnRef idx="1">
-        <a:scrgbClr r="0" g="0" b="0"/>
-      </a:lnRef>
-      <a:fillRef idx="1">
-        <a:scrgbClr r="0" g="0" b="0"/>
-      </a:fillRef>
-      <a:effectRef idx="0">
-        <a:scrgbClr r="0" g="0" b="0"/>
-      </a:effectRef>
-      <a:fontRef idx="minor"/>
-    </dgm:style>
-  </dgm:styleLbl>
-  <dgm:styleLbl name="bgAcc1">
-    <dgm:scene3d>
-      <a:camera prst="orthographicFront"/>
-      <a:lightRig rig="threePt" dir="t"/>
-    </dgm:scene3d>
-    <dgm:sp3d/>
-    <dgm:txPr/>
-    <dgm:style>
-      <a:lnRef idx="1">
-        <a:scrgbClr r="0" g="0" b="0"/>
-      </a:lnRef>
-      <a:fillRef idx="1">
-        <a:scrgbClr r="0" g="0" b="0"/>
-      </a:fillRef>
-      <a:effectRef idx="0">
-        <a:scrgbClr r="0" g="0" b="0"/>
-      </a:effectRef>
-      <a:fontRef idx="minor"/>
-    </dgm:style>
-  </dgm:styleLbl>
-  <dgm:styleLbl name="solidFgAcc1">
-    <dgm:scene3d>
-      <a:camera prst="orthographicFront"/>
-      <a:lightRig rig="threePt" dir="t"/>
-    </dgm:scene3d>
-    <dgm:sp3d/>
-    <dgm:txPr/>
-    <dgm:style>
-      <a:lnRef idx="1">
-        <a:scrgbClr r="0" g="0" b="0"/>
-      </a:lnRef>
-      <a:fillRef idx="1">
-        <a:scrgbClr r="0" g="0" b="0"/>
-      </a:fillRef>
-      <a:effectRef idx="0">
-        <a:scrgbClr r="0" g="0" b="0"/>
-      </a:effectRef>
-      <a:fontRef idx="minor"/>
-    </dgm:style>
-  </dgm:styleLbl>
-  <dgm:styleLbl name="solidAlignAcc1">
-    <dgm:scene3d>
-      <a:camera prst="orthographicFront"/>
-      <a:lightRig rig="threePt" dir="t"/>
-    </dgm:scene3d>
-    <dgm:sp3d/>
-    <dgm:txPr/>
-    <dgm:style>
-      <a:lnRef idx="1">
-        <a:scrgbClr r="0" g="0" b="0"/>
-      </a:lnRef>
-      <a:fillRef idx="1">
-        <a:scrgbClr r="0" g="0" b="0"/>
-      </a:fillRef>
-      <a:effectRef idx="0">
-        <a:scrgbClr r="0" g="0" b="0"/>
-      </a:effectRef>
-      <a:fontRef idx="minor"/>
-    </dgm:style>
-  </dgm:styleLbl>
-  <dgm:styleLbl name="solidBgAcc1">
-    <dgm:scene3d>
-      <a:camera prst="orthographicFront"/>
-      <a:lightRig rig="threePt" dir="t"/>
-    </dgm:scene3d>
-    <dgm:sp3d/>
-    <dgm:txPr/>
-    <dgm:style>
-      <a:lnRef idx="1">
-        <a:scrgbClr r="0" g="0" b="0"/>
-      </a:lnRef>
-      <a:fillRef idx="1">
-        <a:scrgbClr r="0" g="0" b="0"/>
-      </a:fillRef>
-      <a:effectRef idx="0">
-        <a:scrgbClr r="0" g="0" b="0"/>
-      </a:effectRef>
-      <a:fontRef idx="minor"/>
-    </dgm:style>
-  </dgm:styleLbl>
-  <dgm:styleLbl name="fgAccFollowNode1">
-    <dgm:scene3d>
-      <a:camera prst="orthographicFront"/>
-      <a:lightRig rig="threePt" dir="t"/>
-    </dgm:scene3d>
-    <dgm:sp3d/>
-    <dgm:txPr/>
-    <dgm:style>
-      <a:lnRef idx="1">
-        <a:scrgbClr r="0" g="0" b="0"/>
-      </a:lnRef>
-      <a:fillRef idx="1">
-        <a:scrgbClr r="0" g="0" b="0"/>
-      </a:fillRef>
-      <a:effectRef idx="0">
-        <a:scrgbClr r="0" g="0" b="0"/>
-      </a:effectRef>
-      <a:fontRef idx="minor"/>
-    </dgm:style>
-  </dgm:styleLbl>
-  <dgm:styleLbl name="alignAccFollowNode1">
-    <dgm:scene3d>
-      <a:camera prst="orthographicFront"/>
-      <a:lightRig rig="threePt" dir="t"/>
-    </dgm:scene3d>
-    <dgm:sp3d/>
-    <dgm:txPr/>
-    <dgm:style>
-      <a:lnRef idx="1">
-        <a:scrgbClr r="0" g="0" b="0"/>
-      </a:lnRef>
-      <a:fillRef idx="1">
-        <a:scrgbClr r="0" g="0" b="0"/>
-      </a:fillRef>
-      <a:effectRef idx="0">
-        <a:scrgbClr r="0" g="0" b="0"/>
-      </a:effectRef>
-      <a:fontRef idx="minor"/>
-    </dgm:style>
-  </dgm:styleLbl>
-  <dgm:styleLbl name="bgAccFollowNode1">
-    <dgm:scene3d>
-      <a:camera prst="orthographicFront"/>
-      <a:lightRig rig="threePt" dir="t"/>
-    </dgm:scene3d>
-    <dgm:sp3d/>
-    <dgm:txPr/>
-    <dgm:style>
-      <a:lnRef idx="1">
-        <a:scrgbClr r="0" g="0" b="0"/>
-      </a:lnRef>
-      <a:fillRef idx="1">
-        <a:scrgbClr r="0" g="0" b="0"/>
-      </a:fillRef>
-      <a:effectRef idx="0">
-        <a:scrgbClr r="0" g="0" b="0"/>
-      </a:effectRef>
-      <a:fontRef idx="minor"/>
-    </dgm:style>
-  </dgm:styleLbl>
-  <dgm:styleLbl name="fgAcc0">
-    <dgm:scene3d>
-      <a:camera prst="orthographicFront"/>
-      <a:lightRig rig="threePt" dir="t"/>
-    </dgm:scene3d>
-    <dgm:sp3d/>
-    <dgm:txPr/>
-    <dgm:style>
-      <a:lnRef idx="1">
-        <a:scrgbClr r="0" g="0" b="0"/>
-      </a:lnRef>
-      <a:fillRef idx="1">
-        <a:scrgbClr r="0" g="0" b="0"/>
-      </a:fillRef>
-      <a:effectRef idx="0">
-        <a:scrgbClr r="0" g="0" b="0"/>
-      </a:effectRef>
-      <a:fontRef idx="minor"/>
-    </dgm:style>
-  </dgm:styleLbl>
-  <dgm:styleLbl name="fgAcc2">
-    <dgm:scene3d>
-      <a:camera prst="orthographicFront"/>
-      <a:lightRig rig="threePt" dir="t"/>
-    </dgm:scene3d>
-    <dgm:sp3d/>
-    <dgm:txPr/>
-    <dgm:style>
-      <a:lnRef idx="1">
-        <a:scrgbClr r="0" g="0" b="0"/>
-      </a:lnRef>
-      <a:fillRef idx="1">
-        <a:scrgbClr r="0" g="0" b="0"/>
-      </a:fillRef>
-      <a:effectRef idx="0">
-        <a:scrgbClr r="0" g="0" b="0"/>
-      </a:effectRef>
-      <a:fontRef idx="minor"/>
-    </dgm:style>
-  </dgm:styleLbl>
-  <dgm:styleLbl name="fgAcc3">
-    <dgm:scene3d>
-      <a:camera prst="orthographicFront"/>
-      <a:lightRig rig="threePt" dir="t"/>
-    </dgm:scene3d>
-    <dgm:sp3d/>
-    <dgm:txPr/>
-    <dgm:style>
-      <a:lnRef idx="1">
-        <a:scrgbClr r="0" g="0" b="0"/>
-      </a:lnRef>
-      <a:fillRef idx="1">
-        <a:scrgbClr r="0" g="0" b="0"/>
-      </a:fillRef>
-      <a:effectRef idx="0">
-        <a:scrgbClr r="0" g="0" b="0"/>
-      </a:effectRef>
-      <a:fontRef idx="minor"/>
-    </dgm:style>
-  </dgm:styleLbl>
-  <dgm:styleLbl name="fgAcc4">
-    <dgm:scene3d>
-      <a:camera prst="orthographicFront"/>
-      <a:lightRig rig="threePt" dir="t"/>
-    </dgm:scene3d>
-    <dgm:sp3d/>
-    <dgm:txPr/>
-    <dgm:style>
-      <a:lnRef idx="1">
-        <a:scrgbClr r="0" g="0" b="0"/>
-      </a:lnRef>
-      <a:fillRef idx="1">
-        <a:scrgbClr r="0" g="0" b="0"/>
-      </a:fillRef>
-      <a:effectRef idx="0">
-        <a:scrgbClr r="0" g="0" b="0"/>
-      </a:effectRef>
-      <a:fontRef idx="minor"/>
-    </dgm:style>
-  </dgm:styleLbl>
-  <dgm:styleLbl name="bgShp">
-    <dgm:scene3d>
-      <a:camera prst="orthographicFront"/>
-      <a:lightRig rig="threePt" dir="t"/>
-    </dgm:scene3d>
-    <dgm:sp3d/>
-    <dgm:txPr/>
-    <dgm:style>
-      <a:lnRef idx="0">
-        <a:scrgbClr r="0" g="0" b="0"/>
-      </a:lnRef>
-      <a:fillRef idx="1">
-        <a:scrgbClr r="0" g="0" b="0"/>
-      </a:fillRef>
-      <a:effectRef idx="2">
-        <a:scrgbClr r="0" g="0" b="0"/>
-      </a:effectRef>
-      <a:fontRef idx="minor"/>
-    </dgm:style>
-  </dgm:styleLbl>
-  <dgm:styleLbl name="dkBgShp">
-    <dgm:scene3d>
-      <a:camera prst="orthographicFront"/>
-      <a:lightRig rig="threePt" dir="t"/>
-    </dgm:scene3d>
-    <dgm:sp3d/>
-    <dgm:txPr/>
-    <dgm:style>
-      <a:lnRef idx="0">
-        <a:scrgbClr r="0" g="0" b="0"/>
-      </a:lnRef>
-      <a:fillRef idx="1">
-        <a:scrgbClr r="0" g="0" b="0"/>
-      </a:fillRef>
-      <a:effectRef idx="2">
-        <a:scrgbClr r="0" g="0" b="0"/>
-      </a:effectRef>
-      <a:fontRef idx="minor"/>
-    </dgm:style>
-  </dgm:styleLbl>
-  <dgm:styleLbl name="trBgShp">
-    <dgm:scene3d>
-      <a:camera prst="orthographicFront"/>
-      <a:lightRig rig="threePt" dir="t"/>
-    </dgm:scene3d>
-    <dgm:sp3d/>
-    <dgm:txPr/>
-    <dgm:style>
-      <a:lnRef idx="0">
-        <a:scrgbClr r="0" g="0" b="0"/>
-      </a:lnRef>
-      <a:fillRef idx="1">
-        <a:scrgbClr r="0" g="0" b="0"/>
-      </a:fillRef>
-      <a:effectRef idx="0">
-        <a:scrgbClr r="0" g="0" b="0"/>
-      </a:effectRef>
-      <a:fontRef idx="minor"/>
-    </dgm:style>
-  </dgm:styleLbl>
-  <dgm:styleLbl name="fgShp">
-    <dgm:scene3d>
-      <a:camera prst="orthographicFront"/>
-      <a:lightRig rig="threePt" dir="t"/>
-    </dgm:scene3d>
-    <dgm:sp3d/>
-    <dgm:txPr/>
-    <dgm:style>
-      <a:lnRef idx="0">
-        <a:scrgbClr r="0" g="0" b="0"/>
-      </a:lnRef>
-      <a:fillRef idx="3">
-        <a:scrgbClr r="0" g="0" b="0"/>
-      </a:fillRef>
-      <a:effectRef idx="2">
-        <a:scrgbClr r="0" g="0" b="0"/>
-      </a:effectRef>
-      <a:fontRef idx="minor"/>
-    </dgm:style>
-  </dgm:styleLbl>
-  <dgm:styleLbl name="revTx">
-    <dgm:scene3d>
-      <a:camera prst="orthographicFront"/>
-      <a:lightRig rig="threePt" dir="t"/>
-    </dgm:scene3d>
-    <dgm:sp3d/>
-    <dgm:txPr/>
-    <dgm:style>
-      <a:lnRef idx="0">
-        <a:scrgbClr r="0" g="0" b="0"/>
-      </a:lnRef>
-      <a:fillRef idx="0">
-        <a:scrgbClr r="0" g="0" b="0"/>
-      </a:fillRef>
-      <a:effectRef idx="0">
-        <a:scrgbClr r="0" g="0" b="0"/>
-      </a:effectRef>
-      <a:fontRef idx="minor"/>
-    </dgm:style>
-  </dgm:styleLbl>
-</dgm:styleDef>
-</file>
-
 <file path=ppt/handoutMasters/handoutMaster1.xml><?xml version="1.0" encoding="utf-8"?>
 <p:handoutMaster xmlns:a="http://schemas.openxmlformats.org/drawingml/2006/main" xmlns:r="http://schemas.openxmlformats.org/officeDocument/2006/relationships" xmlns:p="http://schemas.openxmlformats.org/presentationml/2006/main">
   <p:cSld>
@@ -4669,179 +672,6 @@
     </a:lvl9pPr>
   </p:notesStyle>
 </p:notesMaster>
-</file>
-
-<file path=ppt/notesSlides/notesSlide1.xml><?xml version="1.0" encoding="utf-8"?>
-<p:notes xmlns:a="http://schemas.openxmlformats.org/drawingml/2006/main" xmlns:r="http://schemas.openxmlformats.org/officeDocument/2006/relationships" xmlns:p="http://schemas.openxmlformats.org/presentationml/2006/main">
-  <p:cSld>
-    <p:spTree>
-      <p:nvGrpSpPr>
-        <p:cNvPr id="1" name=""/>
-        <p:cNvGrpSpPr/>
-        <p:nvPr/>
-      </p:nvGrpSpPr>
-      <p:grpSpPr>
-        <a:xfrm>
-          <a:off x="0" y="0"/>
-          <a:ext cx="0" cy="0"/>
-          <a:chOff x="0" y="0"/>
-          <a:chExt cx="0" cy="0"/>
-        </a:xfrm>
-      </p:grpSpPr>
-      <p:sp>
-        <p:nvSpPr>
-          <p:cNvPr id="2" name="Slide Image Placeholder 1"/>
-          <p:cNvSpPr>
-            <a:spLocks noGrp="1" noRot="1" noChangeAspect="1"/>
-          </p:cNvSpPr>
-          <p:nvPr>
-            <p:ph type="sldImg"/>
-          </p:nvPr>
-        </p:nvSpPr>
-        <p:spPr/>
-      </p:sp>
-      <p:sp>
-        <p:nvSpPr>
-          <p:cNvPr id="3" name="Notes Placeholder 2"/>
-          <p:cNvSpPr>
-            <a:spLocks noGrp="1"/>
-          </p:cNvSpPr>
-          <p:nvPr>
-            <p:ph type="body" idx="1"/>
-          </p:nvPr>
-        </p:nvSpPr>
-        <p:spPr/>
-        <p:txBody>
-          <a:bodyPr/>
-          <a:lstStyle/>
-          <a:p>
-            <a:endParaRPr lang="en-US" dirty="0"/>
-          </a:p>
-        </p:txBody>
-      </p:sp>
-      <p:sp>
-        <p:nvSpPr>
-          <p:cNvPr id="4" name="Slide Number Placeholder 3"/>
-          <p:cNvSpPr>
-            <a:spLocks noGrp="1"/>
-          </p:cNvSpPr>
-          <p:nvPr>
-            <p:ph type="sldNum" sz="quarter" idx="10"/>
-          </p:nvPr>
-        </p:nvSpPr>
-        <p:spPr/>
-        <p:txBody>
-          <a:bodyPr/>
-          <a:lstStyle/>
-          <a:p>
-            <a:fld id="{2E61351F-DBB1-4664-ADA9-83BC7CB8848D}" type="slidenum">
-              <a:rPr lang="en-US" smtClean="0"/>
-              <a:t>21</a:t>
-            </a:fld>
-            <a:endParaRPr lang="en-US"/>
-          </a:p>
-        </p:txBody>
-      </p:sp>
-    </p:spTree>
-    <p:extLst>
-      <p:ext uri="{BB962C8B-B14F-4D97-AF65-F5344CB8AC3E}">
-        <p14:creationId xmlns:p14="http://schemas.microsoft.com/office/powerpoint/2010/main" val="2255883126"/>
-      </p:ext>
-    </p:extLst>
-  </p:cSld>
-  <p:clrMapOvr>
-    <a:masterClrMapping/>
-  </p:clrMapOvr>
-</p:notes>
-</file>
-
-<file path=ppt/notesSlides/notesSlide2.xml><?xml version="1.0" encoding="utf-8"?>
-<p:notes xmlns:a="http://schemas.openxmlformats.org/drawingml/2006/main" xmlns:r="http://schemas.openxmlformats.org/officeDocument/2006/relationships" xmlns:p="http://schemas.openxmlformats.org/presentationml/2006/main">
-  <p:cSld>
-    <p:spTree>
-      <p:nvGrpSpPr>
-        <p:cNvPr id="1" name=""/>
-        <p:cNvGrpSpPr/>
-        <p:nvPr/>
-      </p:nvGrpSpPr>
-      <p:grpSpPr>
-        <a:xfrm>
-          <a:off x="0" y="0"/>
-          <a:ext cx="0" cy="0"/>
-          <a:chOff x="0" y="0"/>
-          <a:chExt cx="0" cy="0"/>
-        </a:xfrm>
-      </p:grpSpPr>
-      <p:sp>
-        <p:nvSpPr>
-          <p:cNvPr id="2" name="Slide Image Placeholder 1"/>
-          <p:cNvSpPr>
-            <a:spLocks noGrp="1" noRot="1" noChangeAspect="1"/>
-          </p:cNvSpPr>
-          <p:nvPr>
-            <p:ph type="sldImg"/>
-          </p:nvPr>
-        </p:nvSpPr>
-        <p:spPr>
-          <a:xfrm>
-            <a:off x="382588" y="685800"/>
-            <a:ext cx="6092825" cy="3429000"/>
-          </a:xfrm>
-        </p:spPr>
-      </p:sp>
-      <p:sp>
-        <p:nvSpPr>
-          <p:cNvPr id="3" name="Notes Placeholder 2"/>
-          <p:cNvSpPr>
-            <a:spLocks noGrp="1"/>
-          </p:cNvSpPr>
-          <p:nvPr>
-            <p:ph type="body" idx="1"/>
-          </p:nvPr>
-        </p:nvSpPr>
-        <p:spPr/>
-        <p:txBody>
-          <a:bodyPr/>
-          <a:lstStyle/>
-          <a:p>
-            <a:endParaRPr lang="en-US" dirty="0"/>
-          </a:p>
-        </p:txBody>
-      </p:sp>
-      <p:sp>
-        <p:nvSpPr>
-          <p:cNvPr id="4" name="Slide Number Placeholder 3"/>
-          <p:cNvSpPr>
-            <a:spLocks noGrp="1"/>
-          </p:cNvSpPr>
-          <p:nvPr>
-            <p:ph type="sldNum" sz="quarter" idx="10"/>
-          </p:nvPr>
-        </p:nvSpPr>
-        <p:spPr/>
-        <p:txBody>
-          <a:bodyPr/>
-          <a:lstStyle/>
-          <a:p>
-            <a:fld id="{A0D00EA6-0821-4AC5-933C-321AA6545349}" type="slidenum">
-              <a:rPr lang="en-US" smtClean="0"/>
-              <a:t>24</a:t>
-            </a:fld>
-            <a:endParaRPr lang="en-US" dirty="0"/>
-          </a:p>
-        </p:txBody>
-      </p:sp>
-    </p:spTree>
-    <p:extLst>
-      <p:ext uri="{BB962C8B-B14F-4D97-AF65-F5344CB8AC3E}">
-        <p14:creationId xmlns:p14="http://schemas.microsoft.com/office/powerpoint/2010/main" val="4010772331"/>
-      </p:ext>
-    </p:extLst>
-  </p:cSld>
-  <p:clrMapOvr>
-    <a:masterClrMapping/>
-  </p:clrMapOvr>
-</p:notes>
 </file>
 
 <file path=ppt/slideLayouts/slideLayout1.xml><?xml version="1.0" encoding="utf-8"?>
@@ -9016,8 +4846,8 @@
         </p:nvSpPr>
         <p:spPr>
           <a:xfrm>
-            <a:off x="8304212" y="4701251"/>
-            <a:ext cx="2747681" cy="1089529"/>
+            <a:off x="8066308" y="4116341"/>
+            <a:ext cx="3348319" cy="2086725"/>
           </a:xfrm>
           <a:prstGeom prst="rect">
             <a:avLst/>
@@ -9037,7 +4867,40 @@
             </a:pPr>
             <a:r>
               <a:rPr lang="en-US" dirty="0" smtClean="0"/>
-              <a:t>Conclusion:  Patients with high volume usage of tissue may not target patients for the drug</a:t>
+              <a:t>Conclusion:  </a:t>
+            </a:r>
+            <a:endParaRPr lang="en-US" dirty="0" smtClean="0"/>
+          </a:p>
+          <a:p>
+            <a:pPr marL="342900" indent="-342900">
+              <a:lnSpc>
+                <a:spcPct val="90000"/>
+              </a:lnSpc>
+              <a:buAutoNum type="arabicPeriod"/>
+            </a:pPr>
+            <a:r>
+              <a:rPr lang="en-US" dirty="0" smtClean="0"/>
+              <a:t>Patients </a:t>
+            </a:r>
+            <a:r>
+              <a:rPr lang="en-US" dirty="0" smtClean="0"/>
+              <a:t>with high volume usage of tissue may not target patients for the </a:t>
+            </a:r>
+            <a:r>
+              <a:rPr lang="en-US" dirty="0" smtClean="0"/>
+              <a:t>drug</a:t>
+            </a:r>
+          </a:p>
+          <a:p>
+            <a:pPr marL="342900" indent="-342900">
+              <a:lnSpc>
+                <a:spcPct val="90000"/>
+              </a:lnSpc>
+              <a:buAutoNum type="arabicPeriod"/>
+            </a:pPr>
+            <a:r>
+              <a:rPr lang="en-US" dirty="0" smtClean="0"/>
+              <a:t>Potential explanations: nose-bleeding is not the only reason for patients to use tissue; </a:t>
             </a:r>
             <a:endParaRPr lang="en-US" dirty="0"/>
           </a:p>
@@ -9410,7 +5273,7 @@
           <p:nvPr>
             <p:extLst>
               <p:ext uri="{D42A27DB-BD31-4B8C-83A1-F6EECF244321}">
-                <p14:modId xmlns:p14="http://schemas.microsoft.com/office/powerpoint/2010/main" val="3436999927"/>
+                <p14:modId xmlns:p14="http://schemas.microsoft.com/office/powerpoint/2010/main" val="2519173007"/>
               </p:ext>
             </p:extLst>
           </p:nvPr>
@@ -9481,7 +5344,7 @@
                     <a:p>
                       <a:r>
                         <a:rPr lang="en-US" sz="1700" dirty="0" smtClean="0"/>
-                        <a:t>-1.2985</a:t>
+                        <a:t>-1.2523</a:t>
                       </a:r>
                       <a:endParaRPr lang="en-US" sz="1700" dirty="0"/>
                     </a:p>
@@ -9541,7 +5404,7 @@
                     <a:p>
                       <a:r>
                         <a:rPr lang="en-US" sz="1700" dirty="0" smtClean="0"/>
-                        <a:t>0.2609</a:t>
+                        <a:t>0.2505</a:t>
                       </a:r>
                       <a:endParaRPr lang="en-US" sz="1700" dirty="0"/>
                     </a:p>
@@ -9571,7 +5434,7 @@
                     <a:p>
                       <a:r>
                         <a:rPr lang="en-US" sz="1700" dirty="0" smtClean="0"/>
-                        <a:t>-0.0109</a:t>
+                        <a:t>-0.0601</a:t>
                       </a:r>
                       <a:endParaRPr lang="en-US" sz="1700" dirty="0"/>
                     </a:p>
@@ -9635,7 +5498,7 @@
                     <a:p>
                       <a:r>
                         <a:rPr lang="en-US" sz="1700" dirty="0" smtClean="0"/>
-                        <a:t>0.4595</a:t>
+                        <a:t>0.4195</a:t>
                       </a:r>
                       <a:endParaRPr lang="en-US" sz="1700" dirty="0"/>
                     </a:p>
@@ -9703,7 +5566,11 @@
                     <a:p>
                       <a:r>
                         <a:rPr lang="en-US" sz="1700" dirty="0" smtClean="0"/>
-                        <a:t>-0.0761</a:t>
+                        <a:t>-</a:t>
+                      </a:r>
+                      <a:r>
+                        <a:rPr lang="en-US" sz="1700" dirty="0" smtClean="0"/>
+                        <a:t>0.0764</a:t>
                       </a:r>
                       <a:endParaRPr lang="en-US" sz="1700" dirty="0"/>
                     </a:p>
@@ -9737,7 +5604,7 @@
                     <a:p>
                       <a:r>
                         <a:rPr lang="en-US" sz="1700" dirty="0" smtClean="0"/>
-                        <a:t>-0.0279</a:t>
+                        <a:t>-0.0578</a:t>
                       </a:r>
                       <a:endParaRPr lang="en-US" sz="1700" dirty="0"/>
                     </a:p>
@@ -10057,7 +5924,11 @@
             </a:pPr>
             <a:r>
               <a:rPr lang="en-US" dirty="0" smtClean="0"/>
-              <a:t>Significant level, e.g. 0.05</a:t>
+              <a:t>Significance </a:t>
+            </a:r>
+            <a:r>
+              <a:rPr lang="en-US" dirty="0" smtClean="0"/>
+              <a:t>level, e.g. 0.05</a:t>
             </a:r>
           </a:p>
           <a:p>
@@ -10130,8 +6001,13 @@
             <a:pPr lvl="1"/>
             <a:r>
               <a:rPr lang="en-US" dirty="0" smtClean="0"/>
-              <a:t>The power: the percentage of iterations that the treatment effect is significant with pre-specified Type I error.</a:t>
-            </a:r>
+              <a:t>The power: the percentage of iterations that the treatment effect is significant with pre-specified </a:t>
+            </a:r>
+            <a:r>
+              <a:rPr lang="en-US" dirty="0" smtClean="0"/>
+              <a:t>significance level.</a:t>
+            </a:r>
+            <a:endParaRPr lang="en-US" dirty="0" smtClean="0"/>
           </a:p>
           <a:p>
             <a:endParaRPr lang="en-US" dirty="0"/>
@@ -10227,15 +6103,24 @@
             <a:pPr lvl="1"/>
             <a:r>
               <a:rPr lang="en-US" dirty="0" smtClean="0"/>
-              <a:t>Type I error = .05</a:t>
+              <a:t>Significance level = </a:t>
+            </a:r>
+            <a:r>
+              <a:rPr lang="en-US" dirty="0" smtClean="0"/>
+              <a:t>.05</a:t>
             </a:r>
           </a:p>
           <a:p>
             <a:pPr lvl="1"/>
             <a:r>
               <a:rPr lang="en-US" dirty="0" smtClean="0"/>
-              <a:t>Number of Iterations = 1000</a:t>
-            </a:r>
+              <a:t>Number of Iterations = </a:t>
+            </a:r>
+            <a:r>
+              <a:rPr lang="en-US" dirty="0" smtClean="0"/>
+              <a:t>5000</a:t>
+            </a:r>
+            <a:endParaRPr lang="en-US" dirty="0" smtClean="0"/>
           </a:p>
           <a:p>
             <a:pPr lvl="1"/>
@@ -10252,14 +6137,14 @@
           <p:nvPr>
             <p:extLst>
               <p:ext uri="{D42A27DB-BD31-4B8C-83A1-F6EECF244321}">
-                <p14:modId xmlns:p14="http://schemas.microsoft.com/office/powerpoint/2010/main" val="2863296074"/>
+                <p14:modId xmlns:p14="http://schemas.microsoft.com/office/powerpoint/2010/main" val="575233591"/>
               </p:ext>
             </p:extLst>
           </p:nvPr>
         </p:nvGraphicFramePr>
         <p:xfrm>
           <a:off x="1827212" y="2971800"/>
-          <a:ext cx="8125884" cy="3134360"/>
+          <a:ext cx="8125884" cy="2966720"/>
         </p:xfrm>
         <a:graphic>
           <a:graphicData uri="http://schemas.openxmlformats.org/drawingml/2006/table">
@@ -10324,7 +6209,7 @@
                     <a:p>
                       <a:r>
                         <a:rPr lang="en-US" dirty="0" smtClean="0"/>
-                        <a:t>400</a:t>
+                        <a:t>800</a:t>
                       </a:r>
                       <a:endParaRPr lang="en-US" dirty="0"/>
                     </a:p>
@@ -10354,7 +6239,11 @@
                     <a:bodyPr/>
                     <a:lstStyle/>
                     <a:p>
-                      <a:endParaRPr lang="en-US"/>
+                      <a:r>
+                        <a:rPr lang="en-US" dirty="0" smtClean="0"/>
+                        <a:t>0.2444</a:t>
+                      </a:r>
+                      <a:endParaRPr lang="en-US" dirty="0"/>
                     </a:p>
                   </a:txBody>
                   <a:tcPr/>
@@ -10368,7 +6257,7 @@
                     <a:p>
                       <a:r>
                         <a:rPr lang="en-US" dirty="0" smtClean="0"/>
-                        <a:t>400</a:t>
+                        <a:t>800</a:t>
                       </a:r>
                       <a:endParaRPr lang="en-US" dirty="0"/>
                     </a:p>
@@ -10397,7 +6286,11 @@
                     <a:bodyPr/>
                     <a:lstStyle/>
                     <a:p>
-                      <a:endParaRPr lang="en-US"/>
+                      <a:r>
+                        <a:rPr lang="en-US" dirty="0" smtClean="0"/>
+                        <a:t>0.7006</a:t>
+                      </a:r>
+                      <a:endParaRPr lang="en-US" dirty="0"/>
                     </a:p>
                   </a:txBody>
                   <a:tcPr/>
@@ -10411,7 +6304,7 @@
                     <a:p>
                       <a:r>
                         <a:rPr lang="en-US" dirty="0" smtClean="0"/>
-                        <a:t>400</a:t>
+                        <a:t>800</a:t>
                       </a:r>
                       <a:endParaRPr lang="en-US" dirty="0"/>
                     </a:p>
@@ -10423,32 +6316,13 @@
                     <a:bodyPr/>
                     <a:lstStyle/>
                     <a:p>
-                      <a:pPr marL="0" marR="0" indent="0" algn="l" defTabSz="914400" rtl="0" eaLnBrk="1" fontAlgn="auto" latinLnBrk="0" hangingPunct="1">
-                        <a:lnSpc>
-                          <a:spcPct val="100000"/>
-                        </a:lnSpc>
-                        <a:spcBef>
-                          <a:spcPts val="0"/>
-                        </a:spcBef>
-                        <a:spcAft>
-                          <a:spcPts val="0"/>
-                        </a:spcAft>
-                        <a:buClrTx/>
-                        <a:buSzTx/>
-                        <a:buFontTx/>
-                        <a:buNone/>
-                        <a:tabLst/>
-                        <a:defRPr/>
-                      </a:pPr>
                       <a:r>
                         <a:rPr lang="en-US" dirty="0" smtClean="0"/>
-                        <a:t>Mucus Viscosity &gt; 1.2</a:t>
+                        <a:t>Tissue </a:t>
                       </a:r>
-                    </a:p>
-                    <a:p>
                       <a:r>
                         <a:rPr lang="en-US" dirty="0" smtClean="0"/>
-                        <a:t>Or Tissue Use =</a:t>
+                        <a:t>Use =</a:t>
                       </a:r>
                       <a:r>
                         <a:rPr lang="en-US" baseline="0" dirty="0" smtClean="0"/>
@@ -10464,6 +6338,10 @@
                     <a:bodyPr/>
                     <a:lstStyle/>
                     <a:p>
+                      <a:r>
+                        <a:rPr lang="en-US" dirty="0" smtClean="0"/>
+                        <a:t>0.3038</a:t>
+                      </a:r>
                       <a:endParaRPr lang="en-US" dirty="0"/>
                     </a:p>
                   </a:txBody>
@@ -10478,7 +6356,7 @@
                     <a:p>
                       <a:r>
                         <a:rPr lang="en-US" dirty="0" smtClean="0"/>
-                        <a:t>800</a:t>
+                        <a:t>3000</a:t>
                       </a:r>
                       <a:endParaRPr lang="en-US" dirty="0"/>
                     </a:p>
@@ -10512,7 +6390,11 @@
                     <a:bodyPr/>
                     <a:lstStyle/>
                     <a:p>
-                      <a:endParaRPr lang="en-US"/>
+                      <a:r>
+                        <a:rPr lang="en-US" dirty="0" smtClean="0"/>
+                        <a:t>0.6526</a:t>
+                      </a:r>
+                      <a:endParaRPr lang="en-US" dirty="0"/>
                     </a:p>
                   </a:txBody>
                   <a:tcPr/>
@@ -10526,7 +6408,7 @@
                     <a:p>
                       <a:r>
                         <a:rPr lang="en-US" dirty="0" smtClean="0"/>
-                        <a:t>800</a:t>
+                        <a:t>3000</a:t>
                       </a:r>
                       <a:endParaRPr lang="en-US" dirty="0"/>
                     </a:p>
@@ -10552,7 +6434,11 @@
                     <a:bodyPr/>
                     <a:lstStyle/>
                     <a:p>
-                      <a:endParaRPr lang="en-US"/>
+                      <a:r>
+                        <a:rPr lang="en-US" dirty="0" smtClean="0"/>
+                        <a:t>0.9462</a:t>
+                      </a:r>
+                      <a:endParaRPr lang="en-US" dirty="0"/>
                     </a:p>
                   </a:txBody>
                   <a:tcPr/>
@@ -10566,7 +6452,59 @@
                     <a:p>
                       <a:r>
                         <a:rPr lang="en-US" dirty="0" smtClean="0"/>
-                        <a:t>800</a:t>
+                        <a:t>3000</a:t>
+                      </a:r>
+                      <a:endParaRPr lang="en-US" dirty="0"/>
+                    </a:p>
+                  </a:txBody>
+                  <a:tcPr/>
+                </a:tc>
+                <a:tc>
+                  <a:txBody>
+                    <a:bodyPr/>
+                    <a:lstStyle/>
+                    <a:p>
+                      <a:r>
+                        <a:rPr lang="en-US" dirty="0" smtClean="0"/>
+                        <a:t>Tissue </a:t>
+                      </a:r>
+                      <a:r>
+                        <a:rPr lang="en-US" dirty="0" smtClean="0"/>
+                        <a:t>Use =</a:t>
+                      </a:r>
+                      <a:r>
+                        <a:rPr lang="en-US" baseline="0" dirty="0" smtClean="0"/>
+                        <a:t> Medium</a:t>
+                      </a:r>
+                      <a:endParaRPr lang="en-US" dirty="0"/>
+                    </a:p>
+                  </a:txBody>
+                  <a:tcPr/>
+                </a:tc>
+                <a:tc>
+                  <a:txBody>
+                    <a:bodyPr/>
+                    <a:lstStyle/>
+                    <a:p>
+                      <a:r>
+                        <a:rPr lang="en-US" dirty="0" smtClean="0"/>
+                        <a:t>0.8180</a:t>
+                      </a:r>
+                      <a:endParaRPr lang="en-US" dirty="0"/>
+                    </a:p>
+                  </a:txBody>
+                  <a:tcPr/>
+                </a:tc>
+              </a:tr>
+              <a:tr h="370840">
+                <a:tc>
+                  <a:txBody>
+                    <a:bodyPr/>
+                    <a:lstStyle/>
+                    <a:p>
+                      <a:r>
+                        <a:rPr lang="en-US" dirty="0" smtClean="0"/>
+                        <a:t>2000</a:t>
                       </a:r>
                       <a:endParaRPr lang="en-US" dirty="0"/>
                     </a:p>
@@ -10597,19 +6535,8 @@
                       </a:pPr>
                       <a:r>
                         <a:rPr lang="en-US" dirty="0" smtClean="0"/>
-                        <a:t>Mucus Viscosity &gt; 1.2</a:t>
+                        <a:t>Mucus Viscosity &gt; 1.5</a:t>
                       </a:r>
-                    </a:p>
-                    <a:p>
-                      <a:r>
-                        <a:rPr lang="en-US" dirty="0" smtClean="0"/>
-                        <a:t>Or Tissue Use =</a:t>
-                      </a:r>
-                      <a:r>
-                        <a:rPr lang="en-US" baseline="0" dirty="0" smtClean="0"/>
-                        <a:t> Medium</a:t>
-                      </a:r>
-                      <a:endParaRPr lang="en-US" dirty="0"/>
                     </a:p>
                   </a:txBody>
                   <a:tcPr/>
@@ -10619,6 +6546,10 @@
                     <a:bodyPr/>
                     <a:lstStyle/>
                     <a:p>
+                      <a:r>
+                        <a:rPr lang="en-US" dirty="0" smtClean="0"/>
+                        <a:t>0.9217</a:t>
+                      </a:r>
                       <a:endParaRPr lang="en-US" dirty="0"/>
                     </a:p>
                   </a:txBody>
@@ -10772,41 +6703,39 @@
           <a:p>
             <a:r>
               <a:rPr lang="en-US" dirty="0" smtClean="0"/>
-              <a:t>Title and Content Layout with Chart</a:t>
+              <a:t>Appendix</a:t>
+            </a:r>
+            <a:r>
+              <a:rPr lang="en-US" smtClean="0"/>
+              <a:t>: LASSO/Elastic Net</a:t>
             </a:r>
             <a:endParaRPr lang="en-US" dirty="0"/>
           </a:p>
         </p:txBody>
       </p:sp>
-      <p:graphicFrame>
-        <p:nvGraphicFramePr>
-          <p:cNvPr id="6" name="Content Placeholder 5" descr="Clustered Column chart" title="Chart"/>
-          <p:cNvGraphicFramePr>
-            <a:graphicFrameLocks noGrp="1"/>
-          </p:cNvGraphicFramePr>
+      <p:sp>
+        <p:nvSpPr>
+          <p:cNvPr id="3" name="Content Placeholder 2"/>
+          <p:cNvSpPr>
+            <a:spLocks noGrp="1"/>
+          </p:cNvSpPr>
           <p:nvPr>
             <p:ph idx="1"/>
-            <p:extLst>
-              <p:ext uri="{D42A27DB-BD31-4B8C-83A1-F6EECF244321}">
-                <p14:modId xmlns:p14="http://schemas.microsoft.com/office/powerpoint/2010/main" val="798709955"/>
-              </p:ext>
-            </p:extLst>
-          </p:nvPr>
-        </p:nvGraphicFramePr>
-        <p:xfrm>
-          <a:off x="1293813" y="1676400"/>
-          <a:ext cx="9601200" cy="4495800"/>
-        </p:xfrm>
-        <a:graphic>
-          <a:graphicData uri="http://schemas.openxmlformats.org/drawingml/2006/chart">
-            <c:chart xmlns:c="http://schemas.openxmlformats.org/drawingml/2006/chart" xmlns:r="http://schemas.openxmlformats.org/officeDocument/2006/relationships" r:id="rId2"/>
-          </a:graphicData>
-        </a:graphic>
-      </p:graphicFrame>
+          </p:nvPr>
+        </p:nvSpPr>
+        <p:spPr/>
+        <p:txBody>
+          <a:bodyPr/>
+          <a:lstStyle/>
+          <a:p>
+            <a:endParaRPr lang="en-US" dirty="0"/>
+          </a:p>
+        </p:txBody>
+      </p:sp>
     </p:spTree>
     <p:extLst>
       <p:ext uri="{BB962C8B-B14F-4D97-AF65-F5344CB8AC3E}">
-        <p14:creationId xmlns:p14="http://schemas.microsoft.com/office/powerpoint/2010/main" val="1585674921"/>
+        <p14:creationId xmlns:p14="http://schemas.microsoft.com/office/powerpoint/2010/main" val="2938164330"/>
       </p:ext>
     </p:extLst>
   </p:cSld>
@@ -10825,346 +6754,6 @@
       </p:transition>
     </mc:Fallback>
   </mc:AlternateContent>
-  <p:timing>
-    <p:tnLst>
-      <p:par>
-        <p:cTn id="1" dur="indefinite" restart="never" nodeType="tmRoot"/>
-      </p:par>
-    </p:tnLst>
-  </p:timing>
-</p:sld>
-</file>
-
-<file path=ppt/slides/slide19.xml><?xml version="1.0" encoding="utf-8"?>
-<p:sld xmlns:a="http://schemas.openxmlformats.org/drawingml/2006/main" xmlns:r="http://schemas.openxmlformats.org/officeDocument/2006/relationships" xmlns:p="http://schemas.openxmlformats.org/presentationml/2006/main">
-  <p:cSld>
-    <p:spTree>
-      <p:nvGrpSpPr>
-        <p:cNvPr id="1" name=""/>
-        <p:cNvGrpSpPr/>
-        <p:nvPr/>
-      </p:nvGrpSpPr>
-      <p:grpSpPr>
-        <a:xfrm>
-          <a:off x="0" y="0"/>
-          <a:ext cx="0" cy="0"/>
-          <a:chOff x="0" y="0"/>
-          <a:chExt cx="0" cy="0"/>
-        </a:xfrm>
-      </p:grpSpPr>
-      <p:sp>
-        <p:nvSpPr>
-          <p:cNvPr id="2" name="Title 1"/>
-          <p:cNvSpPr>
-            <a:spLocks noGrp="1"/>
-          </p:cNvSpPr>
-          <p:nvPr>
-            <p:ph type="title"/>
-          </p:nvPr>
-        </p:nvSpPr>
-        <p:spPr/>
-        <p:txBody>
-          <a:bodyPr/>
-          <a:lstStyle/>
-          <a:p>
-            <a:r>
-              <a:rPr lang="en-US" dirty="0" smtClean="0"/>
-              <a:t>Two Content Layout with Table</a:t>
-            </a:r>
-            <a:endParaRPr lang="en-US" dirty="0"/>
-          </a:p>
-        </p:txBody>
-      </p:sp>
-      <p:sp>
-        <p:nvSpPr>
-          <p:cNvPr id="5" name="Content Placeholder 4"/>
-          <p:cNvSpPr>
-            <a:spLocks noGrp="1"/>
-          </p:cNvSpPr>
-          <p:nvPr>
-            <p:ph sz="half" idx="1"/>
-          </p:nvPr>
-        </p:nvSpPr>
-        <p:spPr/>
-        <p:txBody>
-          <a:bodyPr/>
-          <a:lstStyle/>
-          <a:p>
-            <a:r>
-              <a:rPr lang="en-US" dirty="0" smtClean="0"/>
-              <a:t>First bullet </a:t>
-            </a:r>
-            <a:r>
-              <a:rPr lang="en-US" dirty="0"/>
-              <a:t>point here</a:t>
-            </a:r>
-          </a:p>
-          <a:p>
-            <a:r>
-              <a:rPr lang="en-US" dirty="0" smtClean="0"/>
-              <a:t>Second </a:t>
-            </a:r>
-            <a:r>
-              <a:rPr lang="en-US" dirty="0"/>
-              <a:t>bullet point here</a:t>
-            </a:r>
-          </a:p>
-          <a:p>
-            <a:r>
-              <a:rPr lang="en-US" dirty="0" smtClean="0"/>
-              <a:t>Third bullet point here</a:t>
-            </a:r>
-            <a:endParaRPr lang="en-US" dirty="0"/>
-          </a:p>
-        </p:txBody>
-      </p:sp>
-      <p:graphicFrame>
-        <p:nvGraphicFramePr>
-          <p:cNvPr id="6" name="Content Placeholder 5" descr="Sample table with 3 columns, 4 rows" title="Table"/>
-          <p:cNvGraphicFramePr>
-            <a:graphicFrameLocks noGrp="1"/>
-          </p:cNvGraphicFramePr>
-          <p:nvPr>
-            <p:ph sz="half" idx="2"/>
-            <p:extLst>
-              <p:ext uri="{D42A27DB-BD31-4B8C-83A1-F6EECF244321}">
-                <p14:modId xmlns:p14="http://schemas.microsoft.com/office/powerpoint/2010/main" val="4100428082"/>
-              </p:ext>
-            </p:extLst>
-          </p:nvPr>
-        </p:nvGraphicFramePr>
-        <p:xfrm>
-          <a:off x="6202363" y="1676400"/>
-          <a:ext cx="4698999" cy="2209800"/>
-        </p:xfrm>
-        <a:graphic>
-          <a:graphicData uri="http://schemas.openxmlformats.org/drawingml/2006/table">
-            <a:tbl>
-              <a:tblPr firstRow="1" bandRow="1">
-                <a:tableStyleId>{3B4B98B0-60AC-42C2-AFA5-B58CD77FA1E5}</a:tableStyleId>
-              </a:tblPr>
-              <a:tblGrid>
-                <a:gridCol w="1566333"/>
-                <a:gridCol w="1566333"/>
-                <a:gridCol w="1566333"/>
-              </a:tblGrid>
-              <a:tr h="552450">
-                <a:tc>
-                  <a:txBody>
-                    <a:bodyPr/>
-                    <a:lstStyle/>
-                    <a:p>
-                      <a:endParaRPr lang="en-US" dirty="0"/>
-                    </a:p>
-                  </a:txBody>
-                  <a:tcPr anchor="ctr"/>
-                </a:tc>
-                <a:tc>
-                  <a:txBody>
-                    <a:bodyPr/>
-                    <a:lstStyle/>
-                    <a:p>
-                      <a:pPr algn="ctr"/>
-                      <a:r>
-                        <a:rPr lang="en-US" dirty="0" smtClean="0"/>
-                        <a:t>Group A</a:t>
-                      </a:r>
-                      <a:endParaRPr lang="en-US" dirty="0"/>
-                    </a:p>
-                  </a:txBody>
-                  <a:tcPr anchor="ctr"/>
-                </a:tc>
-                <a:tc>
-                  <a:txBody>
-                    <a:bodyPr/>
-                    <a:lstStyle/>
-                    <a:p>
-                      <a:pPr algn="ctr"/>
-                      <a:r>
-                        <a:rPr lang="en-US" dirty="0" smtClean="0"/>
-                        <a:t>Group</a:t>
-                      </a:r>
-                      <a:r>
-                        <a:rPr lang="en-US" baseline="0" dirty="0" smtClean="0"/>
-                        <a:t> B</a:t>
-                      </a:r>
-                      <a:endParaRPr lang="en-US" dirty="0"/>
-                    </a:p>
-                  </a:txBody>
-                  <a:tcPr anchor="ctr"/>
-                </a:tc>
-              </a:tr>
-              <a:tr h="552450">
-                <a:tc>
-                  <a:txBody>
-                    <a:bodyPr/>
-                    <a:lstStyle/>
-                    <a:p>
-                      <a:r>
-                        <a:rPr lang="en-US" dirty="0" smtClean="0"/>
-                        <a:t>Class 1</a:t>
-                      </a:r>
-                      <a:endParaRPr lang="en-US" dirty="0"/>
-                    </a:p>
-                  </a:txBody>
-                  <a:tcPr anchor="ctr"/>
-                </a:tc>
-                <a:tc>
-                  <a:txBody>
-                    <a:bodyPr/>
-                    <a:lstStyle/>
-                    <a:p>
-                      <a:pPr algn="ctr"/>
-                      <a:r>
-                        <a:rPr lang="en-US" dirty="0" smtClean="0"/>
-                        <a:t>82</a:t>
-                      </a:r>
-                      <a:endParaRPr lang="en-US" dirty="0"/>
-                    </a:p>
-                  </a:txBody>
-                  <a:tcPr anchor="ctr"/>
-                </a:tc>
-                <a:tc>
-                  <a:txBody>
-                    <a:bodyPr/>
-                    <a:lstStyle/>
-                    <a:p>
-                      <a:pPr algn="ctr"/>
-                      <a:r>
-                        <a:rPr lang="en-US" dirty="0" smtClean="0"/>
-                        <a:t>95</a:t>
-                      </a:r>
-                      <a:endParaRPr lang="en-US" dirty="0"/>
-                    </a:p>
-                  </a:txBody>
-                  <a:tcPr anchor="ctr"/>
-                </a:tc>
-              </a:tr>
-              <a:tr h="552450">
-                <a:tc>
-                  <a:txBody>
-                    <a:bodyPr/>
-                    <a:lstStyle/>
-                    <a:p>
-                      <a:r>
-                        <a:rPr lang="en-US" dirty="0" smtClean="0"/>
-                        <a:t>Class 2</a:t>
-                      </a:r>
-                      <a:endParaRPr lang="en-US" dirty="0"/>
-                    </a:p>
-                  </a:txBody>
-                  <a:tcPr anchor="ctr"/>
-                </a:tc>
-                <a:tc>
-                  <a:txBody>
-                    <a:bodyPr/>
-                    <a:lstStyle/>
-                    <a:p>
-                      <a:pPr algn="ctr"/>
-                      <a:r>
-                        <a:rPr lang="en-US" dirty="0" smtClean="0"/>
-                        <a:t>76</a:t>
-                      </a:r>
-                      <a:endParaRPr lang="en-US" dirty="0"/>
-                    </a:p>
-                  </a:txBody>
-                  <a:tcPr anchor="ctr"/>
-                </a:tc>
-                <a:tc>
-                  <a:txBody>
-                    <a:bodyPr/>
-                    <a:lstStyle/>
-                    <a:p>
-                      <a:pPr algn="ctr"/>
-                      <a:r>
-                        <a:rPr lang="en-US" dirty="0" smtClean="0"/>
-                        <a:t>88</a:t>
-                      </a:r>
-                      <a:endParaRPr lang="en-US" dirty="0"/>
-                    </a:p>
-                  </a:txBody>
-                  <a:tcPr anchor="ctr"/>
-                </a:tc>
-              </a:tr>
-              <a:tr h="552450">
-                <a:tc>
-                  <a:txBody>
-                    <a:bodyPr/>
-                    <a:lstStyle/>
-                    <a:p>
-                      <a:r>
-                        <a:rPr lang="en-US" dirty="0" smtClean="0"/>
-                        <a:t>Class 3</a:t>
-                      </a:r>
-                      <a:endParaRPr lang="en-US" dirty="0"/>
-                    </a:p>
-                  </a:txBody>
-                  <a:tcPr anchor="ctr"/>
-                </a:tc>
-                <a:tc>
-                  <a:txBody>
-                    <a:bodyPr/>
-                    <a:lstStyle/>
-                    <a:p>
-                      <a:pPr algn="ctr"/>
-                      <a:r>
-                        <a:rPr lang="en-US" dirty="0" smtClean="0"/>
-                        <a:t>84</a:t>
-                      </a:r>
-                      <a:endParaRPr lang="en-US" dirty="0"/>
-                    </a:p>
-                  </a:txBody>
-                  <a:tcPr anchor="ctr"/>
-                </a:tc>
-                <a:tc>
-                  <a:txBody>
-                    <a:bodyPr/>
-                    <a:lstStyle/>
-                    <a:p>
-                      <a:pPr algn="ctr"/>
-                      <a:r>
-                        <a:rPr lang="en-US" dirty="0" smtClean="0"/>
-                        <a:t>90</a:t>
-                      </a:r>
-                      <a:endParaRPr lang="en-US" dirty="0"/>
-                    </a:p>
-                  </a:txBody>
-                  <a:tcPr anchor="ctr"/>
-                </a:tc>
-              </a:tr>
-            </a:tbl>
-          </a:graphicData>
-        </a:graphic>
-      </p:graphicFrame>
-    </p:spTree>
-    <p:extLst>
-      <p:ext uri="{BB962C8B-B14F-4D97-AF65-F5344CB8AC3E}">
-        <p14:creationId xmlns:p14="http://schemas.microsoft.com/office/powerpoint/2010/main" val="323130178"/>
-      </p:ext>
-    </p:extLst>
-  </p:cSld>
-  <p:clrMapOvr>
-    <a:masterClrMapping/>
-  </p:clrMapOvr>
-  <mc:AlternateContent xmlns:mc="http://schemas.openxmlformats.org/markup-compatibility/2006" xmlns:p14="http://schemas.microsoft.com/office/powerpoint/2010/main">
-    <mc:Choice Requires="p14">
-      <p:transition spd="med" p14:dur="700">
-        <p:fade/>
-      </p:transition>
-    </mc:Choice>
-    <mc:Fallback xmlns="">
-      <p:transition spd="med">
-        <p:fade/>
-      </p:transition>
-    </mc:Fallback>
-  </mc:AlternateContent>
-  <p:timing>
-    <p:tnLst>
-      <p:par>
-        <p:cTn id="1" dur="indefinite" restart="never" nodeType="tmRoot"/>
-      </p:par>
-    </p:tnLst>
-  </p:timing>
 </p:sld>
 </file>
 
@@ -11268,544 +6857,6 @@
     <p:extLst>
       <p:ext uri="{BB962C8B-B14F-4D97-AF65-F5344CB8AC3E}">
         <p14:creationId xmlns:p14="http://schemas.microsoft.com/office/powerpoint/2010/main" val="1270821595"/>
-      </p:ext>
-    </p:extLst>
-  </p:cSld>
-  <p:clrMapOvr>
-    <a:masterClrMapping/>
-  </p:clrMapOvr>
-  <mc:AlternateContent xmlns:mc="http://schemas.openxmlformats.org/markup-compatibility/2006" xmlns:p14="http://schemas.microsoft.com/office/powerpoint/2010/main">
-    <mc:Choice Requires="p14">
-      <p:transition spd="med" p14:dur="700">
-        <p:fade/>
-      </p:transition>
-    </mc:Choice>
-    <mc:Fallback xmlns="">
-      <p:transition spd="med">
-        <p:fade/>
-      </p:transition>
-    </mc:Fallback>
-  </mc:AlternateContent>
-  <p:timing>
-    <p:tnLst>
-      <p:par>
-        <p:cTn id="1" dur="indefinite" restart="never" nodeType="tmRoot"/>
-      </p:par>
-    </p:tnLst>
-  </p:timing>
-</p:sld>
-</file>
-
-<file path=ppt/slides/slide20.xml><?xml version="1.0" encoding="utf-8"?>
-<p:sld xmlns:a="http://schemas.openxmlformats.org/drawingml/2006/main" xmlns:r="http://schemas.openxmlformats.org/officeDocument/2006/relationships" xmlns:p="http://schemas.openxmlformats.org/presentationml/2006/main">
-  <p:cSld>
-    <p:spTree>
-      <p:nvGrpSpPr>
-        <p:cNvPr id="1" name=""/>
-        <p:cNvGrpSpPr/>
-        <p:nvPr/>
-      </p:nvGrpSpPr>
-      <p:grpSpPr>
-        <a:xfrm>
-          <a:off x="0" y="0"/>
-          <a:ext cx="0" cy="0"/>
-          <a:chOff x="0" y="0"/>
-          <a:chExt cx="0" cy="0"/>
-        </a:xfrm>
-      </p:grpSpPr>
-      <p:sp>
-        <p:nvSpPr>
-          <p:cNvPr id="2" name="Title 1"/>
-          <p:cNvSpPr>
-            <a:spLocks noGrp="1"/>
-          </p:cNvSpPr>
-          <p:nvPr>
-            <p:ph type="title"/>
-          </p:nvPr>
-        </p:nvSpPr>
-        <p:spPr/>
-        <p:txBody>
-          <a:bodyPr/>
-          <a:lstStyle/>
-          <a:p>
-            <a:r>
-              <a:rPr lang="en-US" dirty="0" smtClean="0"/>
-              <a:t>Two Content Layout with Table</a:t>
-            </a:r>
-            <a:endParaRPr lang="en-US" dirty="0"/>
-          </a:p>
-        </p:txBody>
-      </p:sp>
-      <p:sp>
-        <p:nvSpPr>
-          <p:cNvPr id="5" name="Content Placeholder 4"/>
-          <p:cNvSpPr>
-            <a:spLocks noGrp="1"/>
-          </p:cNvSpPr>
-          <p:nvPr>
-            <p:ph sz="half" idx="1"/>
-          </p:nvPr>
-        </p:nvSpPr>
-        <p:spPr/>
-        <p:txBody>
-          <a:bodyPr/>
-          <a:lstStyle/>
-          <a:p>
-            <a:r>
-              <a:rPr lang="en-US" dirty="0" smtClean="0"/>
-              <a:t>First bullet </a:t>
-            </a:r>
-            <a:r>
-              <a:rPr lang="en-US" dirty="0"/>
-              <a:t>point here</a:t>
-            </a:r>
-          </a:p>
-          <a:p>
-            <a:r>
-              <a:rPr lang="en-US" dirty="0" smtClean="0"/>
-              <a:t>Second </a:t>
-            </a:r>
-            <a:r>
-              <a:rPr lang="en-US" dirty="0"/>
-              <a:t>bullet point here</a:t>
-            </a:r>
-          </a:p>
-          <a:p>
-            <a:r>
-              <a:rPr lang="en-US" dirty="0" smtClean="0"/>
-              <a:t>Third bullet point here</a:t>
-            </a:r>
-            <a:endParaRPr lang="en-US" dirty="0"/>
-          </a:p>
-        </p:txBody>
-      </p:sp>
-      <p:graphicFrame>
-        <p:nvGraphicFramePr>
-          <p:cNvPr id="4" name="Content Placeholder 3" descr="Stacked List" title="SmartArt"/>
-          <p:cNvGraphicFramePr>
-            <a:graphicFrameLocks noGrp="1"/>
-          </p:cNvGraphicFramePr>
-          <p:nvPr>
-            <p:ph sz="half" idx="2"/>
-            <p:extLst>
-              <p:ext uri="{D42A27DB-BD31-4B8C-83A1-F6EECF244321}">
-                <p14:modId xmlns:p14="http://schemas.microsoft.com/office/powerpoint/2010/main" val="141226581"/>
-              </p:ext>
-            </p:extLst>
-          </p:nvPr>
-        </p:nvGraphicFramePr>
-        <p:xfrm>
-          <a:off x="6202363" y="1676400"/>
-          <a:ext cx="4699000" cy="4495800"/>
-        </p:xfrm>
-        <a:graphic>
-          <a:graphicData uri="http://schemas.openxmlformats.org/drawingml/2006/diagram">
-            <dgm:relIds xmlns:dgm="http://schemas.openxmlformats.org/drawingml/2006/diagram" xmlns:r="http://schemas.openxmlformats.org/officeDocument/2006/relationships" r:dm="rId2" r:lo="rId3" r:qs="rId4" r:cs="rId5"/>
-          </a:graphicData>
-        </a:graphic>
-      </p:graphicFrame>
-    </p:spTree>
-    <p:extLst>
-      <p:ext uri="{BB962C8B-B14F-4D97-AF65-F5344CB8AC3E}">
-        <p14:creationId xmlns:p14="http://schemas.microsoft.com/office/powerpoint/2010/main" val="1547476530"/>
-      </p:ext>
-    </p:extLst>
-  </p:cSld>
-  <p:clrMapOvr>
-    <a:masterClrMapping/>
-  </p:clrMapOvr>
-  <mc:AlternateContent xmlns:mc="http://schemas.openxmlformats.org/markup-compatibility/2006" xmlns:p14="http://schemas.microsoft.com/office/powerpoint/2010/main">
-    <mc:Choice Requires="p14">
-      <p:transition spd="med" p14:dur="700">
-        <p:fade/>
-      </p:transition>
-    </mc:Choice>
-    <mc:Fallback xmlns="">
-      <p:transition spd="med">
-        <p:fade/>
-      </p:transition>
-    </mc:Fallback>
-  </mc:AlternateContent>
-  <p:timing>
-    <p:tnLst>
-      <p:par>
-        <p:cTn id="1" dur="indefinite" restart="never" nodeType="tmRoot"/>
-      </p:par>
-    </p:tnLst>
-  </p:timing>
-</p:sld>
-</file>
-
-<file path=ppt/slides/slide21.xml><?xml version="1.0" encoding="utf-8"?>
-<p:sld xmlns:a="http://schemas.openxmlformats.org/drawingml/2006/main" xmlns:r="http://schemas.openxmlformats.org/officeDocument/2006/relationships" xmlns:p="http://schemas.openxmlformats.org/presentationml/2006/main">
-  <p:cSld>
-    <p:spTree>
-      <p:nvGrpSpPr>
-        <p:cNvPr id="1" name=""/>
-        <p:cNvGrpSpPr/>
-        <p:nvPr/>
-      </p:nvGrpSpPr>
-      <p:grpSpPr>
-        <a:xfrm>
-          <a:off x="0" y="0"/>
-          <a:ext cx="0" cy="0"/>
-          <a:chOff x="0" y="0"/>
-          <a:chExt cx="0" cy="0"/>
-        </a:xfrm>
-      </p:grpSpPr>
-      <p:sp>
-        <p:nvSpPr>
-          <p:cNvPr id="2" name="Title 1"/>
-          <p:cNvSpPr>
-            <a:spLocks noGrp="1"/>
-          </p:cNvSpPr>
-          <p:nvPr>
-            <p:ph type="title"/>
-          </p:nvPr>
-        </p:nvSpPr>
-        <p:spPr/>
-        <p:txBody>
-          <a:bodyPr/>
-          <a:lstStyle/>
-          <a:p>
-            <a:endParaRPr lang="en-US" dirty="0"/>
-          </a:p>
-        </p:txBody>
-      </p:sp>
-      <p:sp>
-        <p:nvSpPr>
-          <p:cNvPr id="3" name="Text Placeholder 2"/>
-          <p:cNvSpPr>
-            <a:spLocks noGrp="1"/>
-          </p:cNvSpPr>
-          <p:nvPr>
-            <p:ph type="body" idx="1"/>
-          </p:nvPr>
-        </p:nvSpPr>
-        <p:spPr/>
-        <p:txBody>
-          <a:bodyPr/>
-          <a:lstStyle/>
-          <a:p>
-            <a:endParaRPr lang="en-US" dirty="0"/>
-          </a:p>
-        </p:txBody>
-      </p:sp>
-      <p:sp>
-        <p:nvSpPr>
-          <p:cNvPr id="4" name="Content Placeholder 3"/>
-          <p:cNvSpPr>
-            <a:spLocks noGrp="1"/>
-          </p:cNvSpPr>
-          <p:nvPr>
-            <p:ph sz="half" idx="2"/>
-          </p:nvPr>
-        </p:nvSpPr>
-        <p:spPr/>
-        <p:txBody>
-          <a:bodyPr/>
-          <a:lstStyle/>
-          <a:p>
-            <a:endParaRPr lang="en-US" dirty="0"/>
-          </a:p>
-        </p:txBody>
-      </p:sp>
-      <p:sp>
-        <p:nvSpPr>
-          <p:cNvPr id="5" name="Text Placeholder 4"/>
-          <p:cNvSpPr>
-            <a:spLocks noGrp="1"/>
-          </p:cNvSpPr>
-          <p:nvPr>
-            <p:ph type="body" sz="quarter" idx="3"/>
-          </p:nvPr>
-        </p:nvSpPr>
-        <p:spPr/>
-        <p:txBody>
-          <a:bodyPr/>
-          <a:lstStyle/>
-          <a:p>
-            <a:endParaRPr lang="en-US" dirty="0"/>
-          </a:p>
-        </p:txBody>
-      </p:sp>
-      <p:sp>
-        <p:nvSpPr>
-          <p:cNvPr id="6" name="Content Placeholder 5"/>
-          <p:cNvSpPr>
-            <a:spLocks noGrp="1"/>
-          </p:cNvSpPr>
-          <p:nvPr>
-            <p:ph sz="quarter" idx="4"/>
-          </p:nvPr>
-        </p:nvSpPr>
-        <p:spPr/>
-        <p:txBody>
-          <a:bodyPr/>
-          <a:lstStyle/>
-          <a:p>
-            <a:endParaRPr lang="en-US" dirty="0"/>
-          </a:p>
-        </p:txBody>
-      </p:sp>
-    </p:spTree>
-    <p:extLst>
-      <p:ext uri="{BB962C8B-B14F-4D97-AF65-F5344CB8AC3E}">
-        <p14:creationId xmlns:p14="http://schemas.microsoft.com/office/powerpoint/2010/main" val="942682045"/>
-      </p:ext>
-    </p:extLst>
-  </p:cSld>
-  <p:clrMapOvr>
-    <a:masterClrMapping/>
-  </p:clrMapOvr>
-  <mc:AlternateContent xmlns:mc="http://schemas.openxmlformats.org/markup-compatibility/2006" xmlns:p14="http://schemas.microsoft.com/office/powerpoint/2010/main">
-    <mc:Choice Requires="p14">
-      <p:transition spd="med" p14:dur="700">
-        <p:fade/>
-      </p:transition>
-    </mc:Choice>
-    <mc:Fallback xmlns="">
-      <p:transition spd="med">
-        <p:fade/>
-      </p:transition>
-    </mc:Fallback>
-  </mc:AlternateContent>
-  <p:timing>
-    <p:tnLst>
-      <p:par>
-        <p:cTn id="1" dur="indefinite" restart="never" nodeType="tmRoot"/>
-      </p:par>
-    </p:tnLst>
-  </p:timing>
-</p:sld>
-</file>
-
-<file path=ppt/slides/slide22.xml><?xml version="1.0" encoding="utf-8"?>
-<p:sld xmlns:a="http://schemas.openxmlformats.org/drawingml/2006/main" xmlns:r="http://schemas.openxmlformats.org/officeDocument/2006/relationships" xmlns:p="http://schemas.openxmlformats.org/presentationml/2006/main">
-  <p:cSld>
-    <p:spTree>
-      <p:nvGrpSpPr>
-        <p:cNvPr id="1" name=""/>
-        <p:cNvGrpSpPr/>
-        <p:nvPr/>
-      </p:nvGrpSpPr>
-      <p:grpSpPr>
-        <a:xfrm>
-          <a:off x="0" y="0"/>
-          <a:ext cx="0" cy="0"/>
-          <a:chOff x="0" y="0"/>
-          <a:chExt cx="0" cy="0"/>
-        </a:xfrm>
-      </p:grpSpPr>
-    </p:spTree>
-    <p:extLst>
-      <p:ext uri="{BB962C8B-B14F-4D97-AF65-F5344CB8AC3E}">
-        <p14:creationId xmlns:p14="http://schemas.microsoft.com/office/powerpoint/2010/main" val="805031522"/>
-      </p:ext>
-    </p:extLst>
-  </p:cSld>
-  <p:clrMapOvr>
-    <a:masterClrMapping/>
-  </p:clrMapOvr>
-  <mc:AlternateContent xmlns:mc="http://schemas.openxmlformats.org/markup-compatibility/2006" xmlns:p14="http://schemas.microsoft.com/office/powerpoint/2010/main">
-    <mc:Choice Requires="p14">
-      <p:transition spd="med" p14:dur="700">
-        <p:fade/>
-      </p:transition>
-    </mc:Choice>
-    <mc:Fallback xmlns="">
-      <p:transition spd="med">
-        <p:fade/>
-      </p:transition>
-    </mc:Fallback>
-  </mc:AlternateContent>
-  <p:timing>
-    <p:tnLst>
-      <p:par>
-        <p:cTn id="1" dur="indefinite" restart="never" nodeType="tmRoot"/>
-      </p:par>
-    </p:tnLst>
-  </p:timing>
-</p:sld>
-</file>
-
-<file path=ppt/slides/slide23.xml><?xml version="1.0" encoding="utf-8"?>
-<p:sld xmlns:a="http://schemas.openxmlformats.org/drawingml/2006/main" xmlns:r="http://schemas.openxmlformats.org/officeDocument/2006/relationships" xmlns:p="http://schemas.openxmlformats.org/presentationml/2006/main">
-  <p:cSld>
-    <p:spTree>
-      <p:nvGrpSpPr>
-        <p:cNvPr id="1" name=""/>
-        <p:cNvGrpSpPr/>
-        <p:nvPr/>
-      </p:nvGrpSpPr>
-      <p:grpSpPr>
-        <a:xfrm>
-          <a:off x="0" y="0"/>
-          <a:ext cx="0" cy="0"/>
-          <a:chOff x="0" y="0"/>
-          <a:chExt cx="0" cy="0"/>
-        </a:xfrm>
-      </p:grpSpPr>
-      <p:sp>
-        <p:nvSpPr>
-          <p:cNvPr id="2" name="Title 1"/>
-          <p:cNvSpPr>
-            <a:spLocks noGrp="1"/>
-          </p:cNvSpPr>
-          <p:nvPr>
-            <p:ph type="title"/>
-          </p:nvPr>
-        </p:nvSpPr>
-        <p:spPr/>
-        <p:txBody>
-          <a:bodyPr/>
-          <a:lstStyle/>
-          <a:p>
-            <a:endParaRPr lang="en-US"/>
-          </a:p>
-        </p:txBody>
-      </p:sp>
-      <p:sp>
-        <p:nvSpPr>
-          <p:cNvPr id="3" name="Content Placeholder 2"/>
-          <p:cNvSpPr>
-            <a:spLocks noGrp="1"/>
-          </p:cNvSpPr>
-          <p:nvPr>
-            <p:ph idx="1"/>
-          </p:nvPr>
-        </p:nvSpPr>
-        <p:spPr/>
-        <p:txBody>
-          <a:bodyPr/>
-          <a:lstStyle/>
-          <a:p>
-            <a:endParaRPr lang="en-US"/>
-          </a:p>
-        </p:txBody>
-      </p:sp>
-      <p:sp>
-        <p:nvSpPr>
-          <p:cNvPr id="4" name="Text Placeholder 3"/>
-          <p:cNvSpPr>
-            <a:spLocks noGrp="1"/>
-          </p:cNvSpPr>
-          <p:nvPr>
-            <p:ph type="body" sz="half" idx="2"/>
-          </p:nvPr>
-        </p:nvSpPr>
-        <p:spPr/>
-        <p:txBody>
-          <a:bodyPr/>
-          <a:lstStyle/>
-          <a:p>
-            <a:endParaRPr lang="en-US"/>
-          </a:p>
-        </p:txBody>
-      </p:sp>
-    </p:spTree>
-    <p:extLst>
-      <p:ext uri="{BB962C8B-B14F-4D97-AF65-F5344CB8AC3E}">
-        <p14:creationId xmlns:p14="http://schemas.microsoft.com/office/powerpoint/2010/main" val="136534381"/>
-      </p:ext>
-    </p:extLst>
-  </p:cSld>
-  <p:clrMapOvr>
-    <a:masterClrMapping/>
-  </p:clrMapOvr>
-  <mc:AlternateContent xmlns:mc="http://schemas.openxmlformats.org/markup-compatibility/2006" xmlns:p14="http://schemas.microsoft.com/office/powerpoint/2010/main">
-    <mc:Choice Requires="p14">
-      <p:transition spd="med" p14:dur="700">
-        <p:fade/>
-      </p:transition>
-    </mc:Choice>
-    <mc:Fallback xmlns="">
-      <p:transition spd="med">
-        <p:fade/>
-      </p:transition>
-    </mc:Fallback>
-  </mc:AlternateContent>
-  <p:timing>
-    <p:tnLst>
-      <p:par>
-        <p:cTn id="1" dur="indefinite" restart="never" nodeType="tmRoot"/>
-      </p:par>
-    </p:tnLst>
-  </p:timing>
-</p:sld>
-</file>
-
-<file path=ppt/slides/slide24.xml><?xml version="1.0" encoding="utf-8"?>
-<p:sld xmlns:a="http://schemas.openxmlformats.org/drawingml/2006/main" xmlns:r="http://schemas.openxmlformats.org/officeDocument/2006/relationships" xmlns:p="http://schemas.openxmlformats.org/presentationml/2006/main">
-  <p:cSld>
-    <p:spTree>
-      <p:nvGrpSpPr>
-        <p:cNvPr id="1" name=""/>
-        <p:cNvGrpSpPr/>
-        <p:nvPr/>
-      </p:nvGrpSpPr>
-      <p:grpSpPr>
-        <a:xfrm>
-          <a:off x="0" y="0"/>
-          <a:ext cx="0" cy="0"/>
-          <a:chOff x="0" y="0"/>
-          <a:chExt cx="0" cy="0"/>
-        </a:xfrm>
-      </p:grpSpPr>
-      <p:sp>
-        <p:nvSpPr>
-          <p:cNvPr id="4" name="Title 3"/>
-          <p:cNvSpPr>
-            <a:spLocks noGrp="1"/>
-          </p:cNvSpPr>
-          <p:nvPr>
-            <p:ph type="title"/>
-          </p:nvPr>
-        </p:nvSpPr>
-        <p:spPr/>
-        <p:txBody>
-          <a:bodyPr/>
-          <a:lstStyle/>
-          <a:p>
-            <a:endParaRPr lang="en-US" dirty="0"/>
-          </a:p>
-        </p:txBody>
-      </p:sp>
-      <p:sp>
-        <p:nvSpPr>
-          <p:cNvPr id="3" name="Text Placeholder 2"/>
-          <p:cNvSpPr>
-            <a:spLocks noGrp="1"/>
-          </p:cNvSpPr>
-          <p:nvPr>
-            <p:ph type="body" sz="half" idx="2"/>
-          </p:nvPr>
-        </p:nvSpPr>
-        <p:spPr/>
-        <p:txBody>
-          <a:bodyPr/>
-          <a:lstStyle/>
-          <a:p>
-            <a:endParaRPr lang="en-US" dirty="0"/>
-          </a:p>
-        </p:txBody>
-      </p:sp>
-      <p:sp>
-        <p:nvSpPr>
-          <p:cNvPr id="8" name="Picture Placeholder 7"/>
-          <p:cNvSpPr>
-            <a:spLocks noGrp="1"/>
-          </p:cNvSpPr>
-          <p:nvPr>
-            <p:ph type="pic" idx="1"/>
-          </p:nvPr>
-        </p:nvSpPr>
-        <p:spPr/>
-      </p:sp>
-    </p:spTree>
-    <p:extLst>
-      <p:ext uri="{BB962C8B-B14F-4D97-AF65-F5344CB8AC3E}">
-        <p14:creationId xmlns:p14="http://schemas.microsoft.com/office/powerpoint/2010/main" val="2769088315"/>
       </p:ext>
     </p:extLst>
   </p:cSld>
@@ -12781,19 +7832,19 @@
             </a:pPr>
             <a:r>
               <a:rPr lang="en-US" dirty="0"/>
-              <a:t>            Estimate Std. Error </a:t>
+              <a:t> </a:t>
             </a:r>
             <a:r>
               <a:rPr lang="en-US" dirty="0" smtClean="0"/>
-              <a:t>  z </a:t>
+              <a:t>          Estimate    Std</a:t>
             </a:r>
             <a:r>
               <a:rPr lang="en-US" dirty="0"/>
-              <a:t>value </a:t>
+              <a:t>. Error z value </a:t>
             </a:r>
             <a:r>
               <a:rPr lang="en-US" dirty="0" smtClean="0"/>
-              <a:t>  </a:t>
+              <a:t> </a:t>
             </a:r>
             <a:r>
               <a:rPr lang="en-US" dirty="0" err="1" smtClean="0"/>
@@ -12827,11 +7878,13 @@
             </a:pPr>
             <a:r>
               <a:rPr lang="en-US" dirty="0"/>
-              <a:t>treatment   -0.34579    0.14647  -2.361   0.0182 * </a:t>
-            </a:r>
-            <a:endParaRPr lang="en-US" dirty="0" smtClean="0"/>
-          </a:p>
-          <a:p>
+              <a:t>treatment   -0.34093    0.14647  -2.328   0.0199 *  </a:t>
+            </a:r>
+          </a:p>
+          <a:p>
+            <a:pPr marL="0" indent="0">
+              <a:buNone/>
+            </a:pPr>
             <a:endParaRPr lang="en-US" dirty="0" smtClean="0"/>
           </a:p>
           <a:p>

--- a/AstraZeneca_Presentation.pptx
+++ b/AstraZeneca_Presentation.pptx
@@ -5255,8 +5255,16 @@
           <a:lstStyle/>
           <a:p>
             <a:r>
-              <a:rPr lang="en-US" dirty="0" smtClean="0"/>
-              <a:t>The selected variables along with coefficients</a:t>
+              <a:rPr lang="en-US" sz="2000" dirty="0" smtClean="0"/>
+              <a:t>The selected </a:t>
+            </a:r>
+            <a:r>
+              <a:rPr lang="en-US" sz="2000" dirty="0" smtClean="0"/>
+              <a:t>variables using Elastic Net </a:t>
+            </a:r>
+            <a:r>
+              <a:rPr lang="en-US" sz="2000" dirty="0" smtClean="0"/>
+              <a:t>along with coefficients</a:t>
             </a:r>
           </a:p>
           <a:p>
@@ -5273,14 +5281,14 @@
           <p:nvPr>
             <p:extLst>
               <p:ext uri="{D42A27DB-BD31-4B8C-83A1-F6EECF244321}">
-                <p14:modId xmlns:p14="http://schemas.microsoft.com/office/powerpoint/2010/main" val="2519173007"/>
+                <p14:modId xmlns:p14="http://schemas.microsoft.com/office/powerpoint/2010/main" val="1703200366"/>
               </p:ext>
             </p:extLst>
           </p:nvPr>
         </p:nvGraphicFramePr>
         <p:xfrm>
-          <a:off x="1751012" y="2514601"/>
-          <a:ext cx="4038600" cy="4502866"/>
+          <a:off x="1620174" y="2180513"/>
+          <a:ext cx="4495800" cy="4753688"/>
         </p:xfrm>
         <a:graphic>
           <a:graphicData uri="http://schemas.openxmlformats.org/drawingml/2006/table">
@@ -5289,10 +5297,10 @@
                 <a:tableStyleId>{3B4B98B0-60AC-42C2-AFA5-B58CD77FA1E5}</a:tableStyleId>
               </a:tblPr>
               <a:tblGrid>
-                <a:gridCol w="2524125"/>
-                <a:gridCol w="1514475"/>
+                <a:gridCol w="3124200"/>
+                <a:gridCol w="1371600"/>
               </a:tblGrid>
-              <a:tr h="336627">
+              <a:tr h="339971">
                 <a:tc>
                   <a:txBody>
                     <a:bodyPr/>
@@ -5322,7 +5330,7 @@
                   <a:tcPr/>
                 </a:tc>
               </a:tr>
-              <a:tr h="336627">
+              <a:tr h="339971">
                 <a:tc>
                   <a:txBody>
                     <a:bodyPr/>
@@ -5344,7 +5352,7 @@
                     <a:p>
                       <a:r>
                         <a:rPr lang="en-US" sz="1700" dirty="0" smtClean="0"/>
-                        <a:t>-1.2523</a:t>
+                        <a:t>-1.2437</a:t>
                       </a:r>
                       <a:endParaRPr lang="en-US" sz="1700" dirty="0"/>
                     </a:p>
@@ -5352,7 +5360,7 @@
                   <a:tcPr/>
                 </a:tc>
               </a:tr>
-              <a:tr h="336627">
+              <a:tr h="339971">
                 <a:tc>
                   <a:txBody>
                     <a:bodyPr/>
@@ -5374,7 +5382,7 @@
                     <a:p>
                       <a:r>
                         <a:rPr lang="en-US" sz="1700" dirty="0" smtClean="0"/>
-                        <a:t>-0.0095</a:t>
+                        <a:t>-0.0275</a:t>
                       </a:r>
                       <a:endParaRPr lang="en-US" sz="1700" dirty="0"/>
                     </a:p>
@@ -5382,7 +5390,7 @@
                   <a:tcPr/>
                 </a:tc>
               </a:tr>
-              <a:tr h="336627">
+              <a:tr h="339971">
                 <a:tc>
                   <a:txBody>
                     <a:bodyPr/>
@@ -5404,7 +5412,7 @@
                     <a:p>
                       <a:r>
                         <a:rPr lang="en-US" sz="1700" dirty="0" smtClean="0"/>
-                        <a:t>0.2505</a:t>
+                        <a:t>0.2580</a:t>
                       </a:r>
                       <a:endParaRPr lang="en-US" sz="1700" dirty="0"/>
                     </a:p>
@@ -5412,7 +5420,7 @@
                   <a:tcPr/>
                 </a:tc>
               </a:tr>
-              <a:tr h="336627">
+              <a:tr h="339971">
                 <a:tc>
                   <a:txBody>
                     <a:bodyPr/>
@@ -5434,7 +5442,7 @@
                     <a:p>
                       <a:r>
                         <a:rPr lang="en-US" sz="1700" dirty="0" smtClean="0"/>
-                        <a:t>-0.0601</a:t>
+                        <a:t>-0.0994</a:t>
                       </a:r>
                       <a:endParaRPr lang="en-US" sz="1700" dirty="0"/>
                     </a:p>
@@ -5442,7 +5450,7 @@
                   <a:tcPr/>
                 </a:tc>
               </a:tr>
-              <a:tr h="336627">
+              <a:tr h="339971">
                 <a:tc>
                   <a:txBody>
                     <a:bodyPr/>
@@ -5464,7 +5472,7 @@
                     <a:p>
                       <a:r>
                         <a:rPr lang="en-US" sz="1700" dirty="0" smtClean="0"/>
-                        <a:t>0.0001</a:t>
+                        <a:t>0.0224</a:t>
                       </a:r>
                       <a:endParaRPr lang="en-US" sz="1700" dirty="0"/>
                     </a:p>
@@ -5472,7 +5480,7 @@
                   <a:tcPr/>
                 </a:tc>
               </a:tr>
-              <a:tr h="336627">
+              <a:tr h="339971">
                 <a:tc>
                   <a:txBody>
                     <a:bodyPr/>
@@ -5498,7 +5506,7 @@
                     <a:p>
                       <a:r>
                         <a:rPr lang="en-US" sz="1700" dirty="0" smtClean="0"/>
-                        <a:t>0.4195</a:t>
+                        <a:t>0.4237</a:t>
                       </a:r>
                       <a:endParaRPr lang="en-US" sz="1700" dirty="0"/>
                     </a:p>
@@ -5506,7 +5514,7 @@
                   <a:tcPr/>
                 </a:tc>
               </a:tr>
-              <a:tr h="336627">
+              <a:tr h="339971">
                 <a:tc>
                   <a:txBody>
                     <a:bodyPr/>
@@ -5532,7 +5540,7 @@
                     <a:p>
                       <a:r>
                         <a:rPr lang="en-US" sz="1700" dirty="0" smtClean="0"/>
-                        <a:t>-0.2746</a:t>
+                        <a:t>-0.3173</a:t>
                       </a:r>
                       <a:endParaRPr lang="en-US" sz="1700" dirty="0"/>
                     </a:p>
@@ -5540,7 +5548,7 @@
                   <a:tcPr/>
                 </a:tc>
               </a:tr>
-              <a:tr h="585438">
+              <a:tr h="354752">
                 <a:tc>
                   <a:txBody>
                     <a:bodyPr/>
@@ -5566,11 +5574,7 @@
                     <a:p>
                       <a:r>
                         <a:rPr lang="en-US" sz="1700" dirty="0" smtClean="0"/>
-                        <a:t>-</a:t>
-                      </a:r>
-                      <a:r>
-                        <a:rPr lang="en-US" sz="1700" dirty="0" smtClean="0"/>
-                        <a:t>0.0764</a:t>
+                        <a:t>-0.0951</a:t>
                       </a:r>
                       <a:endParaRPr lang="en-US" sz="1700" dirty="0"/>
                     </a:p>
@@ -5578,7 +5582,7 @@
                   <a:tcPr/>
                 </a:tc>
               </a:tr>
-              <a:tr h="585438">
+              <a:tr h="339971">
                 <a:tc>
                   <a:txBody>
                     <a:bodyPr/>
@@ -5604,7 +5608,7 @@
                     <a:p>
                       <a:r>
                         <a:rPr lang="en-US" sz="1700" dirty="0" smtClean="0"/>
-                        <a:t>-0.0578</a:t>
+                        <a:t>-0.0679</a:t>
                       </a:r>
                       <a:endParaRPr lang="en-US" sz="1700" dirty="0"/>
                     </a:p>
@@ -5612,7 +5616,54 @@
                   <a:tcPr/>
                 </a:tc>
               </a:tr>
-              <a:tr h="479506">
+              <a:tr h="428660">
+                <a:tc>
+                  <a:txBody>
+                    <a:bodyPr/>
+                    <a:lstStyle/>
+                    <a:p>
+                      <a:pPr marL="0" marR="0" indent="0" algn="l" defTabSz="914400" rtl="0" eaLnBrk="1" fontAlgn="auto" latinLnBrk="0" hangingPunct="1">
+                        <a:lnSpc>
+                          <a:spcPct val="100000"/>
+                        </a:lnSpc>
+                        <a:spcBef>
+                          <a:spcPts val="0"/>
+                        </a:spcBef>
+                        <a:spcAft>
+                          <a:spcPts val="0"/>
+                        </a:spcAft>
+                        <a:buClrTx/>
+                        <a:buSzTx/>
+                        <a:buFontTx/>
+                        <a:buNone/>
+                        <a:tabLst/>
+                        <a:defRPr/>
+                      </a:pPr>
+                      <a:r>
+                        <a:rPr lang="en-US" sz="1700" dirty="0" err="1" smtClean="0"/>
+                        <a:t>treatment:countryD</a:t>
+                      </a:r>
+                      <a:endParaRPr lang="en-US" sz="1700" dirty="0" smtClean="0"/>
+                    </a:p>
+                  </a:txBody>
+                  <a:tcPr/>
+                </a:tc>
+                <a:tc>
+                  <a:txBody>
+                    <a:bodyPr/>
+                    <a:lstStyle/>
+                    <a:p>
+                      <a:r>
+                        <a:rPr lang="en-US" sz="1700" dirty="0" smtClean="0"/>
+                        <a:t>-0.0121</a:t>
+                      </a:r>
+                      <a:endParaRPr lang="en-US" sz="1700" dirty="0"/>
+                    </a:p>
+                  </a:txBody>
+                  <a:tcPr/>
+                </a:tc>
+              </a:tr>
+              <a:tr h="465076">
                 <a:tc>
                   <a:txBody>
                     <a:bodyPr/>
@@ -5620,7 +5671,7 @@
                     <a:p>
                       <a:r>
                         <a:rPr lang="en-US" sz="1700" dirty="0" err="1" smtClean="0"/>
-                        <a:t>treatment:countryF</a:t>
+                        <a:t>treatment:countryE</a:t>
                       </a:r>
                       <a:endParaRPr lang="en-US" sz="1700" dirty="0"/>
                     </a:p>
@@ -5634,7 +5685,54 @@
                     <a:p>
                       <a:r>
                         <a:rPr lang="en-US" sz="1700" dirty="0" smtClean="0"/>
-                        <a:t>0.0409</a:t>
+                        <a:t>0.0140</a:t>
+                      </a:r>
+                      <a:endParaRPr lang="en-US" sz="1700" dirty="0"/>
+                    </a:p>
+                  </a:txBody>
+                  <a:tcPr/>
+                </a:tc>
+              </a:tr>
+              <a:tr h="339971">
+                <a:tc>
+                  <a:txBody>
+                    <a:bodyPr/>
+                    <a:lstStyle/>
+                    <a:p>
+                      <a:pPr marL="0" marR="0" indent="0" algn="l" defTabSz="914400" rtl="0" eaLnBrk="1" fontAlgn="auto" latinLnBrk="0" hangingPunct="1">
+                        <a:lnSpc>
+                          <a:spcPct val="100000"/>
+                        </a:lnSpc>
+                        <a:spcBef>
+                          <a:spcPts val="0"/>
+                        </a:spcBef>
+                        <a:spcAft>
+                          <a:spcPts val="0"/>
+                        </a:spcAft>
+                        <a:buClrTx/>
+                        <a:buSzTx/>
+                        <a:buFontTx/>
+                        <a:buNone/>
+                        <a:tabLst/>
+                        <a:defRPr/>
+                      </a:pPr>
+                      <a:r>
+                        <a:rPr lang="en-US" sz="1700" dirty="0" err="1" smtClean="0"/>
+                        <a:t>treatment:countryF</a:t>
+                      </a:r>
+                      <a:endParaRPr lang="en-US" sz="1700" dirty="0" smtClean="0"/>
+                    </a:p>
+                  </a:txBody>
+                  <a:tcPr/>
+                </a:tc>
+                <a:tc>
+                  <a:txBody>
+                    <a:bodyPr/>
+                    <a:lstStyle/>
+                    <a:p>
+                      <a:r>
+                        <a:rPr lang="en-US" sz="1700" dirty="0" smtClean="0"/>
+                        <a:t>0.0848</a:t>
                       </a:r>
                       <a:endParaRPr lang="en-US" sz="1700" dirty="0"/>
                     </a:p>
@@ -5655,7 +5753,7 @@
         <p:spPr>
           <a:xfrm>
             <a:off x="6932612" y="2667000"/>
-            <a:ext cx="4419600" cy="3582519"/>
+            <a:ext cx="4419600" cy="3831818"/>
           </a:xfrm>
           <a:prstGeom prst="rect">
             <a:avLst/>
@@ -5692,7 +5790,7 @@
             </a:r>
             <a:r>
               <a:rPr lang="en-US" dirty="0" smtClean="0"/>
-              <a:t>nosebleeds</a:t>
+              <a:t>nosebleeds and the treatment effect.</a:t>
             </a:r>
             <a:endParaRPr lang="en-US" dirty="0" smtClean="0"/>
           </a:p>
@@ -6137,14 +6235,14 @@
           <p:nvPr>
             <p:extLst>
               <p:ext uri="{D42A27DB-BD31-4B8C-83A1-F6EECF244321}">
-                <p14:modId xmlns:p14="http://schemas.microsoft.com/office/powerpoint/2010/main" val="575233591"/>
+                <p14:modId xmlns:p14="http://schemas.microsoft.com/office/powerpoint/2010/main" val="2652010628"/>
               </p:ext>
             </p:extLst>
           </p:nvPr>
         </p:nvGraphicFramePr>
         <p:xfrm>
           <a:off x="1827212" y="2971800"/>
-          <a:ext cx="8125884" cy="2966720"/>
+          <a:ext cx="8125884" cy="2595880"/>
         </p:xfrm>
         <a:graphic>
           <a:graphicData uri="http://schemas.openxmlformats.org/drawingml/2006/table">
@@ -6241,7 +6339,7 @@
                     <a:p>
                       <a:r>
                         <a:rPr lang="en-US" dirty="0" smtClean="0"/>
-                        <a:t>0.2444</a:t>
+                        <a:t>0.3016</a:t>
                       </a:r>
                       <a:endParaRPr lang="en-US" dirty="0"/>
                     </a:p>
@@ -6288,7 +6386,7 @@
                     <a:p>
                       <a:r>
                         <a:rPr lang="en-US" dirty="0" smtClean="0"/>
-                        <a:t>0.7006</a:t>
+                        <a:t>0.8388</a:t>
                       </a:r>
                       <a:endParaRPr lang="en-US" dirty="0"/>
                     </a:p>
@@ -6340,7 +6438,7 @@
                     <a:p>
                       <a:r>
                         <a:rPr lang="en-US" dirty="0" smtClean="0"/>
-                        <a:t>0.3038</a:t>
+                        <a:t>0.3892</a:t>
                       </a:r>
                       <a:endParaRPr lang="en-US" dirty="0"/>
                     </a:p>
@@ -6356,7 +6454,7 @@
                     <a:p>
                       <a:r>
                         <a:rPr lang="en-US" dirty="0" smtClean="0"/>
-                        <a:t>3000</a:t>
+                        <a:t>2000</a:t>
                       </a:r>
                       <a:endParaRPr lang="en-US" dirty="0"/>
                     </a:p>
@@ -6392,7 +6490,7 @@
                     <a:p>
                       <a:r>
                         <a:rPr lang="en-US" dirty="0" smtClean="0"/>
-                        <a:t>0.6526</a:t>
+                        <a:t>0.6158</a:t>
                       </a:r>
                       <a:endParaRPr lang="en-US" dirty="0"/>
                     </a:p>
@@ -6408,7 +6506,7 @@
                     <a:p>
                       <a:r>
                         <a:rPr lang="en-US" dirty="0" smtClean="0"/>
-                        <a:t>3000</a:t>
+                        <a:t>2000</a:t>
                       </a:r>
                       <a:endParaRPr lang="en-US" dirty="0"/>
                     </a:p>
@@ -6436,7 +6534,7 @@
                     <a:p>
                       <a:r>
                         <a:rPr lang="en-US" dirty="0" smtClean="0"/>
-                        <a:t>0.9462</a:t>
+                        <a:t>0.9288</a:t>
                       </a:r>
                       <a:endParaRPr lang="en-US" dirty="0"/>
                     </a:p>
@@ -6452,7 +6550,7 @@
                     <a:p>
                       <a:r>
                         <a:rPr lang="en-US" dirty="0" smtClean="0"/>
-                        <a:t>3000</a:t>
+                        <a:t>2000</a:t>
                       </a:r>
                       <a:endParaRPr lang="en-US" dirty="0"/>
                     </a:p>
@@ -6488,67 +6586,7 @@
                     <a:p>
                       <a:r>
                         <a:rPr lang="en-US" dirty="0" smtClean="0"/>
-                        <a:t>0.8180</a:t>
-                      </a:r>
-                      <a:endParaRPr lang="en-US" dirty="0"/>
-                    </a:p>
-                  </a:txBody>
-                  <a:tcPr/>
-                </a:tc>
-              </a:tr>
-              <a:tr h="370840">
-                <a:tc>
-                  <a:txBody>
-                    <a:bodyPr/>
-                    <a:lstStyle/>
-                    <a:p>
-                      <a:r>
-                        <a:rPr lang="en-US" dirty="0" smtClean="0"/>
-                        <a:t>2000</a:t>
-                      </a:r>
-                      <a:endParaRPr lang="en-US" dirty="0"/>
-                    </a:p>
-                  </a:txBody>
-                  <a:tcPr/>
-                </a:tc>
-                <a:tc>
-                  <a:txBody>
-                    <a:bodyPr/>
-                    <a:lstStyle/>
-                    <a:p>
-                      <a:pPr marL="0" marR="0" indent="0" algn="l" defTabSz="914400" rtl="0" eaLnBrk="1" fontAlgn="auto" latinLnBrk="0" hangingPunct="1">
-                        <a:lnSpc>
-                          <a:spcPct val="100000"/>
-                        </a:lnSpc>
-                        <a:spcBef>
-                          <a:spcPts val="0"/>
-                        </a:spcBef>
-                        <a:spcAft>
-                          <a:spcPts val="0"/>
-                        </a:spcAft>
-                        <a:buClrTx/>
-                        <a:buSzTx/>
-                        <a:buFontTx/>
-                        <a:buNone/>
-                        <a:tabLst/>
-                        <a:defRPr/>
-                      </a:pPr>
-                      <a:r>
-                        <a:rPr lang="en-US" dirty="0" smtClean="0"/>
-                        <a:t>Mucus Viscosity &gt; 1.5</a:t>
-                      </a:r>
-                    </a:p>
-                  </a:txBody>
-                  <a:tcPr/>
-                </a:tc>
-                <a:tc>
-                  <a:txBody>
-                    <a:bodyPr/>
-                    <a:lstStyle/>
-                    <a:p>
-                      <a:r>
-                        <a:rPr lang="en-US" dirty="0" smtClean="0"/>
-                        <a:t>0.9217</a:t>
+                        <a:t>0.7722</a:t>
                       </a:r>
                       <a:endParaRPr lang="en-US" dirty="0"/>
                     </a:p>
@@ -6703,11 +6741,7 @@
           <a:p>
             <a:r>
               <a:rPr lang="en-US" dirty="0" smtClean="0"/>
-              <a:t>Appendix</a:t>
-            </a:r>
-            <a:r>
-              <a:rPr lang="en-US" smtClean="0"/>
-              <a:t>: LASSO/Elastic Net</a:t>
+              <a:t>Appendix: LASSO/Elastic Net</a:t>
             </a:r>
             <a:endParaRPr lang="en-US" dirty="0"/>
           </a:p>
